--- a/docs/apresentacao.pptx
+++ b/docs/apresentacao.pptx
@@ -4,27 +4,31 @@
   <p:sldMasterIdLst>
     <p:sldMasterId id="2147483650" r:id="rId1"/>
   </p:sldMasterIdLst>
+  <p:notesMasterIdLst>
+    <p:notesMasterId r:id="rId23"/>
+  </p:notesMasterIdLst>
   <p:sldIdLst>
     <p:sldId id="265" r:id="rId2"/>
     <p:sldId id="257" r:id="rId3"/>
     <p:sldId id="264" r:id="rId4"/>
-    <p:sldId id="263" r:id="rId5"/>
-    <p:sldId id="258" r:id="rId6"/>
-    <p:sldId id="270" r:id="rId7"/>
-    <p:sldId id="259" r:id="rId8"/>
-    <p:sldId id="271" r:id="rId9"/>
-    <p:sldId id="260" r:id="rId10"/>
-    <p:sldId id="272" r:id="rId11"/>
-    <p:sldId id="273" r:id="rId12"/>
+    <p:sldId id="258" r:id="rId5"/>
+    <p:sldId id="270" r:id="rId6"/>
+    <p:sldId id="259" r:id="rId7"/>
+    <p:sldId id="271" r:id="rId8"/>
+    <p:sldId id="260" r:id="rId9"/>
+    <p:sldId id="272" r:id="rId10"/>
+    <p:sldId id="273" r:id="rId11"/>
+    <p:sldId id="277" r:id="rId12"/>
     <p:sldId id="274" r:id="rId13"/>
-    <p:sldId id="261" r:id="rId14"/>
-    <p:sldId id="275" r:id="rId15"/>
-    <p:sldId id="276" r:id="rId16"/>
-    <p:sldId id="262" r:id="rId17"/>
-    <p:sldId id="267" r:id="rId18"/>
-    <p:sldId id="268" r:id="rId19"/>
-    <p:sldId id="269" r:id="rId20"/>
-    <p:sldId id="266" r:id="rId21"/>
+    <p:sldId id="278" r:id="rId14"/>
+    <p:sldId id="261" r:id="rId15"/>
+    <p:sldId id="275" r:id="rId16"/>
+    <p:sldId id="276" r:id="rId17"/>
+    <p:sldId id="262" r:id="rId18"/>
+    <p:sldId id="267" r:id="rId19"/>
+    <p:sldId id="268" r:id="rId20"/>
+    <p:sldId id="269" r:id="rId21"/>
+    <p:sldId id="266" r:id="rId22"/>
   </p:sldIdLst>
   <p:sldSz cx="9144000" cy="6858000" type="screen4x3"/>
   <p:notesSz cx="6858000" cy="9144000"/>
@@ -155,7 +159,7 @@
   </p:defaultTextStyle>
   <p:extLst>
     <p:ext uri="{EFAFB233-063F-42B5-8137-9DF3F51BA10A}">
-      <p15:sldGuideLst xmlns:p15="http://schemas.microsoft.com/office/powerpoint/2012/main">
+      <p15:sldGuideLst xmlns="" xmlns:p15="http://schemas.microsoft.com/office/powerpoint/2012/main">
         <p15:guide id="1" orient="horz" pos="2160">
           <p15:clr>
             <a:srgbClr val="A4A3A4"/>
@@ -170,6 +174,353 @@
     </p:ext>
   </p:extLst>
 </p:presentation>
+</file>
+
+<file path=ppt/notesMasters/notesMaster1.xml><?xml version="1.0" encoding="utf-8"?>
+<p:notesMaster xmlns:a="http://schemas.openxmlformats.org/drawingml/2006/main" xmlns:r="http://schemas.openxmlformats.org/officeDocument/2006/relationships" xmlns:p="http://schemas.openxmlformats.org/presentationml/2006/main">
+  <p:cSld>
+    <p:bg>
+      <p:bgRef idx="1001">
+        <a:schemeClr val="bg1"/>
+      </p:bgRef>
+    </p:bg>
+    <p:spTree>
+      <p:nvGrpSpPr>
+        <p:cNvPr id="1" name=""/>
+        <p:cNvGrpSpPr/>
+        <p:nvPr/>
+      </p:nvGrpSpPr>
+      <p:grpSpPr>
+        <a:xfrm>
+          <a:off x="0" y="0"/>
+          <a:ext cx="0" cy="0"/>
+          <a:chOff x="0" y="0"/>
+          <a:chExt cx="0" cy="0"/>
+        </a:xfrm>
+      </p:grpSpPr>
+      <p:sp>
+        <p:nvSpPr>
+          <p:cNvPr id="2" name="Espaço Reservado para Cabeçalho 1"/>
+          <p:cNvSpPr>
+            <a:spLocks noGrp="1"/>
+          </p:cNvSpPr>
+          <p:nvPr>
+            <p:ph type="hdr" sz="quarter"/>
+          </p:nvPr>
+        </p:nvSpPr>
+        <p:spPr>
+          <a:xfrm>
+            <a:off x="0" y="0"/>
+            <a:ext cx="2971800" cy="457200"/>
+          </a:xfrm>
+          <a:prstGeom prst="rect">
+            <a:avLst/>
+          </a:prstGeom>
+        </p:spPr>
+        <p:txBody>
+          <a:bodyPr vert="horz" lIns="91440" tIns="45720" rIns="91440" bIns="45720" rtlCol="0"/>
+          <a:lstStyle>
+            <a:lvl1pPr algn="l">
+              <a:defRPr sz="1200"/>
+            </a:lvl1pPr>
+          </a:lstStyle>
+          <a:p>
+            <a:endParaRPr lang="pt-BR"/>
+          </a:p>
+        </p:txBody>
+      </p:sp>
+      <p:sp>
+        <p:nvSpPr>
+          <p:cNvPr id="3" name="Espaço Reservado para Data 2"/>
+          <p:cNvSpPr>
+            <a:spLocks noGrp="1"/>
+          </p:cNvSpPr>
+          <p:nvPr>
+            <p:ph type="dt" idx="1"/>
+          </p:nvPr>
+        </p:nvSpPr>
+        <p:spPr>
+          <a:xfrm>
+            <a:off x="3884613" y="0"/>
+            <a:ext cx="2971800" cy="457200"/>
+          </a:xfrm>
+          <a:prstGeom prst="rect">
+            <a:avLst/>
+          </a:prstGeom>
+        </p:spPr>
+        <p:txBody>
+          <a:bodyPr vert="horz" lIns="91440" tIns="45720" rIns="91440" bIns="45720" rtlCol="0"/>
+          <a:lstStyle>
+            <a:lvl1pPr algn="r">
+              <a:defRPr sz="1200"/>
+            </a:lvl1pPr>
+          </a:lstStyle>
+          <a:p>
+            <a:fld id="{3DB54359-DDD1-49FC-85DB-8F20F4C35B46}" type="datetimeFigureOut">
+              <a:rPr lang="pt-BR" smtClean="0"/>
+              <a:t>09/12/2013</a:t>
+            </a:fld>
+            <a:endParaRPr lang="pt-BR"/>
+          </a:p>
+        </p:txBody>
+      </p:sp>
+      <p:sp>
+        <p:nvSpPr>
+          <p:cNvPr id="4" name="Espaço Reservado para Imagem de Slide 3"/>
+          <p:cNvSpPr>
+            <a:spLocks noGrp="1" noRot="1" noChangeAspect="1"/>
+          </p:cNvSpPr>
+          <p:nvPr>
+            <p:ph type="sldImg" idx="2"/>
+          </p:nvPr>
+        </p:nvSpPr>
+        <p:spPr>
+          <a:xfrm>
+            <a:off x="1143000" y="685800"/>
+            <a:ext cx="4572000" cy="3429000"/>
+          </a:xfrm>
+          <a:prstGeom prst="rect">
+            <a:avLst/>
+          </a:prstGeom>
+          <a:noFill/>
+          <a:ln w="12700">
+            <a:solidFill>
+              <a:prstClr val="black"/>
+            </a:solidFill>
+          </a:ln>
+        </p:spPr>
+        <p:txBody>
+          <a:bodyPr vert="horz" lIns="91440" tIns="45720" rIns="91440" bIns="45720" rtlCol="0" anchor="ctr"/>
+          <a:lstStyle/>
+          <a:p>
+            <a:endParaRPr lang="pt-BR"/>
+          </a:p>
+        </p:txBody>
+      </p:sp>
+      <p:sp>
+        <p:nvSpPr>
+          <p:cNvPr id="5" name="Espaço Reservado para Anotações 4"/>
+          <p:cNvSpPr>
+            <a:spLocks noGrp="1"/>
+          </p:cNvSpPr>
+          <p:nvPr>
+            <p:ph type="body" sz="quarter" idx="3"/>
+          </p:nvPr>
+        </p:nvSpPr>
+        <p:spPr>
+          <a:xfrm>
+            <a:off x="685800" y="4343400"/>
+            <a:ext cx="5486400" cy="4114800"/>
+          </a:xfrm>
+          <a:prstGeom prst="rect">
+            <a:avLst/>
+          </a:prstGeom>
+        </p:spPr>
+        <p:txBody>
+          <a:bodyPr vert="horz" lIns="91440" tIns="45720" rIns="91440" bIns="45720" rtlCol="0">
+            <a:normAutofit/>
+          </a:bodyPr>
+          <a:lstStyle/>
+          <a:p>
+            <a:pPr lvl="0"/>
+            <a:r>
+              <a:rPr lang="pt-BR" smtClean="0"/>
+              <a:t>Clique para editar os estilos do texto mestre</a:t>
+            </a:r>
+          </a:p>
+          <a:p>
+            <a:pPr lvl="1"/>
+            <a:r>
+              <a:rPr lang="pt-BR" smtClean="0"/>
+              <a:t>Segundo nível</a:t>
+            </a:r>
+          </a:p>
+          <a:p>
+            <a:pPr lvl="2"/>
+            <a:r>
+              <a:rPr lang="pt-BR" smtClean="0"/>
+              <a:t>Terceiro nível</a:t>
+            </a:r>
+          </a:p>
+          <a:p>
+            <a:pPr lvl="3"/>
+            <a:r>
+              <a:rPr lang="pt-BR" smtClean="0"/>
+              <a:t>Quarto nível</a:t>
+            </a:r>
+          </a:p>
+          <a:p>
+            <a:pPr lvl="4"/>
+            <a:r>
+              <a:rPr lang="pt-BR" smtClean="0"/>
+              <a:t>Quinto nível</a:t>
+            </a:r>
+            <a:endParaRPr lang="pt-BR"/>
+          </a:p>
+        </p:txBody>
+      </p:sp>
+      <p:sp>
+        <p:nvSpPr>
+          <p:cNvPr id="6" name="Espaço Reservado para Rodapé 5"/>
+          <p:cNvSpPr>
+            <a:spLocks noGrp="1"/>
+          </p:cNvSpPr>
+          <p:nvPr>
+            <p:ph type="ftr" sz="quarter" idx="4"/>
+          </p:nvPr>
+        </p:nvSpPr>
+        <p:spPr>
+          <a:xfrm>
+            <a:off x="0" y="8685213"/>
+            <a:ext cx="2971800" cy="457200"/>
+          </a:xfrm>
+          <a:prstGeom prst="rect">
+            <a:avLst/>
+          </a:prstGeom>
+        </p:spPr>
+        <p:txBody>
+          <a:bodyPr vert="horz" lIns="91440" tIns="45720" rIns="91440" bIns="45720" rtlCol="0" anchor="b"/>
+          <a:lstStyle>
+            <a:lvl1pPr algn="l">
+              <a:defRPr sz="1200"/>
+            </a:lvl1pPr>
+          </a:lstStyle>
+          <a:p>
+            <a:endParaRPr lang="pt-BR"/>
+          </a:p>
+        </p:txBody>
+      </p:sp>
+      <p:sp>
+        <p:nvSpPr>
+          <p:cNvPr id="7" name="Espaço Reservado para Número de Slide 6"/>
+          <p:cNvSpPr>
+            <a:spLocks noGrp="1"/>
+          </p:cNvSpPr>
+          <p:nvPr>
+            <p:ph type="sldNum" sz="quarter" idx="5"/>
+          </p:nvPr>
+        </p:nvSpPr>
+        <p:spPr>
+          <a:xfrm>
+            <a:off x="3884613" y="8685213"/>
+            <a:ext cx="2971800" cy="457200"/>
+          </a:xfrm>
+          <a:prstGeom prst="rect">
+            <a:avLst/>
+          </a:prstGeom>
+        </p:spPr>
+        <p:txBody>
+          <a:bodyPr vert="horz" lIns="91440" tIns="45720" rIns="91440" bIns="45720" rtlCol="0" anchor="b"/>
+          <a:lstStyle>
+            <a:lvl1pPr algn="r">
+              <a:defRPr sz="1200"/>
+            </a:lvl1pPr>
+          </a:lstStyle>
+          <a:p>
+            <a:fld id="{3BE60737-9F8D-4BA6-999A-E0A0A5CF4EB7}" type="slidenum">
+              <a:rPr lang="pt-BR" smtClean="0"/>
+              <a:t>‹nº›</a:t>
+            </a:fld>
+            <a:endParaRPr lang="pt-BR"/>
+          </a:p>
+        </p:txBody>
+      </p:sp>
+    </p:spTree>
+  </p:cSld>
+  <p:clrMap bg1="lt1" tx1="dk1" bg2="lt2" tx2="dk2" accent1="accent1" accent2="accent2" accent3="accent3" accent4="accent4" accent5="accent5" accent6="accent6" hlink="hlink" folHlink="folHlink"/>
+  <p:notesStyle>
+    <a:lvl1pPr marL="0" algn="l" defTabSz="914400" rtl="0" eaLnBrk="1" latinLnBrk="0" hangingPunct="1">
+      <a:defRPr sz="1200" kern="1200">
+        <a:solidFill>
+          <a:schemeClr val="tx1"/>
+        </a:solidFill>
+        <a:latin typeface="+mn-lt"/>
+        <a:ea typeface="+mn-ea"/>
+        <a:cs typeface="+mn-cs"/>
+      </a:defRPr>
+    </a:lvl1pPr>
+    <a:lvl2pPr marL="457200" algn="l" defTabSz="914400" rtl="0" eaLnBrk="1" latinLnBrk="0" hangingPunct="1">
+      <a:defRPr sz="1200" kern="1200">
+        <a:solidFill>
+          <a:schemeClr val="tx1"/>
+        </a:solidFill>
+        <a:latin typeface="+mn-lt"/>
+        <a:ea typeface="+mn-ea"/>
+        <a:cs typeface="+mn-cs"/>
+      </a:defRPr>
+    </a:lvl2pPr>
+    <a:lvl3pPr marL="914400" algn="l" defTabSz="914400" rtl="0" eaLnBrk="1" latinLnBrk="0" hangingPunct="1">
+      <a:defRPr sz="1200" kern="1200">
+        <a:solidFill>
+          <a:schemeClr val="tx1"/>
+        </a:solidFill>
+        <a:latin typeface="+mn-lt"/>
+        <a:ea typeface="+mn-ea"/>
+        <a:cs typeface="+mn-cs"/>
+      </a:defRPr>
+    </a:lvl3pPr>
+    <a:lvl4pPr marL="1371600" algn="l" defTabSz="914400" rtl="0" eaLnBrk="1" latinLnBrk="0" hangingPunct="1">
+      <a:defRPr sz="1200" kern="1200">
+        <a:solidFill>
+          <a:schemeClr val="tx1"/>
+        </a:solidFill>
+        <a:latin typeface="+mn-lt"/>
+        <a:ea typeface="+mn-ea"/>
+        <a:cs typeface="+mn-cs"/>
+      </a:defRPr>
+    </a:lvl4pPr>
+    <a:lvl5pPr marL="1828800" algn="l" defTabSz="914400" rtl="0" eaLnBrk="1" latinLnBrk="0" hangingPunct="1">
+      <a:defRPr sz="1200" kern="1200">
+        <a:solidFill>
+          <a:schemeClr val="tx1"/>
+        </a:solidFill>
+        <a:latin typeface="+mn-lt"/>
+        <a:ea typeface="+mn-ea"/>
+        <a:cs typeface="+mn-cs"/>
+      </a:defRPr>
+    </a:lvl5pPr>
+    <a:lvl6pPr marL="2286000" algn="l" defTabSz="914400" rtl="0" eaLnBrk="1" latinLnBrk="0" hangingPunct="1">
+      <a:defRPr sz="1200" kern="1200">
+        <a:solidFill>
+          <a:schemeClr val="tx1"/>
+        </a:solidFill>
+        <a:latin typeface="+mn-lt"/>
+        <a:ea typeface="+mn-ea"/>
+        <a:cs typeface="+mn-cs"/>
+      </a:defRPr>
+    </a:lvl6pPr>
+    <a:lvl7pPr marL="2743200" algn="l" defTabSz="914400" rtl="0" eaLnBrk="1" latinLnBrk="0" hangingPunct="1">
+      <a:defRPr sz="1200" kern="1200">
+        <a:solidFill>
+          <a:schemeClr val="tx1"/>
+        </a:solidFill>
+        <a:latin typeface="+mn-lt"/>
+        <a:ea typeface="+mn-ea"/>
+        <a:cs typeface="+mn-cs"/>
+      </a:defRPr>
+    </a:lvl7pPr>
+    <a:lvl8pPr marL="3200400" algn="l" defTabSz="914400" rtl="0" eaLnBrk="1" latinLnBrk="0" hangingPunct="1">
+      <a:defRPr sz="1200" kern="1200">
+        <a:solidFill>
+          <a:schemeClr val="tx1"/>
+        </a:solidFill>
+        <a:latin typeface="+mn-lt"/>
+        <a:ea typeface="+mn-ea"/>
+        <a:cs typeface="+mn-cs"/>
+      </a:defRPr>
+    </a:lvl8pPr>
+    <a:lvl9pPr marL="3657600" algn="l" defTabSz="914400" rtl="0" eaLnBrk="1" latinLnBrk="0" hangingPunct="1">
+      <a:defRPr sz="1200" kern="1200">
+        <a:solidFill>
+          <a:schemeClr val="tx1"/>
+        </a:solidFill>
+        <a:latin typeface="+mn-lt"/>
+        <a:ea typeface="+mn-ea"/>
+        <a:cs typeface="+mn-cs"/>
+      </a:defRPr>
+    </a:lvl9pPr>
+  </p:notesStyle>
+</p:notesMaster>
 </file>
 
 <file path=ppt/slideLayouts/slideLayout1.xml><?xml version="1.0" encoding="utf-8"?>
@@ -460,7 +811,7 @@
           <p:nvPr userDrawn="1"/>
         </p:nvPicPr>
         <p:blipFill>
-          <a:blip r:embed="rId2"/>
+          <a:blip r:embed="rId2" cstate="print"/>
           <a:stretch>
             <a:fillRect/>
           </a:stretch>
@@ -478,7 +829,7 @@
     </p:spTree>
     <p:extLst>
       <p:ext uri="{BB962C8B-B14F-4D97-AF65-F5344CB8AC3E}">
-        <p14:creationId xmlns:p14="http://schemas.microsoft.com/office/powerpoint/2010/main" val="1148494274"/>
+        <p14:creationId xmlns="" xmlns:p14="http://schemas.microsoft.com/office/powerpoint/2010/main" val="1148494274"/>
       </p:ext>
     </p:extLst>
   </p:cSld>
@@ -515,7 +866,7 @@
     </p:spTree>
     <p:extLst>
       <p:ext uri="{BB962C8B-B14F-4D97-AF65-F5344CB8AC3E}">
-        <p14:creationId xmlns:p14="http://schemas.microsoft.com/office/powerpoint/2010/main" val="4232654589"/>
+        <p14:creationId xmlns="" xmlns:p14="http://schemas.microsoft.com/office/powerpoint/2010/main" val="4232654589"/>
       </p:ext>
     </p:extLst>
   </p:cSld>
@@ -1008,10 +1359,10 @@
           <p:nvPr/>
         </p:nvPicPr>
         <p:blipFill>
-          <a:blip r:embed="rId2">
+          <a:blip r:embed="rId2" cstate="print">
             <a:extLst>
               <a:ext uri="{28A0092B-C50C-407E-A947-70E740481C1C}">
-                <a14:useLocalDpi xmlns:a14="http://schemas.microsoft.com/office/drawing/2010/main" val="0"/>
+                <a14:useLocalDpi xmlns="" xmlns:a14="http://schemas.microsoft.com/office/drawing/2010/main" val="0"/>
               </a:ext>
             </a:extLst>
           </a:blip>
@@ -1051,14 +1402,14 @@
           </a:ln>
           <a:extLst>
             <a:ext uri="{909E8E84-426E-40DD-AFC4-6F175D3DCCD1}">
-              <a14:hiddenFill xmlns:a14="http://schemas.microsoft.com/office/drawing/2010/main">
+              <a14:hiddenFill xmlns="" xmlns:a14="http://schemas.microsoft.com/office/drawing/2010/main">
                 <a:solidFill>
                   <a:srgbClr val="FFFFFF"/>
                 </a:solidFill>
               </a14:hiddenFill>
             </a:ext>
             <a:ext uri="{91240B29-F687-4F45-9708-019B960494DF}">
-              <a14:hiddenLine xmlns:a14="http://schemas.microsoft.com/office/drawing/2010/main" w="9525">
+              <a14:hiddenLine xmlns="" xmlns:a14="http://schemas.microsoft.com/office/drawing/2010/main" w="9525">
                 <a:solidFill>
                   <a:srgbClr val="000000"/>
                 </a:solidFill>
@@ -1213,14 +1564,14 @@
           </a:ln>
           <a:extLst>
             <a:ext uri="{909E8E84-426E-40DD-AFC4-6F175D3DCCD1}">
-              <a14:hiddenFill xmlns:a14="http://schemas.microsoft.com/office/drawing/2010/main">
+              <a14:hiddenFill xmlns="" xmlns:a14="http://schemas.microsoft.com/office/drawing/2010/main">
                 <a:solidFill>
                   <a:srgbClr val="FFFFFF"/>
                 </a:solidFill>
               </a14:hiddenFill>
             </a:ext>
             <a:ext uri="{91240B29-F687-4F45-9708-019B960494DF}">
-              <a14:hiddenLine xmlns:a14="http://schemas.microsoft.com/office/drawing/2010/main" w="9525">
+              <a14:hiddenLine xmlns="" xmlns:a14="http://schemas.microsoft.com/office/drawing/2010/main" w="9525">
                 <a:solidFill>
                   <a:srgbClr val="000000"/>
                 </a:solidFill>
@@ -1351,8 +1702,11 @@
                 </a:solidFill>
                 <a:cs typeface="Arial" panose="020B0604020202020204" pitchFamily="34" charset="0"/>
               </a:rPr>
-              <a:t> Alex </a:t>
-            </a:r>
+              <a:t> Alex Sandro Zani Bergamin</a:t>
+            </a:r>
+          </a:p>
+          <a:p>
+            <a:pPr algn="ctr" eaLnBrk="1" hangingPunct="1"/>
             <a:r>
               <a:rPr lang="pt-BR" sz="1600" dirty="0" smtClean="0">
                 <a:solidFill>
@@ -1360,28 +1714,7 @@
                 </a:solidFill>
                 <a:cs typeface="Arial" panose="020B0604020202020204" pitchFamily="34" charset="0"/>
               </a:rPr>
-              <a:t>Sandro Zani Bergamin</a:t>
-            </a:r>
-          </a:p>
-          <a:p>
-            <a:pPr algn="ctr" eaLnBrk="1" hangingPunct="1"/>
-            <a:r>
-              <a:rPr lang="pt-BR" sz="1600" dirty="0" smtClean="0">
-                <a:solidFill>
-                  <a:schemeClr val="bg1"/>
-                </a:solidFill>
-                <a:cs typeface="Arial" panose="020B0604020202020204" pitchFamily="34" charset="0"/>
-              </a:rPr>
-              <a:t>  Rafael </a:t>
-            </a:r>
-            <a:r>
-              <a:rPr lang="pt-BR" sz="1600" dirty="0" smtClean="0">
-                <a:solidFill>
-                  <a:schemeClr val="bg1"/>
-                </a:solidFill>
-                <a:cs typeface="Arial" panose="020B0604020202020204" pitchFamily="34" charset="0"/>
-              </a:rPr>
-              <a:t>Couto Alves</a:t>
+              <a:t>  Rafael Couto Alves</a:t>
             </a:r>
             <a:endParaRPr lang="pt-BR" sz="1600" dirty="0">
               <a:solidFill>
@@ -1414,14 +1747,14 @@
           </a:ln>
           <a:extLst>
             <a:ext uri="{909E8E84-426E-40DD-AFC4-6F175D3DCCD1}">
-              <a14:hiddenFill xmlns:a14="http://schemas.microsoft.com/office/drawing/2010/main">
+              <a14:hiddenFill xmlns="" xmlns:a14="http://schemas.microsoft.com/office/drawing/2010/main">
                 <a:solidFill>
                   <a:srgbClr val="FFFFFF"/>
                 </a:solidFill>
               </a14:hiddenFill>
             </a:ext>
             <a:ext uri="{91240B29-F687-4F45-9708-019B960494DF}">
-              <a14:hiddenLine xmlns:a14="http://schemas.microsoft.com/office/drawing/2010/main" w="9525">
+              <a14:hiddenLine xmlns="" xmlns:a14="http://schemas.microsoft.com/office/drawing/2010/main" w="9525">
                 <a:solidFill>
                   <a:srgbClr val="000000"/>
                 </a:solidFill>
@@ -1616,7 +1949,7 @@
     </p:spTree>
     <p:extLst>
       <p:ext uri="{BB962C8B-B14F-4D97-AF65-F5344CB8AC3E}">
-        <p14:creationId xmlns:p14="http://schemas.microsoft.com/office/powerpoint/2010/main" val="2279553478"/>
+        <p14:creationId xmlns="" xmlns:p14="http://schemas.microsoft.com/office/powerpoint/2010/main" val="2279553478"/>
       </p:ext>
     </p:extLst>
   </p:cSld>
@@ -1650,6 +1983,60 @@
           <a:chExt cx="0" cy="0"/>
         </a:xfrm>
       </p:grpSpPr>
+      <p:pic>
+        <p:nvPicPr>
+          <p:cNvPr id="7170" name="Picture 2" descr="Server-Sent Event"/>
+          <p:cNvPicPr>
+            <a:picLocks noChangeAspect="1" noChangeArrowheads="1"/>
+          </p:cNvPicPr>
+          <p:nvPr/>
+        </p:nvPicPr>
+        <p:blipFill>
+          <a:blip r:embed="rId2" cstate="print">
+            <a:extLst>
+              <a:ext uri="{28A0092B-C50C-407E-A947-70E740481C1C}">
+                <a14:useLocalDpi xmlns="" xmlns:a14="http://schemas.microsoft.com/office/drawing/2010/main" val="0"/>
+              </a:ext>
+            </a:extLst>
+          </a:blip>
+          <a:srcRect/>
+          <a:stretch>
+            <a:fillRect/>
+          </a:stretch>
+        </p:blipFill>
+        <p:spPr bwMode="auto">
+          <a:xfrm>
+            <a:off x="1907704" y="2852936"/>
+            <a:ext cx="4824536" cy="3391608"/>
+          </a:xfrm>
+          <a:prstGeom prst="rect">
+            <a:avLst/>
+          </a:prstGeom>
+          <a:noFill/>
+          <a:ln>
+            <a:noFill/>
+          </a:ln>
+          <a:extLst>
+            <a:ext uri="{909E8E84-426E-40DD-AFC4-6F175D3DCCD1}">
+              <a14:hiddenFill xmlns="" xmlns:a14="http://schemas.microsoft.com/office/drawing/2010/main">
+                <a:solidFill>
+                  <a:srgbClr val="FFFFFF"/>
+                </a:solidFill>
+              </a14:hiddenFill>
+            </a:ext>
+            <a:ext uri="{91240B29-F687-4F45-9708-019B960494DF}">
+              <a14:hiddenLine xmlns="" xmlns:a14="http://schemas.microsoft.com/office/drawing/2010/main" w="9525">
+                <a:solidFill>
+                  <a:srgbClr val="000000"/>
+                </a:solidFill>
+                <a:miter lim="800000"/>
+                <a:headEnd/>
+                <a:tailEnd/>
+              </a14:hiddenLine>
+            </a:ext>
+          </a:extLst>
+        </p:spPr>
+      </p:pic>
       <p:sp>
         <p:nvSpPr>
           <p:cNvPr id="4" name="CaixaDeTexto 3"/>
@@ -1960,10 +2347,10 @@
           <p:nvPr/>
         </p:nvPicPr>
         <p:blipFill>
-          <a:blip r:embed="rId2">
+          <a:blip r:embed="rId3" cstate="print">
             <a:extLst>
               <a:ext uri="{28A0092B-C50C-407E-A947-70E740481C1C}">
-                <a14:useLocalDpi xmlns:a14="http://schemas.microsoft.com/office/drawing/2010/main" val="0"/>
+                <a14:useLocalDpi xmlns="" xmlns:a14="http://schemas.microsoft.com/office/drawing/2010/main" val="0"/>
               </a:ext>
             </a:extLst>
           </a:blip>
@@ -2003,14 +2390,14 @@
           </a:ln>
           <a:extLst>
             <a:ext uri="{909E8E84-426E-40DD-AFC4-6F175D3DCCD1}">
-              <a14:hiddenFill xmlns:a14="http://schemas.microsoft.com/office/drawing/2010/main">
+              <a14:hiddenFill xmlns="" xmlns:a14="http://schemas.microsoft.com/office/drawing/2010/main">
                 <a:solidFill>
                   <a:srgbClr val="FFFFFF"/>
                 </a:solidFill>
               </a14:hiddenFill>
             </a:ext>
             <a:ext uri="{91240B29-F687-4F45-9708-019B960494DF}">
-              <a14:hiddenLine xmlns:a14="http://schemas.microsoft.com/office/drawing/2010/main" w="9525">
+              <a14:hiddenLine xmlns="" xmlns:a14="http://schemas.microsoft.com/office/drawing/2010/main" w="9525">
                 <a:solidFill>
                   <a:srgbClr val="000000"/>
                 </a:solidFill>
@@ -2135,7 +2522,7 @@
               <a:rPr lang="pt-BR" sz="2600" b="1" dirty="0" smtClean="0">
                 <a:cs typeface="Arial" panose="020B0604020202020204" pitchFamily="34" charset="0"/>
               </a:rPr>
-              <a:t>AJAX</a:t>
+              <a:t>SSE</a:t>
             </a:r>
             <a:endParaRPr lang="pt-BR" sz="2600" b="1" dirty="0">
               <a:cs typeface="Arial" panose="020B0604020202020204" pitchFamily="34" charset="0"/>
@@ -2145,14 +2532,14 @@
       </p:sp>
       <p:sp>
         <p:nvSpPr>
-          <p:cNvPr id="13" name="CaixaDeTexto 12"/>
+          <p:cNvPr id="12" name="CaixaDeTexto 11"/>
           <p:cNvSpPr txBox="1"/>
           <p:nvPr/>
         </p:nvSpPr>
         <p:spPr>
           <a:xfrm>
-            <a:off x="827584" y="1988840"/>
-            <a:ext cx="7560840" cy="507831"/>
+            <a:off x="683568" y="1772816"/>
+            <a:ext cx="7560840" cy="923330"/>
           </a:xfrm>
           <a:prstGeom prst="rect">
             <a:avLst/>
@@ -2173,136 +2560,29 @@
               <a:buChar char="§"/>
             </a:pPr>
             <a:r>
-              <a:rPr lang="pt-BR" dirty="0" err="1" smtClean="0"/>
-              <a:t>Long</a:t>
-            </a:r>
-            <a:r>
               <a:rPr lang="pt-BR" dirty="0" smtClean="0"/>
-              <a:t> </a:t>
-            </a:r>
-            <a:r>
-              <a:rPr lang="pt-BR" dirty="0" err="1" smtClean="0"/>
-              <a:t>Polling</a:t>
-            </a:r>
+              <a:t>Problemas do polling (sobrecarga de requisições);</a:t>
+            </a:r>
+          </a:p>
+          <a:p>
+            <a:pPr marL="285750" indent="-285750">
+              <a:lnSpc>
+                <a:spcPct val="150000"/>
+              </a:lnSpc>
+              <a:buFont typeface="Wingdings" panose="05000000000000000000" pitchFamily="2" charset="2"/>
+              <a:buChar char="§"/>
+            </a:pPr>
             <a:r>
               <a:rPr lang="pt-BR" dirty="0" smtClean="0"/>
-              <a:t>:</a:t>
+              <a:t>Surgimento do SSE com HTML5.</a:t>
             </a:r>
           </a:p>
         </p:txBody>
       </p:sp>
-      <p:pic>
-        <p:nvPicPr>
-          <p:cNvPr id="6146" name="Picture 2" descr="Long Polling"/>
-          <p:cNvPicPr>
-            <a:picLocks noChangeAspect="1" noChangeArrowheads="1"/>
-          </p:cNvPicPr>
-          <p:nvPr/>
-        </p:nvPicPr>
-        <p:blipFill>
-          <a:blip r:embed="rId3">
-            <a:extLst>
-              <a:ext uri="{28A0092B-C50C-407E-A947-70E740481C1C}">
-                <a14:useLocalDpi xmlns:a14="http://schemas.microsoft.com/office/drawing/2010/main" val="0"/>
-              </a:ext>
-            </a:extLst>
-          </a:blip>
-          <a:srcRect/>
-          <a:stretch>
-            <a:fillRect/>
-          </a:stretch>
-        </p:blipFill>
-        <p:spPr bwMode="auto">
-          <a:xfrm>
-            <a:off x="314845" y="2798543"/>
-            <a:ext cx="3435153" cy="2412698"/>
-          </a:xfrm>
-          <a:prstGeom prst="rect">
-            <a:avLst/>
-          </a:prstGeom>
-          <a:noFill/>
-          <a:ln>
-            <a:noFill/>
-          </a:ln>
-          <a:extLst>
-            <a:ext uri="{909E8E84-426E-40DD-AFC4-6F175D3DCCD1}">
-              <a14:hiddenFill xmlns:a14="http://schemas.microsoft.com/office/drawing/2010/main">
-                <a:solidFill>
-                  <a:srgbClr val="FFFFFF"/>
-                </a:solidFill>
-              </a14:hiddenFill>
-            </a:ext>
-            <a:ext uri="{91240B29-F687-4F45-9708-019B960494DF}">
-              <a14:hiddenLine xmlns:a14="http://schemas.microsoft.com/office/drawing/2010/main" w="9525">
-                <a:solidFill>
-                  <a:srgbClr val="000000"/>
-                </a:solidFill>
-                <a:miter lim="800000"/>
-                <a:headEnd/>
-                <a:tailEnd/>
-              </a14:hiddenLine>
-            </a:ext>
-          </a:extLst>
-        </p:spPr>
-      </p:pic>
-      <p:pic>
-        <p:nvPicPr>
-          <p:cNvPr id="6148" name="Picture 4"/>
-          <p:cNvPicPr>
-            <a:picLocks noChangeAspect="1" noChangeArrowheads="1"/>
-          </p:cNvPicPr>
-          <p:nvPr/>
-        </p:nvPicPr>
-        <p:blipFill>
-          <a:blip r:embed="rId4">
-            <a:extLst>
-              <a:ext uri="{28A0092B-C50C-407E-A947-70E740481C1C}">
-                <a14:useLocalDpi xmlns:a14="http://schemas.microsoft.com/office/drawing/2010/main" val="0"/>
-              </a:ext>
-            </a:extLst>
-          </a:blip>
-          <a:srcRect/>
-          <a:stretch>
-            <a:fillRect/>
-          </a:stretch>
-        </p:blipFill>
-        <p:spPr bwMode="auto">
-          <a:xfrm>
-            <a:off x="4067944" y="3346787"/>
-            <a:ext cx="4791075" cy="1594381"/>
-          </a:xfrm>
-          <a:prstGeom prst="rect">
-            <a:avLst/>
-          </a:prstGeom>
-          <a:noFill/>
-          <a:ln>
-            <a:noFill/>
-          </a:ln>
-          <a:extLst>
-            <a:ext uri="{909E8E84-426E-40DD-AFC4-6F175D3DCCD1}">
-              <a14:hiddenFill xmlns:a14="http://schemas.microsoft.com/office/drawing/2010/main">
-                <a:solidFill>
-                  <a:srgbClr val="FFFFFF"/>
-                </a:solidFill>
-              </a14:hiddenFill>
-            </a:ext>
-            <a:ext uri="{91240B29-F687-4F45-9708-019B960494DF}">
-              <a14:hiddenLine xmlns:a14="http://schemas.microsoft.com/office/drawing/2010/main" w="9525">
-                <a:solidFill>
-                  <a:srgbClr val="000000"/>
-                </a:solidFill>
-                <a:miter lim="800000"/>
-                <a:headEnd/>
-                <a:tailEnd/>
-              </a14:hiddenLine>
-            </a:ext>
-          </a:extLst>
-        </p:spPr>
-      </p:pic>
     </p:spTree>
     <p:extLst>
       <p:ext uri="{BB962C8B-B14F-4D97-AF65-F5344CB8AC3E}">
-        <p14:creationId xmlns:p14="http://schemas.microsoft.com/office/powerpoint/2010/main" val="1642830939"/>
+        <p14:creationId xmlns="" xmlns:p14="http://schemas.microsoft.com/office/powerpoint/2010/main" val="2876487329"/>
       </p:ext>
     </p:extLst>
   </p:cSld>
@@ -2646,10 +2926,10 @@
           <p:nvPr/>
         </p:nvPicPr>
         <p:blipFill>
-          <a:blip r:embed="rId2">
+          <a:blip r:embed="rId2" cstate="print">
             <a:extLst>
               <a:ext uri="{28A0092B-C50C-407E-A947-70E740481C1C}">
-                <a14:useLocalDpi xmlns:a14="http://schemas.microsoft.com/office/drawing/2010/main" val="0"/>
+                <a14:useLocalDpi xmlns="" xmlns:a14="http://schemas.microsoft.com/office/drawing/2010/main" val="0"/>
               </a:ext>
             </a:extLst>
           </a:blip>
@@ -2689,14 +2969,14 @@
           </a:ln>
           <a:extLst>
             <a:ext uri="{909E8E84-426E-40DD-AFC4-6F175D3DCCD1}">
-              <a14:hiddenFill xmlns:a14="http://schemas.microsoft.com/office/drawing/2010/main">
+              <a14:hiddenFill xmlns="" xmlns:a14="http://schemas.microsoft.com/office/drawing/2010/main">
                 <a:solidFill>
                   <a:srgbClr val="FFFFFF"/>
                 </a:solidFill>
               </a14:hiddenFill>
             </a:ext>
             <a:ext uri="{91240B29-F687-4F45-9708-019B960494DF}">
-              <a14:hiddenLine xmlns:a14="http://schemas.microsoft.com/office/drawing/2010/main" w="9525">
+              <a14:hiddenLine xmlns="" xmlns:a14="http://schemas.microsoft.com/office/drawing/2010/main" w="9525">
                 <a:solidFill>
                   <a:srgbClr val="000000"/>
                 </a:solidFill>
@@ -2831,17 +3111,17 @@
       </p:sp>
       <p:pic>
         <p:nvPicPr>
-          <p:cNvPr id="7170" name="Picture 2" descr="Server-Sent Event"/>
+          <p:cNvPr id="7171" name="Picture 3"/>
           <p:cNvPicPr>
             <a:picLocks noChangeAspect="1" noChangeArrowheads="1"/>
           </p:cNvPicPr>
           <p:nvPr/>
         </p:nvPicPr>
         <p:blipFill>
-          <a:blip r:embed="rId3">
+          <a:blip r:embed="rId3" cstate="print">
             <a:extLst>
               <a:ext uri="{28A0092B-C50C-407E-A947-70E740481C1C}">
-                <a14:useLocalDpi xmlns:a14="http://schemas.microsoft.com/office/drawing/2010/main" val="0"/>
+                <a14:useLocalDpi xmlns="" xmlns:a14="http://schemas.microsoft.com/office/drawing/2010/main" val="0"/>
               </a:ext>
             </a:extLst>
           </a:blip>
@@ -2852,8 +3132,8 @@
         </p:blipFill>
         <p:spPr bwMode="auto">
           <a:xfrm>
-            <a:off x="2738698" y="1876499"/>
-            <a:ext cx="3658084" cy="2571602"/>
+            <a:off x="251520" y="3284984"/>
+            <a:ext cx="8502728" cy="1080120"/>
           </a:xfrm>
           <a:prstGeom prst="rect">
             <a:avLst/>
@@ -2864,14 +3144,14 @@
           </a:ln>
           <a:extLst>
             <a:ext uri="{909E8E84-426E-40DD-AFC4-6F175D3DCCD1}">
-              <a14:hiddenFill xmlns:a14="http://schemas.microsoft.com/office/drawing/2010/main">
+              <a14:hiddenFill xmlns="" xmlns:a14="http://schemas.microsoft.com/office/drawing/2010/main">
                 <a:solidFill>
                   <a:srgbClr val="FFFFFF"/>
                 </a:solidFill>
               </a14:hiddenFill>
             </a:ext>
             <a:ext uri="{91240B29-F687-4F45-9708-019B960494DF}">
-              <a14:hiddenLine xmlns:a14="http://schemas.microsoft.com/office/drawing/2010/main" w="9525">
+              <a14:hiddenLine xmlns="" xmlns:a14="http://schemas.microsoft.com/office/drawing/2010/main" w="9525">
                 <a:solidFill>
                   <a:srgbClr val="000000"/>
                 </a:solidFill>
@@ -2883,64 +3163,72 @@
           </a:extLst>
         </p:spPr>
       </p:pic>
-      <p:pic>
-        <p:nvPicPr>
-          <p:cNvPr id="7171" name="Picture 3"/>
-          <p:cNvPicPr>
-            <a:picLocks noChangeAspect="1" noChangeArrowheads="1"/>
-          </p:cNvPicPr>
+      <p:sp>
+        <p:nvSpPr>
+          <p:cNvPr id="13" name="CaixaDeTexto 12"/>
+          <p:cNvSpPr txBox="1"/>
           <p:nvPr/>
-        </p:nvPicPr>
-        <p:blipFill>
-          <a:blip r:embed="rId4">
-            <a:extLst>
-              <a:ext uri="{28A0092B-C50C-407E-A947-70E740481C1C}">
-                <a14:useLocalDpi xmlns:a14="http://schemas.microsoft.com/office/drawing/2010/main" val="0"/>
-              </a:ext>
-            </a:extLst>
-          </a:blip>
-          <a:srcRect/>
-          <a:stretch>
-            <a:fillRect/>
-          </a:stretch>
-        </p:blipFill>
-        <p:spPr bwMode="auto">
+        </p:nvSpPr>
+        <p:spPr>
           <a:xfrm>
-            <a:off x="1693517" y="5169860"/>
-            <a:ext cx="5761037" cy="731837"/>
+            <a:off x="683568" y="1772816"/>
+            <a:ext cx="7560840" cy="1338828"/>
           </a:xfrm>
           <a:prstGeom prst="rect">
             <a:avLst/>
           </a:prstGeom>
           <a:noFill/>
-          <a:ln>
-            <a:noFill/>
-          </a:ln>
-          <a:extLst>
-            <a:ext uri="{909E8E84-426E-40DD-AFC4-6F175D3DCCD1}">
-              <a14:hiddenFill xmlns:a14="http://schemas.microsoft.com/office/drawing/2010/main">
-                <a:solidFill>
-                  <a:srgbClr val="FFFFFF"/>
-                </a:solidFill>
-              </a14:hiddenFill>
-            </a:ext>
-            <a:ext uri="{91240B29-F687-4F45-9708-019B960494DF}">
-              <a14:hiddenLine xmlns:a14="http://schemas.microsoft.com/office/drawing/2010/main" w="9525">
-                <a:solidFill>
-                  <a:srgbClr val="000000"/>
-                </a:solidFill>
-                <a:miter lim="800000"/>
-                <a:headEnd/>
-                <a:tailEnd/>
-              </a14:hiddenLine>
-            </a:ext>
-          </a:extLst>
         </p:spPr>
-      </p:pic>
+        <p:txBody>
+          <a:bodyPr wrap="square" rtlCol="0">
+            <a:spAutoFit/>
+          </a:bodyPr>
+          <a:lstStyle/>
+          <a:p>
+            <a:pPr marL="285750" indent="-285750">
+              <a:lnSpc>
+                <a:spcPct val="150000"/>
+              </a:lnSpc>
+              <a:buFont typeface="Wingdings" panose="05000000000000000000" pitchFamily="2" charset="2"/>
+              <a:buChar char="§"/>
+            </a:pPr>
+            <a:r>
+              <a:rPr lang="pt-BR" dirty="0" smtClean="0"/>
+              <a:t>Requisição única;</a:t>
+            </a:r>
+          </a:p>
+          <a:p>
+            <a:pPr marL="285750" indent="-285750">
+              <a:lnSpc>
+                <a:spcPct val="150000"/>
+              </a:lnSpc>
+              <a:buFont typeface="Wingdings" panose="05000000000000000000" pitchFamily="2" charset="2"/>
+              <a:buChar char="§"/>
+            </a:pPr>
+            <a:r>
+              <a:rPr lang="pt-BR" dirty="0" smtClean="0"/>
+              <a:t>Método parecido com o Long Polling;</a:t>
+            </a:r>
+          </a:p>
+          <a:p>
+            <a:pPr marL="285750" indent="-285750">
+              <a:lnSpc>
+                <a:spcPct val="150000"/>
+              </a:lnSpc>
+              <a:buFont typeface="Wingdings" panose="05000000000000000000" pitchFamily="2" charset="2"/>
+              <a:buChar char="§"/>
+            </a:pPr>
+            <a:r>
+              <a:rPr lang="pt-BR" dirty="0" smtClean="0"/>
+              <a:t>Tecnologia nova.</a:t>
+            </a:r>
+          </a:p>
+        </p:txBody>
+      </p:sp>
     </p:spTree>
     <p:extLst>
       <p:ext uri="{BB962C8B-B14F-4D97-AF65-F5344CB8AC3E}">
-        <p14:creationId xmlns:p14="http://schemas.microsoft.com/office/powerpoint/2010/main" val="2876487329"/>
+        <p14:creationId xmlns="" xmlns:p14="http://schemas.microsoft.com/office/powerpoint/2010/main" val="2876487329"/>
       </p:ext>
     </p:extLst>
   </p:cSld>
@@ -2974,60 +3262,6 @@
           <a:chExt cx="0" cy="0"/>
         </a:xfrm>
       </p:grpSpPr>
-      <p:pic>
-        <p:nvPicPr>
-          <p:cNvPr id="8196" name="Picture 4"/>
-          <p:cNvPicPr>
-            <a:picLocks noChangeAspect="1" noChangeArrowheads="1"/>
-          </p:cNvPicPr>
-          <p:nvPr/>
-        </p:nvPicPr>
-        <p:blipFill>
-          <a:blip r:embed="rId2">
-            <a:extLst>
-              <a:ext uri="{28A0092B-C50C-407E-A947-70E740481C1C}">
-                <a14:useLocalDpi xmlns:a14="http://schemas.microsoft.com/office/drawing/2010/main" val="0"/>
-              </a:ext>
-            </a:extLst>
-          </a:blip>
-          <a:srcRect/>
-          <a:stretch>
-            <a:fillRect/>
-          </a:stretch>
-        </p:blipFill>
-        <p:spPr bwMode="auto">
-          <a:xfrm>
-            <a:off x="1690664" y="5258519"/>
-            <a:ext cx="5753100" cy="1266825"/>
-          </a:xfrm>
-          <a:prstGeom prst="rect">
-            <a:avLst/>
-          </a:prstGeom>
-          <a:noFill/>
-          <a:ln>
-            <a:noFill/>
-          </a:ln>
-          <a:extLst>
-            <a:ext uri="{909E8E84-426E-40DD-AFC4-6F175D3DCCD1}">
-              <a14:hiddenFill xmlns:a14="http://schemas.microsoft.com/office/drawing/2010/main">
-                <a:solidFill>
-                  <a:srgbClr val="FFFFFF"/>
-                </a:solidFill>
-              </a14:hiddenFill>
-            </a:ext>
-            <a:ext uri="{91240B29-F687-4F45-9708-019B960494DF}">
-              <a14:hiddenLine xmlns:a14="http://schemas.microsoft.com/office/drawing/2010/main" w="9525">
-                <a:solidFill>
-                  <a:srgbClr val="000000"/>
-                </a:solidFill>
-                <a:miter lim="800000"/>
-                <a:headEnd/>
-                <a:tailEnd/>
-              </a14:hiddenLine>
-            </a:ext>
-          </a:extLst>
-        </p:spPr>
-      </p:pic>
       <p:sp>
         <p:nvSpPr>
           <p:cNvPr id="4" name="CaixaDeTexto 3"/>
@@ -3338,10 +3572,10 @@
           <p:nvPr/>
         </p:nvPicPr>
         <p:blipFill>
-          <a:blip r:embed="rId3">
+          <a:blip r:embed="rId2" cstate="print">
             <a:extLst>
               <a:ext uri="{28A0092B-C50C-407E-A947-70E740481C1C}">
-                <a14:useLocalDpi xmlns:a14="http://schemas.microsoft.com/office/drawing/2010/main" val="0"/>
+                <a14:useLocalDpi xmlns="" xmlns:a14="http://schemas.microsoft.com/office/drawing/2010/main" val="0"/>
               </a:ext>
             </a:extLst>
           </a:blip>
@@ -3381,14 +3615,14 @@
           </a:ln>
           <a:extLst>
             <a:ext uri="{909E8E84-426E-40DD-AFC4-6F175D3DCCD1}">
-              <a14:hiddenFill xmlns:a14="http://schemas.microsoft.com/office/drawing/2010/main">
+              <a14:hiddenFill xmlns="" xmlns:a14="http://schemas.microsoft.com/office/drawing/2010/main">
                 <a:solidFill>
                   <a:srgbClr val="FFFFFF"/>
                 </a:solidFill>
               </a14:hiddenFill>
             </a:ext>
             <a:ext uri="{91240B29-F687-4F45-9708-019B960494DF}">
-              <a14:hiddenLine xmlns:a14="http://schemas.microsoft.com/office/drawing/2010/main" w="9525">
+              <a14:hiddenLine xmlns="" xmlns:a14="http://schemas.microsoft.com/office/drawing/2010/main" w="9525">
                 <a:solidFill>
                   <a:srgbClr val="000000"/>
                 </a:solidFill>
@@ -3530,10 +3764,10 @@
           <p:nvPr/>
         </p:nvPicPr>
         <p:blipFill>
-          <a:blip r:embed="rId4">
+          <a:blip r:embed="rId3" cstate="print">
             <a:extLst>
               <a:ext uri="{28A0092B-C50C-407E-A947-70E740481C1C}">
-                <a14:useLocalDpi xmlns:a14="http://schemas.microsoft.com/office/drawing/2010/main" val="0"/>
+                <a14:useLocalDpi xmlns="" xmlns:a14="http://schemas.microsoft.com/office/drawing/2010/main" val="0"/>
               </a:ext>
             </a:extLst>
           </a:blip>
@@ -3544,8 +3778,8 @@
         </p:blipFill>
         <p:spPr bwMode="auto">
           <a:xfrm>
-            <a:off x="2997133" y="1645961"/>
-            <a:ext cx="3663099" cy="2575127"/>
+            <a:off x="1908000" y="2854800"/>
+            <a:ext cx="4818888" cy="3383852"/>
           </a:xfrm>
           <a:prstGeom prst="rect">
             <a:avLst/>
@@ -3556,14 +3790,14 @@
           </a:ln>
           <a:extLst>
             <a:ext uri="{909E8E84-426E-40DD-AFC4-6F175D3DCCD1}">
-              <a14:hiddenFill xmlns:a14="http://schemas.microsoft.com/office/drawing/2010/main">
+              <a14:hiddenFill xmlns="" xmlns:a14="http://schemas.microsoft.com/office/drawing/2010/main">
                 <a:solidFill>
                   <a:srgbClr val="FFFFFF"/>
                 </a:solidFill>
               </a14:hiddenFill>
             </a:ext>
             <a:ext uri="{91240B29-F687-4F45-9708-019B960494DF}">
-              <a14:hiddenLine xmlns:a14="http://schemas.microsoft.com/office/drawing/2010/main" w="9525">
+              <a14:hiddenLine xmlns="" xmlns:a14="http://schemas.microsoft.com/office/drawing/2010/main" w="9525">
                 <a:solidFill>
                   <a:srgbClr val="000000"/>
                 </a:solidFill>
@@ -3575,64 +3809,67 @@
           </a:extLst>
         </p:spPr>
       </p:pic>
-      <p:pic>
-        <p:nvPicPr>
-          <p:cNvPr id="8195" name="Picture 3"/>
-          <p:cNvPicPr>
-            <a:picLocks noChangeAspect="1" noChangeArrowheads="1"/>
-          </p:cNvPicPr>
+      <p:sp>
+        <p:nvSpPr>
+          <p:cNvPr id="12" name="CaixaDeTexto 11"/>
+          <p:cNvSpPr txBox="1"/>
           <p:nvPr/>
-        </p:nvPicPr>
-        <p:blipFill>
-          <a:blip r:embed="rId5">
-            <a:extLst>
-              <a:ext uri="{28A0092B-C50C-407E-A947-70E740481C1C}">
-                <a14:useLocalDpi xmlns:a14="http://schemas.microsoft.com/office/drawing/2010/main" val="0"/>
-              </a:ext>
-            </a:extLst>
-          </a:blip>
-          <a:srcRect/>
-          <a:stretch>
-            <a:fillRect/>
-          </a:stretch>
-        </p:blipFill>
-        <p:spPr bwMode="auto">
+        </p:nvSpPr>
+        <p:spPr>
           <a:xfrm>
-            <a:off x="1690664" y="4380334"/>
-            <a:ext cx="5753100" cy="704850"/>
+            <a:off x="683568" y="1772816"/>
+            <a:ext cx="7560840" cy="923330"/>
           </a:xfrm>
           <a:prstGeom prst="rect">
             <a:avLst/>
           </a:prstGeom>
           <a:noFill/>
-          <a:ln>
-            <a:noFill/>
-          </a:ln>
-          <a:extLst>
-            <a:ext uri="{909E8E84-426E-40DD-AFC4-6F175D3DCCD1}">
-              <a14:hiddenFill xmlns:a14="http://schemas.microsoft.com/office/drawing/2010/main">
-                <a:solidFill>
-                  <a:srgbClr val="FFFFFF"/>
-                </a:solidFill>
-              </a14:hiddenFill>
-            </a:ext>
-            <a:ext uri="{91240B29-F687-4F45-9708-019B960494DF}">
-              <a14:hiddenLine xmlns:a14="http://schemas.microsoft.com/office/drawing/2010/main" w="9525">
-                <a:solidFill>
-                  <a:srgbClr val="000000"/>
-                </a:solidFill>
-                <a:miter lim="800000"/>
-                <a:headEnd/>
-                <a:tailEnd/>
-              </a14:hiddenLine>
-            </a:ext>
-          </a:extLst>
         </p:spPr>
-      </p:pic>
+        <p:txBody>
+          <a:bodyPr wrap="square" rtlCol="0">
+            <a:spAutoFit/>
+          </a:bodyPr>
+          <a:lstStyle/>
+          <a:p>
+            <a:pPr marL="285750" indent="-285750">
+              <a:lnSpc>
+                <a:spcPct val="150000"/>
+              </a:lnSpc>
+              <a:buFont typeface="Wingdings" panose="05000000000000000000" pitchFamily="2" charset="2"/>
+              <a:buChar char="§"/>
+            </a:pPr>
+            <a:r>
+              <a:rPr lang="pt-BR" dirty="0" smtClean="0"/>
+              <a:t>Conexão “soquete” entre cliente e servidor;</a:t>
+            </a:r>
+          </a:p>
+          <a:p>
+            <a:pPr marL="285750" indent="-285750">
+              <a:lnSpc>
+                <a:spcPct val="150000"/>
+              </a:lnSpc>
+              <a:buFont typeface="Wingdings" panose="05000000000000000000" pitchFamily="2" charset="2"/>
+              <a:buChar char="§"/>
+            </a:pPr>
+            <a:r>
+              <a:rPr lang="pt-BR" dirty="0" smtClean="0"/>
+              <a:t>Comunicação bidirecional (</a:t>
+            </a:r>
+            <a:r>
+              <a:rPr lang="pt-BR" i="1" dirty="0" smtClean="0"/>
+              <a:t>full-duplex</a:t>
+            </a:r>
+            <a:r>
+              <a:rPr lang="pt-BR" dirty="0" smtClean="0"/>
+              <a:t>).</a:t>
+            </a:r>
+          </a:p>
+        </p:txBody>
+      </p:sp>
     </p:spTree>
     <p:extLst>
       <p:ext uri="{BB962C8B-B14F-4D97-AF65-F5344CB8AC3E}">
-        <p14:creationId xmlns:p14="http://schemas.microsoft.com/office/powerpoint/2010/main" val="2962647246"/>
+        <p14:creationId xmlns="" xmlns:p14="http://schemas.microsoft.com/office/powerpoint/2010/main" val="2962647246"/>
       </p:ext>
     </p:extLst>
   </p:cSld>
@@ -3666,6 +3903,60 @@
           <a:chExt cx="0" cy="0"/>
         </a:xfrm>
       </p:grpSpPr>
+      <p:pic>
+        <p:nvPicPr>
+          <p:cNvPr id="8196" name="Picture 4"/>
+          <p:cNvPicPr>
+            <a:picLocks noChangeAspect="1" noChangeArrowheads="1"/>
+          </p:cNvPicPr>
+          <p:nvPr/>
+        </p:nvPicPr>
+        <p:blipFill>
+          <a:blip r:embed="rId2" cstate="print">
+            <a:extLst>
+              <a:ext uri="{28A0092B-C50C-407E-A947-70E740481C1C}">
+                <a14:useLocalDpi xmlns="" xmlns:a14="http://schemas.microsoft.com/office/drawing/2010/main" val="0"/>
+              </a:ext>
+            </a:extLst>
+          </a:blip>
+          <a:srcRect/>
+          <a:stretch>
+            <a:fillRect/>
+          </a:stretch>
+        </p:blipFill>
+        <p:spPr bwMode="auto">
+          <a:xfrm>
+            <a:off x="395536" y="4869160"/>
+            <a:ext cx="8175344" cy="1800200"/>
+          </a:xfrm>
+          <a:prstGeom prst="rect">
+            <a:avLst/>
+          </a:prstGeom>
+          <a:noFill/>
+          <a:ln>
+            <a:noFill/>
+          </a:ln>
+          <a:extLst>
+            <a:ext uri="{909E8E84-426E-40DD-AFC4-6F175D3DCCD1}">
+              <a14:hiddenFill xmlns="" xmlns:a14="http://schemas.microsoft.com/office/drawing/2010/main">
+                <a:solidFill>
+                  <a:srgbClr val="FFFFFF"/>
+                </a:solidFill>
+              </a14:hiddenFill>
+            </a:ext>
+            <a:ext uri="{91240B29-F687-4F45-9708-019B960494DF}">
+              <a14:hiddenLine xmlns="" xmlns:a14="http://schemas.microsoft.com/office/drawing/2010/main" w="9525">
+                <a:solidFill>
+                  <a:srgbClr val="000000"/>
+                </a:solidFill>
+                <a:miter lim="800000"/>
+                <a:headEnd/>
+                <a:tailEnd/>
+              </a14:hiddenLine>
+            </a:ext>
+          </a:extLst>
+        </p:spPr>
+      </p:pic>
       <p:sp>
         <p:nvSpPr>
           <p:cNvPr id="4" name="CaixaDeTexto 3"/>
@@ -3976,10 +4267,10 @@
           <p:nvPr/>
         </p:nvPicPr>
         <p:blipFill>
-          <a:blip r:embed="rId2">
+          <a:blip r:embed="rId3" cstate="print">
             <a:extLst>
               <a:ext uri="{28A0092B-C50C-407E-A947-70E740481C1C}">
-                <a14:useLocalDpi xmlns:a14="http://schemas.microsoft.com/office/drawing/2010/main" val="0"/>
+                <a14:useLocalDpi xmlns="" xmlns:a14="http://schemas.microsoft.com/office/drawing/2010/main" val="0"/>
               </a:ext>
             </a:extLst>
           </a:blip>
@@ -4019,14 +4310,14 @@
           </a:ln>
           <a:extLst>
             <a:ext uri="{909E8E84-426E-40DD-AFC4-6F175D3DCCD1}">
-              <a14:hiddenFill xmlns:a14="http://schemas.microsoft.com/office/drawing/2010/main">
+              <a14:hiddenFill xmlns="" xmlns:a14="http://schemas.microsoft.com/office/drawing/2010/main">
                 <a:solidFill>
                   <a:srgbClr val="FFFFFF"/>
                 </a:solidFill>
               </a14:hiddenFill>
             </a:ext>
             <a:ext uri="{91240B29-F687-4F45-9708-019B960494DF}">
-              <a14:hiddenLine xmlns:a14="http://schemas.microsoft.com/office/drawing/2010/main" w="9525">
+              <a14:hiddenLine xmlns="" xmlns:a14="http://schemas.microsoft.com/office/drawing/2010/main" w="9525">
                 <a:solidFill>
                   <a:srgbClr val="000000"/>
                 </a:solidFill>
@@ -4151,7 +4442,7 @@
               <a:rPr lang="pt-BR" sz="2600" b="1" dirty="0" smtClean="0">
                 <a:cs typeface="Arial" panose="020B0604020202020204" pitchFamily="34" charset="0"/>
               </a:rPr>
-              <a:t>Apresentação do Aplicativo</a:t>
+              <a:t>Websocket</a:t>
             </a:r>
             <a:endParaRPr lang="pt-BR" sz="2600" b="1" dirty="0">
               <a:cs typeface="Arial" panose="020B0604020202020204" pitchFamily="34" charset="0"/>
@@ -4159,7 +4450,141 @@
           </a:p>
         </p:txBody>
       </p:sp>
+      <p:pic>
+        <p:nvPicPr>
+          <p:cNvPr id="8195" name="Picture 3"/>
+          <p:cNvPicPr>
+            <a:picLocks noChangeAspect="1" noChangeArrowheads="1"/>
+          </p:cNvPicPr>
+          <p:nvPr/>
+        </p:nvPicPr>
+        <p:blipFill>
+          <a:blip r:embed="rId4" cstate="print">
+            <a:extLst>
+              <a:ext uri="{28A0092B-C50C-407E-A947-70E740481C1C}">
+                <a14:useLocalDpi xmlns="" xmlns:a14="http://schemas.microsoft.com/office/drawing/2010/main" val="0"/>
+              </a:ext>
+            </a:extLst>
+          </a:blip>
+          <a:srcRect/>
+          <a:stretch>
+            <a:fillRect/>
+          </a:stretch>
+        </p:blipFill>
+        <p:spPr bwMode="auto">
+          <a:xfrm>
+            <a:off x="395536" y="3644869"/>
+            <a:ext cx="8194667" cy="1008267"/>
+          </a:xfrm>
+          <a:prstGeom prst="rect">
+            <a:avLst/>
+          </a:prstGeom>
+          <a:noFill/>
+          <a:ln>
+            <a:noFill/>
+          </a:ln>
+          <a:extLst>
+            <a:ext uri="{909E8E84-426E-40DD-AFC4-6F175D3DCCD1}">
+              <a14:hiddenFill xmlns="" xmlns:a14="http://schemas.microsoft.com/office/drawing/2010/main">
+                <a:solidFill>
+                  <a:srgbClr val="FFFFFF"/>
+                </a:solidFill>
+              </a14:hiddenFill>
+            </a:ext>
+            <a:ext uri="{91240B29-F687-4F45-9708-019B960494DF}">
+              <a14:hiddenLine xmlns="" xmlns:a14="http://schemas.microsoft.com/office/drawing/2010/main" w="9525">
+                <a:solidFill>
+                  <a:srgbClr val="000000"/>
+                </a:solidFill>
+                <a:miter lim="800000"/>
+                <a:headEnd/>
+                <a:tailEnd/>
+              </a14:hiddenLine>
+            </a:ext>
+          </a:extLst>
+        </p:spPr>
+      </p:pic>
+      <p:sp>
+        <p:nvSpPr>
+          <p:cNvPr id="12" name="CaixaDeTexto 11"/>
+          <p:cNvSpPr txBox="1"/>
+          <p:nvPr/>
+        </p:nvSpPr>
+        <p:spPr>
+          <a:xfrm>
+            <a:off x="683568" y="1772816"/>
+            <a:ext cx="7560840" cy="1754326"/>
+          </a:xfrm>
+          <a:prstGeom prst="rect">
+            <a:avLst/>
+          </a:prstGeom>
+          <a:noFill/>
+        </p:spPr>
+        <p:txBody>
+          <a:bodyPr wrap="square" rtlCol="0">
+            <a:spAutoFit/>
+          </a:bodyPr>
+          <a:lstStyle/>
+          <a:p>
+            <a:pPr marL="285750" indent="-285750">
+              <a:lnSpc>
+                <a:spcPct val="150000"/>
+              </a:lnSpc>
+              <a:buFont typeface="Wingdings" panose="05000000000000000000" pitchFamily="2" charset="2"/>
+              <a:buChar char="§"/>
+            </a:pPr>
+            <a:r>
+              <a:rPr lang="pt-BR" dirty="0" smtClean="0"/>
+              <a:t>Requisição única;</a:t>
+            </a:r>
+          </a:p>
+          <a:p>
+            <a:pPr marL="285750" indent="-285750">
+              <a:lnSpc>
+                <a:spcPct val="150000"/>
+              </a:lnSpc>
+              <a:buFont typeface="Wingdings" panose="05000000000000000000" pitchFamily="2" charset="2"/>
+              <a:buChar char="§"/>
+            </a:pPr>
+            <a:r>
+              <a:rPr lang="pt-BR" dirty="0" smtClean="0"/>
+              <a:t>Troca de mensagens (frames);</a:t>
+            </a:r>
+          </a:p>
+          <a:p>
+            <a:pPr marL="285750" indent="-285750">
+              <a:lnSpc>
+                <a:spcPct val="150000"/>
+              </a:lnSpc>
+              <a:buFont typeface="Wingdings" panose="05000000000000000000" pitchFamily="2" charset="2"/>
+              <a:buChar char="§"/>
+            </a:pPr>
+            <a:r>
+              <a:rPr lang="pt-BR" dirty="0" smtClean="0"/>
+              <a:t>Biblioteca Ratchet;</a:t>
+            </a:r>
+          </a:p>
+          <a:p>
+            <a:pPr marL="285750" indent="-285750">
+              <a:lnSpc>
+                <a:spcPct val="150000"/>
+              </a:lnSpc>
+              <a:buFont typeface="Wingdings" panose="05000000000000000000" pitchFamily="2" charset="2"/>
+              <a:buChar char="§"/>
+            </a:pPr>
+            <a:r>
+              <a:rPr lang="pt-BR" dirty="0" smtClean="0"/>
+              <a:t>Comunicação em tempo real (baixa latência).</a:t>
+            </a:r>
+          </a:p>
+        </p:txBody>
+      </p:sp>
     </p:spTree>
+    <p:extLst>
+      <p:ext uri="{BB962C8B-B14F-4D97-AF65-F5344CB8AC3E}">
+        <p14:creationId xmlns="" xmlns:p14="http://schemas.microsoft.com/office/powerpoint/2010/main" val="2962647246"/>
+      </p:ext>
+    </p:extLst>
   </p:cSld>
   <p:clrMapOvr>
     <a:masterClrMapping/>
@@ -4501,10 +4926,10 @@
           <p:nvPr/>
         </p:nvPicPr>
         <p:blipFill>
-          <a:blip r:embed="rId2">
+          <a:blip r:embed="rId2" cstate="print">
             <a:extLst>
               <a:ext uri="{28A0092B-C50C-407E-A947-70E740481C1C}">
-                <a14:useLocalDpi xmlns:a14="http://schemas.microsoft.com/office/drawing/2010/main" val="0"/>
+                <a14:useLocalDpi xmlns="" xmlns:a14="http://schemas.microsoft.com/office/drawing/2010/main" val="0"/>
               </a:ext>
             </a:extLst>
           </a:blip>
@@ -4544,14 +4969,14 @@
           </a:ln>
           <a:extLst>
             <a:ext uri="{909E8E84-426E-40DD-AFC4-6F175D3DCCD1}">
-              <a14:hiddenFill xmlns:a14="http://schemas.microsoft.com/office/drawing/2010/main">
+              <a14:hiddenFill xmlns="" xmlns:a14="http://schemas.microsoft.com/office/drawing/2010/main">
                 <a:solidFill>
                   <a:srgbClr val="FFFFFF"/>
                 </a:solidFill>
               </a14:hiddenFill>
             </a:ext>
             <a:ext uri="{91240B29-F687-4F45-9708-019B960494DF}">
-              <a14:hiddenLine xmlns:a14="http://schemas.microsoft.com/office/drawing/2010/main" w="9525">
+              <a14:hiddenLine xmlns="" xmlns:a14="http://schemas.microsoft.com/office/drawing/2010/main" w="9525">
                 <a:solidFill>
                   <a:srgbClr val="000000"/>
                 </a:solidFill>
@@ -4676,6 +5101,531 @@
               <a:rPr lang="pt-BR" sz="2600" b="1" dirty="0" smtClean="0">
                 <a:cs typeface="Arial" panose="020B0604020202020204" pitchFamily="34" charset="0"/>
               </a:rPr>
+              <a:t>Apresentação do Aplicativo</a:t>
+            </a:r>
+            <a:endParaRPr lang="pt-BR" sz="2600" b="1" dirty="0">
+              <a:cs typeface="Arial" panose="020B0604020202020204" pitchFamily="34" charset="0"/>
+            </a:endParaRPr>
+          </a:p>
+        </p:txBody>
+      </p:sp>
+    </p:spTree>
+  </p:cSld>
+  <p:clrMapOvr>
+    <a:masterClrMapping/>
+  </p:clrMapOvr>
+  <p:timing>
+    <p:tnLst>
+      <p:par>
+        <p:cTn id="1" dur="indefinite" restart="never" nodeType="tmRoot"/>
+      </p:par>
+    </p:tnLst>
+  </p:timing>
+</p:sld>
+</file>
+
+<file path=ppt/slides/slide15.xml><?xml version="1.0" encoding="utf-8"?>
+<p:sld xmlns:a="http://schemas.openxmlformats.org/drawingml/2006/main" xmlns:r="http://schemas.openxmlformats.org/officeDocument/2006/relationships" xmlns:p="http://schemas.openxmlformats.org/presentationml/2006/main">
+  <p:cSld>
+    <p:spTree>
+      <p:nvGrpSpPr>
+        <p:cNvPr id="1" name=""/>
+        <p:cNvGrpSpPr/>
+        <p:nvPr/>
+      </p:nvGrpSpPr>
+      <p:grpSpPr>
+        <a:xfrm>
+          <a:off x="0" y="0"/>
+          <a:ext cx="0" cy="0"/>
+          <a:chOff x="0" y="0"/>
+          <a:chExt cx="0" cy="0"/>
+        </a:xfrm>
+      </p:grpSpPr>
+      <p:sp>
+        <p:nvSpPr>
+          <p:cNvPr id="4" name="CaixaDeTexto 3"/>
+          <p:cNvSpPr txBox="1"/>
+          <p:nvPr/>
+        </p:nvSpPr>
+        <p:spPr>
+          <a:xfrm>
+            <a:off x="1907704" y="36141"/>
+            <a:ext cx="5320073" cy="1077218"/>
+          </a:xfrm>
+          <a:prstGeom prst="rect">
+            <a:avLst/>
+          </a:prstGeom>
+          <a:noFill/>
+        </p:spPr>
+        <p:txBody>
+          <a:bodyPr wrap="square" rtlCol="0">
+            <a:spAutoFit/>
+          </a:bodyPr>
+          <a:lstStyle/>
+          <a:p>
+            <a:pPr algn="ctr"/>
+            <a:r>
+              <a:rPr lang="pt-BR" sz="3200" dirty="0" smtClean="0">
+                <a:solidFill>
+                  <a:srgbClr val="F08000"/>
+                </a:solidFill>
+              </a:rPr>
+              <a:t>Aplicações em tempo real baseadas na Web</a:t>
+            </a:r>
+            <a:endParaRPr lang="pt-BR" sz="2800" dirty="0">
+              <a:solidFill>
+                <a:srgbClr val="F08000"/>
+              </a:solidFill>
+            </a:endParaRPr>
+          </a:p>
+        </p:txBody>
+      </p:sp>
+      <p:sp>
+        <p:nvSpPr>
+          <p:cNvPr id="5" name="Forma livre 4"/>
+          <p:cNvSpPr>
+            <a:spLocks/>
+          </p:cNvSpPr>
+          <p:nvPr/>
+        </p:nvSpPr>
+        <p:spPr bwMode="auto">
+          <a:xfrm>
+            <a:off x="-53975" y="5784850"/>
+            <a:ext cx="3802063" cy="838200"/>
+          </a:xfrm>
+          <a:custGeom>
+            <a:avLst>
+              <a:gd name="A1" fmla="val 0"/>
+              <a:gd name="A2" fmla="val 0"/>
+              <a:gd name="A3" fmla="val 0"/>
+              <a:gd name="A4" fmla="val 0"/>
+              <a:gd name="A5" fmla="val 0"/>
+              <a:gd name="A6" fmla="val 0"/>
+              <a:gd name="A7" fmla="val 0"/>
+              <a:gd name="A8" fmla="val 0"/>
+            </a:avLst>
+            <a:gdLst/>
+            <a:ahLst/>
+            <a:cxnLst>
+              <a:cxn ang="0">
+                <a:pos x="0" y="0"/>
+              </a:cxn>
+              <a:cxn ang="0">
+                <a:pos x="5760" y="0"/>
+              </a:cxn>
+              <a:cxn ang="0">
+                <a:pos x="5760" y="528"/>
+              </a:cxn>
+              <a:cxn ang="0">
+                <a:pos x="48" y="0"/>
+              </a:cxn>
+            </a:cxnLst>
+            <a:rect l="0" t="0" r="0" b="0"/>
+            <a:pathLst>
+              <a:path w="5760" h="528">
+                <a:moveTo>
+                  <a:pt x="817" y="97"/>
+                </a:moveTo>
+                <a:lnTo>
+                  <a:pt x="6408" y="682"/>
+                </a:lnTo>
+                <a:lnTo>
+                  <a:pt x="5232" y="685"/>
+                </a:lnTo>
+                <a:lnTo>
+                  <a:pt x="829" y="101"/>
+                </a:lnTo>
+              </a:path>
+            </a:pathLst>
+          </a:custGeom>
+          <a:solidFill>
+            <a:srgbClr val="000000">
+              <a:alpha val="100000"/>
+            </a:srgbClr>
+          </a:solidFill>
+          <a:ln w="9525" cap="flat" cmpd="sng" algn="ctr">
+            <a:noFill/>
+            <a:prstDash val="solid"/>
+            <a:round/>
+            <a:headEnd type="none" w="med" len="med"/>
+            <a:tailEnd type="none" w="med" len="med"/>
+          </a:ln>
+          <a:effectLst/>
+        </p:spPr>
+        <p:txBody>
+          <a:bodyPr/>
+          <a:lstStyle>
+            <a:extLst/>
+          </a:lstStyle>
+          <a:p>
+            <a:pPr fontAlgn="auto">
+              <a:spcBef>
+                <a:spcPts val="0"/>
+              </a:spcBef>
+              <a:spcAft>
+                <a:spcPts val="0"/>
+              </a:spcAft>
+              <a:defRPr/>
+            </a:pPr>
+            <a:endParaRPr lang="en-US">
+              <a:latin typeface="+mn-lt"/>
+            </a:endParaRPr>
+          </a:p>
+        </p:txBody>
+      </p:sp>
+      <p:sp>
+        <p:nvSpPr>
+          <p:cNvPr id="6" name="Triângulo retângulo 5"/>
+          <p:cNvSpPr>
+            <a:spLocks/>
+          </p:cNvSpPr>
+          <p:nvPr/>
+        </p:nvSpPr>
+        <p:spPr bwMode="auto">
+          <a:xfrm>
+            <a:off x="-6042" y="5791253"/>
+            <a:ext cx="3402314" cy="1080868"/>
+          </a:xfrm>
+          <a:prstGeom prst="rtTriangle">
+            <a:avLst/>
+          </a:prstGeom>
+          <a:solidFill>
+            <a:srgbClr val="FF9900"/>
+          </a:solidFill>
+          <a:ln w="12700" cap="rnd" cmpd="thickThin" algn="ctr">
+            <a:noFill/>
+            <a:prstDash val="solid"/>
+          </a:ln>
+          <a:effectLst>
+            <a:fillOverlay blend="mult">
+              <a:gradFill flip="none" rotWithShape="1">
+                <a:gsLst>
+                  <a:gs pos="0">
+                    <a:schemeClr val="accent1">
+                      <a:shade val="20000"/>
+                      <a:satMod val="176000"/>
+                      <a:alpha val="100000"/>
+                    </a:schemeClr>
+                  </a:gs>
+                  <a:gs pos="18000">
+                    <a:schemeClr val="accent1">
+                      <a:shade val="48000"/>
+                      <a:satMod val="153000"/>
+                      <a:alpha val="100000"/>
+                    </a:schemeClr>
+                  </a:gs>
+                  <a:gs pos="43000">
+                    <a:schemeClr val="accent1">
+                      <a:tint val="86000"/>
+                      <a:satMod val="149000"/>
+                      <a:alpha val="100000"/>
+                    </a:schemeClr>
+                  </a:gs>
+                  <a:gs pos="45000">
+                    <a:schemeClr val="accent1">
+                      <a:tint val="85000"/>
+                      <a:satMod val="150000"/>
+                      <a:alpha val="100000"/>
+                    </a:schemeClr>
+                  </a:gs>
+                  <a:gs pos="50000">
+                    <a:schemeClr val="accent1">
+                      <a:tint val="86000"/>
+                      <a:satMod val="149000"/>
+                      <a:alpha val="100000"/>
+                    </a:schemeClr>
+                  </a:gs>
+                  <a:gs pos="79000">
+                    <a:schemeClr val="accent1">
+                      <a:shade val="53000"/>
+                      <a:satMod val="150000"/>
+                      <a:alpha val="100000"/>
+                    </a:schemeClr>
+                  </a:gs>
+                  <a:gs pos="100000">
+                    <a:schemeClr val="accent1">
+                      <a:shade val="25000"/>
+                      <a:satMod val="170000"/>
+                      <a:alpha val="100000"/>
+                    </a:schemeClr>
+                  </a:gs>
+                </a:gsLst>
+                <a:lin ang="450000" scaled="1"/>
+                <a:tileRect/>
+              </a:gradFill>
+            </a:fillOverlay>
+          </a:effectLst>
+        </p:spPr>
+        <p:style>
+          <a:lnRef idx="3">
+            <a:schemeClr val="lt1"/>
+          </a:lnRef>
+          <a:fillRef idx="1">
+            <a:schemeClr val="accent1"/>
+          </a:fillRef>
+          <a:effectRef idx="1">
+            <a:schemeClr val="accent1"/>
+          </a:effectRef>
+          <a:fontRef idx="minor">
+            <a:schemeClr val="lt1"/>
+          </a:fontRef>
+        </p:style>
+        <p:txBody>
+          <a:bodyPr anchor="ctr"/>
+          <a:lstStyle>
+            <a:extLst/>
+          </a:lstStyle>
+          <a:p>
+            <a:pPr algn="ctr" fontAlgn="auto">
+              <a:spcBef>
+                <a:spcPts val="0"/>
+              </a:spcBef>
+              <a:spcAft>
+                <a:spcPts val="0"/>
+              </a:spcAft>
+              <a:defRPr/>
+            </a:pPr>
+            <a:endParaRPr lang="en-US"/>
+          </a:p>
+        </p:txBody>
+      </p:sp>
+      <p:cxnSp>
+        <p:nvCxnSpPr>
+          <p:cNvPr id="7" name="Conector reto 6"/>
+          <p:cNvCxnSpPr/>
+          <p:nvPr/>
+        </p:nvCxnSpPr>
+        <p:spPr>
+          <a:xfrm>
+            <a:off x="-9237" y="5787738"/>
+            <a:ext cx="3405509" cy="1084383"/>
+          </a:xfrm>
+          <a:prstGeom prst="line">
+            <a:avLst/>
+          </a:prstGeom>
+          <a:noFill/>
+          <a:ln w="12065" cap="flat" cmpd="sng" algn="ctr">
+            <a:gradFill>
+              <a:gsLst>
+                <a:gs pos="45000">
+                  <a:schemeClr val="accent1">
+                    <a:tint val="70000"/>
+                    <a:satMod val="110000"/>
+                  </a:schemeClr>
+                </a:gs>
+                <a:gs pos="15000">
+                  <a:schemeClr val="accent1">
+                    <a:shade val="40000"/>
+                    <a:satMod val="110000"/>
+                  </a:schemeClr>
+                </a:gs>
+              </a:gsLst>
+              <a:lin ang="5400000" scaled="1"/>
+            </a:gradFill>
+            <a:prstDash val="solid"/>
+            <a:miter lim="800000"/>
+          </a:ln>
+          <a:effectLst/>
+        </p:spPr>
+        <p:style>
+          <a:lnRef idx="2">
+            <a:schemeClr val="accent1"/>
+          </a:lnRef>
+          <a:fillRef idx="0">
+            <a:schemeClr val="accent1"/>
+          </a:fillRef>
+          <a:effectRef idx="1">
+            <a:schemeClr val="accent1"/>
+          </a:effectRef>
+          <a:fontRef idx="minor">
+            <a:schemeClr val="tx1"/>
+          </a:fontRef>
+        </p:style>
+      </p:cxnSp>
+      <p:pic>
+        <p:nvPicPr>
+          <p:cNvPr id="10" name="Imagem 9"/>
+          <p:cNvPicPr>
+            <a:picLocks noChangeAspect="1"/>
+          </p:cNvPicPr>
+          <p:nvPr/>
+        </p:nvPicPr>
+        <p:blipFill>
+          <a:blip r:embed="rId2" cstate="print">
+            <a:extLst>
+              <a:ext uri="{28A0092B-C50C-407E-A947-70E740481C1C}">
+                <a14:useLocalDpi xmlns="" xmlns:a14="http://schemas.microsoft.com/office/drawing/2010/main" val="0"/>
+              </a:ext>
+            </a:extLst>
+          </a:blip>
+          <a:stretch>
+            <a:fillRect/>
+          </a:stretch>
+        </p:blipFill>
+        <p:spPr>
+          <a:xfrm>
+            <a:off x="8244408" y="51470"/>
+            <a:ext cx="785242" cy="785242"/>
+          </a:xfrm>
+          <a:prstGeom prst="rect">
+            <a:avLst/>
+          </a:prstGeom>
+        </p:spPr>
+      </p:pic>
+      <p:sp>
+        <p:nvSpPr>
+          <p:cNvPr id="11" name="Text Box 4"/>
+          <p:cNvSpPr txBox="1">
+            <a:spLocks noChangeArrowheads="1"/>
+          </p:cNvSpPr>
+          <p:nvPr/>
+        </p:nvSpPr>
+        <p:spPr bwMode="auto">
+          <a:xfrm>
+            <a:off x="386265" y="1198018"/>
+            <a:ext cx="8362950" cy="488950"/>
+          </a:xfrm>
+          <a:prstGeom prst="rect">
+            <a:avLst/>
+          </a:prstGeom>
+          <a:noFill/>
+          <a:ln>
+            <a:noFill/>
+          </a:ln>
+          <a:extLst>
+            <a:ext uri="{909E8E84-426E-40DD-AFC4-6F175D3DCCD1}">
+              <a14:hiddenFill xmlns="" xmlns:a14="http://schemas.microsoft.com/office/drawing/2010/main">
+                <a:solidFill>
+                  <a:srgbClr val="FFFFFF"/>
+                </a:solidFill>
+              </a14:hiddenFill>
+            </a:ext>
+            <a:ext uri="{91240B29-F687-4F45-9708-019B960494DF}">
+              <a14:hiddenLine xmlns="" xmlns:a14="http://schemas.microsoft.com/office/drawing/2010/main" w="9525">
+                <a:solidFill>
+                  <a:srgbClr val="000000"/>
+                </a:solidFill>
+                <a:miter lim="800000"/>
+                <a:headEnd/>
+                <a:tailEnd/>
+              </a14:hiddenLine>
+            </a:ext>
+          </a:extLst>
+        </p:spPr>
+        <p:txBody>
+          <a:bodyPr>
+            <a:spAutoFit/>
+          </a:bodyPr>
+          <a:lstStyle>
+            <a:lvl1pPr eaLnBrk="0" hangingPunct="0">
+              <a:defRPr>
+                <a:solidFill>
+                  <a:schemeClr val="tx1"/>
+                </a:solidFill>
+                <a:latin typeface="Arial" panose="020B0604020202020204" pitchFamily="34" charset="0"/>
+              </a:defRPr>
+            </a:lvl1pPr>
+            <a:lvl2pPr marL="742950" indent="-285750" eaLnBrk="0" hangingPunct="0">
+              <a:defRPr>
+                <a:solidFill>
+                  <a:schemeClr val="tx1"/>
+                </a:solidFill>
+                <a:latin typeface="Arial" panose="020B0604020202020204" pitchFamily="34" charset="0"/>
+              </a:defRPr>
+            </a:lvl2pPr>
+            <a:lvl3pPr marL="1143000" indent="-228600" eaLnBrk="0" hangingPunct="0">
+              <a:defRPr>
+                <a:solidFill>
+                  <a:schemeClr val="tx1"/>
+                </a:solidFill>
+                <a:latin typeface="Arial" panose="020B0604020202020204" pitchFamily="34" charset="0"/>
+              </a:defRPr>
+            </a:lvl3pPr>
+            <a:lvl4pPr marL="1600200" indent="-228600" eaLnBrk="0" hangingPunct="0">
+              <a:defRPr>
+                <a:solidFill>
+                  <a:schemeClr val="tx1"/>
+                </a:solidFill>
+                <a:latin typeface="Arial" panose="020B0604020202020204" pitchFamily="34" charset="0"/>
+              </a:defRPr>
+            </a:lvl4pPr>
+            <a:lvl5pPr marL="2057400" indent="-228600" eaLnBrk="0" hangingPunct="0">
+              <a:defRPr>
+                <a:solidFill>
+                  <a:schemeClr val="tx1"/>
+                </a:solidFill>
+                <a:latin typeface="Arial" panose="020B0604020202020204" pitchFamily="34" charset="0"/>
+              </a:defRPr>
+            </a:lvl5pPr>
+            <a:lvl6pPr marL="2514600" indent="-228600" eaLnBrk="0" fontAlgn="base" hangingPunct="0">
+              <a:spcBef>
+                <a:spcPct val="0"/>
+              </a:spcBef>
+              <a:spcAft>
+                <a:spcPct val="0"/>
+              </a:spcAft>
+              <a:defRPr>
+                <a:solidFill>
+                  <a:schemeClr val="tx1"/>
+                </a:solidFill>
+                <a:latin typeface="Arial" panose="020B0604020202020204" pitchFamily="34" charset="0"/>
+              </a:defRPr>
+            </a:lvl6pPr>
+            <a:lvl7pPr marL="2971800" indent="-228600" eaLnBrk="0" fontAlgn="base" hangingPunct="0">
+              <a:spcBef>
+                <a:spcPct val="0"/>
+              </a:spcBef>
+              <a:spcAft>
+                <a:spcPct val="0"/>
+              </a:spcAft>
+              <a:defRPr>
+                <a:solidFill>
+                  <a:schemeClr val="tx1"/>
+                </a:solidFill>
+                <a:latin typeface="Arial" panose="020B0604020202020204" pitchFamily="34" charset="0"/>
+              </a:defRPr>
+            </a:lvl7pPr>
+            <a:lvl8pPr marL="3429000" indent="-228600" eaLnBrk="0" fontAlgn="base" hangingPunct="0">
+              <a:spcBef>
+                <a:spcPct val="0"/>
+              </a:spcBef>
+              <a:spcAft>
+                <a:spcPct val="0"/>
+              </a:spcAft>
+              <a:defRPr>
+                <a:solidFill>
+                  <a:schemeClr val="tx1"/>
+                </a:solidFill>
+                <a:latin typeface="Arial" panose="020B0604020202020204" pitchFamily="34" charset="0"/>
+              </a:defRPr>
+            </a:lvl8pPr>
+            <a:lvl9pPr marL="3886200" indent="-228600" eaLnBrk="0" fontAlgn="base" hangingPunct="0">
+              <a:spcBef>
+                <a:spcPct val="0"/>
+              </a:spcBef>
+              <a:spcAft>
+                <a:spcPct val="0"/>
+              </a:spcAft>
+              <a:defRPr>
+                <a:solidFill>
+                  <a:schemeClr val="tx1"/>
+                </a:solidFill>
+                <a:latin typeface="Arial" panose="020B0604020202020204" pitchFamily="34" charset="0"/>
+              </a:defRPr>
+            </a:lvl9pPr>
+          </a:lstStyle>
+          <a:p>
+            <a:pPr marL="457200" indent="-457200" eaLnBrk="1" hangingPunct="1">
+              <a:spcBef>
+                <a:spcPct val="50000"/>
+              </a:spcBef>
+              <a:buFont typeface="Wingdings" panose="05000000000000000000" pitchFamily="2" charset="2"/>
+              <a:buChar char="Ø"/>
+            </a:pPr>
+            <a:r>
+              <a:rPr lang="pt-BR" sz="2600" b="1" dirty="0" smtClean="0">
+                <a:cs typeface="Arial" panose="020B0604020202020204" pitchFamily="34" charset="0"/>
+              </a:rPr>
               <a:t>Comparativo</a:t>
             </a:r>
             <a:endParaRPr lang="pt-BR" sz="2600" b="1" dirty="0">
@@ -4693,13 +5643,13 @@
           <p:nvPr>
             <p:extLst>
               <p:ext uri="{D42A27DB-BD31-4B8C-83A1-F6EECF244321}">
-                <p14:modId xmlns:p14="http://schemas.microsoft.com/office/powerpoint/2010/main" val="88306189"/>
+                <p14:modId xmlns="" xmlns:p14="http://schemas.microsoft.com/office/powerpoint/2010/main" val="88306189"/>
               </p:ext>
             </p:extLst>
           </p:nvPr>
         </p:nvGraphicFramePr>
         <p:xfrm>
-          <a:off x="611560" y="2348878"/>
+          <a:off x="611560" y="1844824"/>
           <a:ext cx="7992901" cy="3024340"/>
         </p:xfrm>
         <a:graphic>
@@ -5307,10 +6257,99 @@
           </a:graphicData>
         </a:graphic>
       </p:graphicFrame>
+      <p:sp>
+        <p:nvSpPr>
+          <p:cNvPr id="9" name="CaixaDeTexto 8"/>
+          <p:cNvSpPr txBox="1"/>
+          <p:nvPr/>
+        </p:nvSpPr>
+        <p:spPr>
+          <a:xfrm>
+            <a:off x="3779912" y="5157192"/>
+            <a:ext cx="4680520" cy="1615827"/>
+          </a:xfrm>
+          <a:prstGeom prst="rect">
+            <a:avLst/>
+          </a:prstGeom>
+          <a:noFill/>
+        </p:spPr>
+        <p:txBody>
+          <a:bodyPr wrap="square" rtlCol="0">
+            <a:spAutoFit/>
+          </a:bodyPr>
+          <a:lstStyle/>
+          <a:p>
+            <a:pPr>
+              <a:lnSpc>
+                <a:spcPct val="150000"/>
+              </a:lnSpc>
+              <a:buFont typeface="Wingdings" pitchFamily="2" charset="2"/>
+              <a:buChar char="§"/>
+            </a:pPr>
+            <a:r>
+              <a:rPr lang="pt-BR" dirty="0" smtClean="0"/>
+              <a:t> </a:t>
+            </a:r>
+            <a:r>
+              <a:rPr lang="pt-BR" b="1" dirty="0" smtClean="0"/>
+              <a:t>Requisições</a:t>
+            </a:r>
+            <a:r>
+              <a:rPr lang="pt-BR" dirty="0" smtClean="0"/>
+              <a:t>: Canal de Comunicação</a:t>
+            </a:r>
+          </a:p>
+          <a:p>
+            <a:pPr>
+              <a:lnSpc>
+                <a:spcPct val="150000"/>
+              </a:lnSpc>
+              <a:buFont typeface="Wingdings" pitchFamily="2" charset="2"/>
+              <a:buChar char="§"/>
+            </a:pPr>
+            <a:r>
+              <a:rPr lang="pt-BR" dirty="0" smtClean="0"/>
+              <a:t> </a:t>
+            </a:r>
+            <a:r>
+              <a:rPr lang="pt-BR" b="1" dirty="0" smtClean="0"/>
+              <a:t>Bytes Trafegados</a:t>
+            </a:r>
+            <a:r>
+              <a:rPr lang="pt-BR" dirty="0" smtClean="0"/>
+              <a:t>: Dados Trafegados</a:t>
+            </a:r>
+          </a:p>
+          <a:p>
+            <a:pPr>
+              <a:lnSpc>
+                <a:spcPct val="150000"/>
+              </a:lnSpc>
+              <a:buFont typeface="Wingdings" pitchFamily="2" charset="2"/>
+              <a:buChar char="§"/>
+            </a:pPr>
+            <a:r>
+              <a:rPr lang="pt-BR" dirty="0" smtClean="0"/>
+              <a:t> </a:t>
+            </a:r>
+            <a:r>
+              <a:rPr lang="pt-BR" b="1" dirty="0" smtClean="0"/>
+              <a:t>Latência</a:t>
+            </a:r>
+            <a:r>
+              <a:rPr lang="pt-BR" dirty="0" smtClean="0"/>
+              <a:t>: Receber a Mensagem</a:t>
+            </a:r>
+          </a:p>
+          <a:p>
+            <a:endParaRPr lang="pt-BR" dirty="0"/>
+          </a:p>
+        </p:txBody>
+      </p:sp>
     </p:spTree>
     <p:extLst>
       <p:ext uri="{BB962C8B-B14F-4D97-AF65-F5344CB8AC3E}">
-        <p14:creationId xmlns:p14="http://schemas.microsoft.com/office/powerpoint/2010/main" val="755743950"/>
+        <p14:creationId xmlns="" xmlns:p14="http://schemas.microsoft.com/office/powerpoint/2010/main" val="755743950"/>
       </p:ext>
     </p:extLst>
   </p:cSld>
@@ -5327,7 +6366,7 @@
 </p:sld>
 </file>
 
-<file path=ppt/slides/slide15.xml><?xml version="1.0" encoding="utf-8"?>
+<file path=ppt/slides/slide16.xml><?xml version="1.0" encoding="utf-8"?>
 <p:sld xmlns:a="http://schemas.openxmlformats.org/drawingml/2006/main" xmlns:r="http://schemas.openxmlformats.org/officeDocument/2006/relationships" xmlns:p="http://schemas.openxmlformats.org/presentationml/2006/main">
   <p:cSld>
     <p:spTree>
@@ -5654,10 +6693,10 @@
           <p:nvPr/>
         </p:nvPicPr>
         <p:blipFill>
-          <a:blip r:embed="rId2">
+          <a:blip r:embed="rId2" cstate="print">
             <a:extLst>
               <a:ext uri="{28A0092B-C50C-407E-A947-70E740481C1C}">
-                <a14:useLocalDpi xmlns:a14="http://schemas.microsoft.com/office/drawing/2010/main" val="0"/>
+                <a14:useLocalDpi xmlns="" xmlns:a14="http://schemas.microsoft.com/office/drawing/2010/main" val="0"/>
               </a:ext>
             </a:extLst>
           </a:blip>
@@ -5697,14 +6736,14 @@
           </a:ln>
           <a:extLst>
             <a:ext uri="{909E8E84-426E-40DD-AFC4-6F175D3DCCD1}">
-              <a14:hiddenFill xmlns:a14="http://schemas.microsoft.com/office/drawing/2010/main">
+              <a14:hiddenFill xmlns="" xmlns:a14="http://schemas.microsoft.com/office/drawing/2010/main">
                 <a:solidFill>
                   <a:srgbClr val="FFFFFF"/>
                 </a:solidFill>
               </a14:hiddenFill>
             </a:ext>
             <a:ext uri="{91240B29-F687-4F45-9708-019B960494DF}">
-              <a14:hiddenLine xmlns:a14="http://schemas.microsoft.com/office/drawing/2010/main" w="9525">
+              <a14:hiddenLine xmlns="" xmlns:a14="http://schemas.microsoft.com/office/drawing/2010/main" w="9525">
                 <a:solidFill>
                   <a:srgbClr val="000000"/>
                 </a:solidFill>
@@ -5962,7 +7001,7 @@
     </p:spTree>
     <p:extLst>
       <p:ext uri="{BB962C8B-B14F-4D97-AF65-F5344CB8AC3E}">
-        <p14:creationId xmlns:p14="http://schemas.microsoft.com/office/powerpoint/2010/main" val="2222555443"/>
+        <p14:creationId xmlns="" xmlns:p14="http://schemas.microsoft.com/office/powerpoint/2010/main" val="2222555443"/>
       </p:ext>
     </p:extLst>
   </p:cSld>
@@ -5979,7 +7018,7 @@
 </p:sld>
 </file>
 
-<file path=ppt/slides/slide16.xml><?xml version="1.0" encoding="utf-8"?>
+<file path=ppt/slides/slide17.xml><?xml version="1.0" encoding="utf-8"?>
 <p:sld xmlns:a="http://schemas.openxmlformats.org/drawingml/2006/main" xmlns:r="http://schemas.openxmlformats.org/officeDocument/2006/relationships" xmlns:p="http://schemas.openxmlformats.org/presentationml/2006/main">
   <p:cSld>
     <p:spTree>
@@ -6306,10 +7345,10 @@
           <p:nvPr/>
         </p:nvPicPr>
         <p:blipFill>
-          <a:blip r:embed="rId2">
+          <a:blip r:embed="rId2" cstate="print">
             <a:extLst>
               <a:ext uri="{28A0092B-C50C-407E-A947-70E740481C1C}">
-                <a14:useLocalDpi xmlns:a14="http://schemas.microsoft.com/office/drawing/2010/main" val="0"/>
+                <a14:useLocalDpi xmlns="" xmlns:a14="http://schemas.microsoft.com/office/drawing/2010/main" val="0"/>
               </a:ext>
             </a:extLst>
           </a:blip>
@@ -6349,14 +7388,14 @@
           </a:ln>
           <a:extLst>
             <a:ext uri="{909E8E84-426E-40DD-AFC4-6F175D3DCCD1}">
-              <a14:hiddenFill xmlns:a14="http://schemas.microsoft.com/office/drawing/2010/main">
+              <a14:hiddenFill xmlns="" xmlns:a14="http://schemas.microsoft.com/office/drawing/2010/main">
                 <a:solidFill>
                   <a:srgbClr val="FFFFFF"/>
                 </a:solidFill>
               </a14:hiddenFill>
             </a:ext>
             <a:ext uri="{91240B29-F687-4F45-9708-019B960494DF}">
-              <a14:hiddenLine xmlns:a14="http://schemas.microsoft.com/office/drawing/2010/main" w="9525">
+              <a14:hiddenLine xmlns="" xmlns:a14="http://schemas.microsoft.com/office/drawing/2010/main" w="9525">
                 <a:solidFill>
                   <a:srgbClr val="000000"/>
                 </a:solidFill>
@@ -6697,7 +7736,7 @@
 </p:sld>
 </file>
 
-<file path=ppt/slides/slide17.xml><?xml version="1.0" encoding="utf-8"?>
+<file path=ppt/slides/slide18.xml><?xml version="1.0" encoding="utf-8"?>
 <p:sld xmlns:a="http://schemas.openxmlformats.org/drawingml/2006/main" xmlns:r="http://schemas.openxmlformats.org/officeDocument/2006/relationships" xmlns:p="http://schemas.openxmlformats.org/presentationml/2006/main">
   <p:cSld>
     <p:spTree>
@@ -7024,10 +8063,10 @@
           <p:nvPr/>
         </p:nvPicPr>
         <p:blipFill>
-          <a:blip r:embed="rId2">
+          <a:blip r:embed="rId2" cstate="print">
             <a:extLst>
               <a:ext uri="{28A0092B-C50C-407E-A947-70E740481C1C}">
-                <a14:useLocalDpi xmlns:a14="http://schemas.microsoft.com/office/drawing/2010/main" val="0"/>
+                <a14:useLocalDpi xmlns="" xmlns:a14="http://schemas.microsoft.com/office/drawing/2010/main" val="0"/>
               </a:ext>
             </a:extLst>
           </a:blip>
@@ -7067,14 +8106,14 @@
           </a:ln>
           <a:extLst>
             <a:ext uri="{909E8E84-426E-40DD-AFC4-6F175D3DCCD1}">
-              <a14:hiddenFill xmlns:a14="http://schemas.microsoft.com/office/drawing/2010/main">
+              <a14:hiddenFill xmlns="" xmlns:a14="http://schemas.microsoft.com/office/drawing/2010/main">
                 <a:solidFill>
                   <a:srgbClr val="FFFFFF"/>
                 </a:solidFill>
               </a14:hiddenFill>
             </a:ext>
             <a:ext uri="{91240B29-F687-4F45-9708-019B960494DF}">
-              <a14:hiddenLine xmlns:a14="http://schemas.microsoft.com/office/drawing/2010/main" w="9525">
+              <a14:hiddenLine xmlns="" xmlns:a14="http://schemas.microsoft.com/office/drawing/2010/main" w="9525">
                 <a:solidFill>
                   <a:srgbClr val="000000"/>
                 </a:solidFill>
@@ -7408,7 +8447,7 @@
     </p:spTree>
     <p:extLst>
       <p:ext uri="{BB962C8B-B14F-4D97-AF65-F5344CB8AC3E}">
-        <p14:creationId xmlns:p14="http://schemas.microsoft.com/office/powerpoint/2010/main" val="2223689103"/>
+        <p14:creationId xmlns="" xmlns:p14="http://schemas.microsoft.com/office/powerpoint/2010/main" val="2223689103"/>
       </p:ext>
     </p:extLst>
   </p:cSld>
@@ -7425,7 +8464,7 @@
 </p:sld>
 </file>
 
-<file path=ppt/slides/slide18.xml><?xml version="1.0" encoding="utf-8"?>
+<file path=ppt/slides/slide19.xml><?xml version="1.0" encoding="utf-8"?>
 <p:sld xmlns:a="http://schemas.openxmlformats.org/drawingml/2006/main" xmlns:r="http://schemas.openxmlformats.org/officeDocument/2006/relationships" xmlns:p="http://schemas.openxmlformats.org/presentationml/2006/main">
   <p:cSld>
     <p:spTree>
@@ -7752,10 +8791,10 @@
           <p:nvPr/>
         </p:nvPicPr>
         <p:blipFill>
-          <a:blip r:embed="rId2">
+          <a:blip r:embed="rId2" cstate="print">
             <a:extLst>
               <a:ext uri="{28A0092B-C50C-407E-A947-70E740481C1C}">
-                <a14:useLocalDpi xmlns:a14="http://schemas.microsoft.com/office/drawing/2010/main" val="0"/>
+                <a14:useLocalDpi xmlns="" xmlns:a14="http://schemas.microsoft.com/office/drawing/2010/main" val="0"/>
               </a:ext>
             </a:extLst>
           </a:blip>
@@ -7795,14 +8834,14 @@
           </a:ln>
           <a:extLst>
             <a:ext uri="{909E8E84-426E-40DD-AFC4-6F175D3DCCD1}">
-              <a14:hiddenFill xmlns:a14="http://schemas.microsoft.com/office/drawing/2010/main">
+              <a14:hiddenFill xmlns="" xmlns:a14="http://schemas.microsoft.com/office/drawing/2010/main">
                 <a:solidFill>
                   <a:srgbClr val="FFFFFF"/>
                 </a:solidFill>
               </a14:hiddenFill>
             </a:ext>
             <a:ext uri="{91240B29-F687-4F45-9708-019B960494DF}">
-              <a14:hiddenLine xmlns:a14="http://schemas.microsoft.com/office/drawing/2010/main" w="9525">
+              <a14:hiddenLine xmlns="" xmlns:a14="http://schemas.microsoft.com/office/drawing/2010/main" w="9525">
                 <a:solidFill>
                   <a:srgbClr val="000000"/>
                 </a:solidFill>
@@ -8128,7 +9167,7 @@
     </p:spTree>
     <p:extLst>
       <p:ext uri="{BB962C8B-B14F-4D97-AF65-F5344CB8AC3E}">
-        <p14:creationId xmlns:p14="http://schemas.microsoft.com/office/powerpoint/2010/main" val="2310111213"/>
+        <p14:creationId xmlns="" xmlns:p14="http://schemas.microsoft.com/office/powerpoint/2010/main" val="2310111213"/>
       </p:ext>
     </p:extLst>
   </p:cSld>
@@ -8145,7 +9184,823 @@
 </p:sld>
 </file>
 
-<file path=ppt/slides/slide19.xml><?xml version="1.0" encoding="utf-8"?>
+<file path=ppt/slides/slide2.xml><?xml version="1.0" encoding="utf-8"?>
+<p:sld xmlns:a="http://schemas.openxmlformats.org/drawingml/2006/main" xmlns:r="http://schemas.openxmlformats.org/officeDocument/2006/relationships" xmlns:p="http://schemas.openxmlformats.org/presentationml/2006/main">
+  <p:cSld>
+    <p:spTree>
+      <p:nvGrpSpPr>
+        <p:cNvPr id="1" name=""/>
+        <p:cNvGrpSpPr/>
+        <p:nvPr/>
+      </p:nvGrpSpPr>
+      <p:grpSpPr>
+        <a:xfrm>
+          <a:off x="0" y="0"/>
+          <a:ext cx="0" cy="0"/>
+          <a:chOff x="0" y="0"/>
+          <a:chExt cx="0" cy="0"/>
+        </a:xfrm>
+      </p:grpSpPr>
+      <p:sp>
+        <p:nvSpPr>
+          <p:cNvPr id="3075" name="CaixaDeTexto 2"/>
+          <p:cNvSpPr txBox="1">
+            <a:spLocks noChangeArrowheads="1"/>
+          </p:cNvSpPr>
+          <p:nvPr/>
+        </p:nvSpPr>
+        <p:spPr bwMode="auto">
+          <a:xfrm>
+            <a:off x="899592" y="1772816"/>
+            <a:ext cx="5256584" cy="3831818"/>
+          </a:xfrm>
+          <a:prstGeom prst="rect">
+            <a:avLst/>
+          </a:prstGeom>
+          <a:noFill/>
+          <a:ln>
+            <a:noFill/>
+          </a:ln>
+          <a:extLst>
+            <a:ext uri="{909E8E84-426E-40DD-AFC4-6F175D3DCCD1}">
+              <a14:hiddenFill xmlns="" xmlns:a14="http://schemas.microsoft.com/office/drawing/2010/main">
+                <a:solidFill>
+                  <a:srgbClr val="FFFFFF"/>
+                </a:solidFill>
+              </a14:hiddenFill>
+            </a:ext>
+            <a:ext uri="{91240B29-F687-4F45-9708-019B960494DF}">
+              <a14:hiddenLine xmlns="" xmlns:a14="http://schemas.microsoft.com/office/drawing/2010/main" w="9525">
+                <a:solidFill>
+                  <a:srgbClr val="000000"/>
+                </a:solidFill>
+                <a:miter lim="800000"/>
+                <a:headEnd/>
+                <a:tailEnd/>
+              </a14:hiddenLine>
+            </a:ext>
+          </a:extLst>
+        </p:spPr>
+        <p:txBody>
+          <a:bodyPr wrap="square">
+            <a:spAutoFit/>
+          </a:bodyPr>
+          <a:lstStyle>
+            <a:lvl1pPr eaLnBrk="0" hangingPunct="0">
+              <a:defRPr>
+                <a:solidFill>
+                  <a:schemeClr val="tx1"/>
+                </a:solidFill>
+                <a:latin typeface="Arial" panose="020B0604020202020204" pitchFamily="34" charset="0"/>
+              </a:defRPr>
+            </a:lvl1pPr>
+            <a:lvl2pPr marL="742950" indent="-285750" eaLnBrk="0" hangingPunct="0">
+              <a:defRPr>
+                <a:solidFill>
+                  <a:schemeClr val="tx1"/>
+                </a:solidFill>
+                <a:latin typeface="Arial" panose="020B0604020202020204" pitchFamily="34" charset="0"/>
+              </a:defRPr>
+            </a:lvl2pPr>
+            <a:lvl3pPr marL="1143000" indent="-228600" eaLnBrk="0" hangingPunct="0">
+              <a:defRPr>
+                <a:solidFill>
+                  <a:schemeClr val="tx1"/>
+                </a:solidFill>
+                <a:latin typeface="Arial" panose="020B0604020202020204" pitchFamily="34" charset="0"/>
+              </a:defRPr>
+            </a:lvl3pPr>
+            <a:lvl4pPr marL="1600200" indent="-228600" eaLnBrk="0" hangingPunct="0">
+              <a:defRPr>
+                <a:solidFill>
+                  <a:schemeClr val="tx1"/>
+                </a:solidFill>
+                <a:latin typeface="Arial" panose="020B0604020202020204" pitchFamily="34" charset="0"/>
+              </a:defRPr>
+            </a:lvl4pPr>
+            <a:lvl5pPr marL="2057400" indent="-228600" eaLnBrk="0" hangingPunct="0">
+              <a:defRPr>
+                <a:solidFill>
+                  <a:schemeClr val="tx1"/>
+                </a:solidFill>
+                <a:latin typeface="Arial" panose="020B0604020202020204" pitchFamily="34" charset="0"/>
+              </a:defRPr>
+            </a:lvl5pPr>
+            <a:lvl6pPr marL="2514600" indent="-228600" eaLnBrk="0" fontAlgn="base" hangingPunct="0">
+              <a:spcBef>
+                <a:spcPct val="0"/>
+              </a:spcBef>
+              <a:spcAft>
+                <a:spcPct val="0"/>
+              </a:spcAft>
+              <a:defRPr>
+                <a:solidFill>
+                  <a:schemeClr val="tx1"/>
+                </a:solidFill>
+                <a:latin typeface="Arial" panose="020B0604020202020204" pitchFamily="34" charset="0"/>
+              </a:defRPr>
+            </a:lvl6pPr>
+            <a:lvl7pPr marL="2971800" indent="-228600" eaLnBrk="0" fontAlgn="base" hangingPunct="0">
+              <a:spcBef>
+                <a:spcPct val="0"/>
+              </a:spcBef>
+              <a:spcAft>
+                <a:spcPct val="0"/>
+              </a:spcAft>
+              <a:defRPr>
+                <a:solidFill>
+                  <a:schemeClr val="tx1"/>
+                </a:solidFill>
+                <a:latin typeface="Arial" panose="020B0604020202020204" pitchFamily="34" charset="0"/>
+              </a:defRPr>
+            </a:lvl7pPr>
+            <a:lvl8pPr marL="3429000" indent="-228600" eaLnBrk="0" fontAlgn="base" hangingPunct="0">
+              <a:spcBef>
+                <a:spcPct val="0"/>
+              </a:spcBef>
+              <a:spcAft>
+                <a:spcPct val="0"/>
+              </a:spcAft>
+              <a:defRPr>
+                <a:solidFill>
+                  <a:schemeClr val="tx1"/>
+                </a:solidFill>
+                <a:latin typeface="Arial" panose="020B0604020202020204" pitchFamily="34" charset="0"/>
+              </a:defRPr>
+            </a:lvl8pPr>
+            <a:lvl9pPr marL="3886200" indent="-228600" eaLnBrk="0" fontAlgn="base" hangingPunct="0">
+              <a:spcBef>
+                <a:spcPct val="0"/>
+              </a:spcBef>
+              <a:spcAft>
+                <a:spcPct val="0"/>
+              </a:spcAft>
+              <a:defRPr>
+                <a:solidFill>
+                  <a:schemeClr val="tx1"/>
+                </a:solidFill>
+                <a:latin typeface="Arial" panose="020B0604020202020204" pitchFamily="34" charset="0"/>
+              </a:defRPr>
+            </a:lvl9pPr>
+          </a:lstStyle>
+          <a:p>
+            <a:pPr marL="342900" indent="-342900" eaLnBrk="1" hangingPunct="1">
+              <a:lnSpc>
+                <a:spcPct val="150000"/>
+              </a:lnSpc>
+              <a:buFont typeface="Wingdings" panose="05000000000000000000" pitchFamily="2" charset="2"/>
+              <a:buChar char="§"/>
+            </a:pPr>
+            <a:r>
+              <a:rPr lang="pt-BR" dirty="0" smtClean="0">
+                <a:cs typeface="Arial" panose="020B0604020202020204" pitchFamily="34" charset="0"/>
+              </a:rPr>
+              <a:t>Introdução e Justificativa</a:t>
+            </a:r>
+            <a:r>
+              <a:rPr lang="pt-BR" dirty="0" smtClean="0">
+                <a:cs typeface="Arial" panose="020B0604020202020204" pitchFamily="34" charset="0"/>
+              </a:rPr>
+              <a:t>;</a:t>
+            </a:r>
+            <a:endParaRPr lang="pt-BR" dirty="0">
+              <a:cs typeface="Arial" panose="020B0604020202020204" pitchFamily="34" charset="0"/>
+            </a:endParaRPr>
+          </a:p>
+          <a:p>
+            <a:pPr marL="342900" indent="-342900" eaLnBrk="1" hangingPunct="1">
+              <a:lnSpc>
+                <a:spcPct val="150000"/>
+              </a:lnSpc>
+              <a:buFont typeface="Wingdings" panose="05000000000000000000" pitchFamily="2" charset="2"/>
+              <a:buChar char="§"/>
+            </a:pPr>
+            <a:r>
+              <a:rPr lang="pt-BR" dirty="0" smtClean="0">
+                <a:cs typeface="Arial" panose="020B0604020202020204" pitchFamily="34" charset="0"/>
+              </a:rPr>
+              <a:t>Método de desenvolvimento;</a:t>
+            </a:r>
+          </a:p>
+          <a:p>
+            <a:pPr marL="342900" indent="-342900" eaLnBrk="1" hangingPunct="1">
+              <a:lnSpc>
+                <a:spcPct val="150000"/>
+              </a:lnSpc>
+              <a:buFont typeface="Wingdings" panose="05000000000000000000" pitchFamily="2" charset="2"/>
+              <a:buChar char="§"/>
+            </a:pPr>
+            <a:r>
+              <a:rPr lang="pt-BR" dirty="0" smtClean="0">
+                <a:cs typeface="Arial" panose="020B0604020202020204" pitchFamily="34" charset="0"/>
+              </a:rPr>
+              <a:t>Aplicativo;</a:t>
+            </a:r>
+          </a:p>
+          <a:p>
+            <a:pPr marL="342900" indent="-342900" eaLnBrk="1" hangingPunct="1">
+              <a:lnSpc>
+                <a:spcPct val="150000"/>
+              </a:lnSpc>
+              <a:buFont typeface="Wingdings" panose="05000000000000000000" pitchFamily="2" charset="2"/>
+              <a:buChar char="§"/>
+            </a:pPr>
+            <a:r>
+              <a:rPr lang="pt-BR" dirty="0" smtClean="0">
+                <a:cs typeface="Arial" panose="020B0604020202020204" pitchFamily="34" charset="0"/>
+              </a:rPr>
+              <a:t>AJAX, SSE e Websocket;</a:t>
+            </a:r>
+          </a:p>
+          <a:p>
+            <a:pPr marL="342900" indent="-342900" eaLnBrk="1" hangingPunct="1">
+              <a:lnSpc>
+                <a:spcPct val="150000"/>
+              </a:lnSpc>
+              <a:buFont typeface="Wingdings" panose="05000000000000000000" pitchFamily="2" charset="2"/>
+              <a:buChar char="§"/>
+            </a:pPr>
+            <a:r>
+              <a:rPr lang="pt-BR" dirty="0" smtClean="0">
+                <a:cs typeface="Arial" panose="020B0604020202020204" pitchFamily="34" charset="0"/>
+              </a:rPr>
+              <a:t>Apresentação do Aplicativo;</a:t>
+            </a:r>
+          </a:p>
+          <a:p>
+            <a:pPr marL="342900" indent="-342900" eaLnBrk="1" hangingPunct="1">
+              <a:lnSpc>
+                <a:spcPct val="150000"/>
+              </a:lnSpc>
+              <a:buFont typeface="Wingdings" panose="05000000000000000000" pitchFamily="2" charset="2"/>
+              <a:buChar char="§"/>
+            </a:pPr>
+            <a:r>
+              <a:rPr lang="pt-BR" dirty="0" smtClean="0">
+                <a:cs typeface="Arial" panose="020B0604020202020204" pitchFamily="34" charset="0"/>
+              </a:rPr>
+              <a:t>Comparativo;</a:t>
+            </a:r>
+          </a:p>
+          <a:p>
+            <a:pPr marL="342900" indent="-342900" eaLnBrk="1" hangingPunct="1">
+              <a:lnSpc>
+                <a:spcPct val="150000"/>
+              </a:lnSpc>
+              <a:buFont typeface="Wingdings" panose="05000000000000000000" pitchFamily="2" charset="2"/>
+              <a:buChar char="§"/>
+            </a:pPr>
+            <a:r>
+              <a:rPr lang="pt-BR" dirty="0" smtClean="0">
+                <a:cs typeface="Arial" panose="020B0604020202020204" pitchFamily="34" charset="0"/>
+              </a:rPr>
+              <a:t>Considerações Finais;</a:t>
+            </a:r>
+          </a:p>
+          <a:p>
+            <a:pPr marL="342900" indent="-342900" eaLnBrk="1" hangingPunct="1">
+              <a:lnSpc>
+                <a:spcPct val="150000"/>
+              </a:lnSpc>
+              <a:buFont typeface="Wingdings" panose="05000000000000000000" pitchFamily="2" charset="2"/>
+              <a:buChar char="§"/>
+            </a:pPr>
+            <a:r>
+              <a:rPr lang="pt-BR" dirty="0" smtClean="0">
+                <a:cs typeface="Arial" panose="020B0604020202020204" pitchFamily="34" charset="0"/>
+              </a:rPr>
+              <a:t>Referência Bibliográficas;</a:t>
+            </a:r>
+          </a:p>
+          <a:p>
+            <a:pPr marL="342900" indent="-342900" eaLnBrk="1" hangingPunct="1">
+              <a:lnSpc>
+                <a:spcPct val="150000"/>
+              </a:lnSpc>
+              <a:buFont typeface="Wingdings" panose="05000000000000000000" pitchFamily="2" charset="2"/>
+              <a:buChar char="§"/>
+            </a:pPr>
+            <a:r>
+              <a:rPr lang="pt-BR" dirty="0" smtClean="0">
+                <a:cs typeface="Arial" panose="020B0604020202020204" pitchFamily="34" charset="0"/>
+              </a:rPr>
+              <a:t>Agradecimentos.</a:t>
+            </a:r>
+            <a:endParaRPr lang="pt-BR" dirty="0">
+              <a:cs typeface="Arial" panose="020B0604020202020204" pitchFamily="34" charset="0"/>
+            </a:endParaRPr>
+          </a:p>
+        </p:txBody>
+      </p:sp>
+      <p:sp>
+        <p:nvSpPr>
+          <p:cNvPr id="5" name="CaixaDeTexto 4"/>
+          <p:cNvSpPr txBox="1"/>
+          <p:nvPr/>
+        </p:nvSpPr>
+        <p:spPr>
+          <a:xfrm>
+            <a:off x="1907704" y="36141"/>
+            <a:ext cx="5320073" cy="1077218"/>
+          </a:xfrm>
+          <a:prstGeom prst="rect">
+            <a:avLst/>
+          </a:prstGeom>
+          <a:noFill/>
+        </p:spPr>
+        <p:txBody>
+          <a:bodyPr wrap="square" rtlCol="0">
+            <a:spAutoFit/>
+          </a:bodyPr>
+          <a:lstStyle/>
+          <a:p>
+            <a:pPr algn="ctr"/>
+            <a:r>
+              <a:rPr lang="pt-BR" sz="3200" dirty="0" smtClean="0">
+                <a:solidFill>
+                  <a:srgbClr val="F08000"/>
+                </a:solidFill>
+              </a:rPr>
+              <a:t>Aplicações em tempo real baseadas na Web</a:t>
+            </a:r>
+            <a:endParaRPr lang="pt-BR" sz="2800" dirty="0">
+              <a:solidFill>
+                <a:srgbClr val="F08000"/>
+              </a:solidFill>
+            </a:endParaRPr>
+          </a:p>
+        </p:txBody>
+      </p:sp>
+      <p:sp>
+        <p:nvSpPr>
+          <p:cNvPr id="6" name="Forma livre 5"/>
+          <p:cNvSpPr>
+            <a:spLocks/>
+          </p:cNvSpPr>
+          <p:nvPr/>
+        </p:nvSpPr>
+        <p:spPr bwMode="auto">
+          <a:xfrm>
+            <a:off x="-53975" y="5784850"/>
+            <a:ext cx="3802063" cy="838200"/>
+          </a:xfrm>
+          <a:custGeom>
+            <a:avLst>
+              <a:gd name="A1" fmla="val 0"/>
+              <a:gd name="A2" fmla="val 0"/>
+              <a:gd name="A3" fmla="val 0"/>
+              <a:gd name="A4" fmla="val 0"/>
+              <a:gd name="A5" fmla="val 0"/>
+              <a:gd name="A6" fmla="val 0"/>
+              <a:gd name="A7" fmla="val 0"/>
+              <a:gd name="A8" fmla="val 0"/>
+            </a:avLst>
+            <a:gdLst/>
+            <a:ahLst/>
+            <a:cxnLst>
+              <a:cxn ang="0">
+                <a:pos x="0" y="0"/>
+              </a:cxn>
+              <a:cxn ang="0">
+                <a:pos x="5760" y="0"/>
+              </a:cxn>
+              <a:cxn ang="0">
+                <a:pos x="5760" y="528"/>
+              </a:cxn>
+              <a:cxn ang="0">
+                <a:pos x="48" y="0"/>
+              </a:cxn>
+            </a:cxnLst>
+            <a:rect l="0" t="0" r="0" b="0"/>
+            <a:pathLst>
+              <a:path w="5760" h="528">
+                <a:moveTo>
+                  <a:pt x="817" y="97"/>
+                </a:moveTo>
+                <a:lnTo>
+                  <a:pt x="6408" y="682"/>
+                </a:lnTo>
+                <a:lnTo>
+                  <a:pt x="5232" y="685"/>
+                </a:lnTo>
+                <a:lnTo>
+                  <a:pt x="829" y="101"/>
+                </a:lnTo>
+              </a:path>
+            </a:pathLst>
+          </a:custGeom>
+          <a:solidFill>
+            <a:srgbClr val="000000">
+              <a:alpha val="100000"/>
+            </a:srgbClr>
+          </a:solidFill>
+          <a:ln w="9525" cap="flat" cmpd="sng" algn="ctr">
+            <a:noFill/>
+            <a:prstDash val="solid"/>
+            <a:round/>
+            <a:headEnd type="none" w="med" len="med"/>
+            <a:tailEnd type="none" w="med" len="med"/>
+          </a:ln>
+          <a:effectLst/>
+        </p:spPr>
+        <p:txBody>
+          <a:bodyPr/>
+          <a:lstStyle>
+            <a:extLst/>
+          </a:lstStyle>
+          <a:p>
+            <a:pPr fontAlgn="auto">
+              <a:spcBef>
+                <a:spcPts val="0"/>
+              </a:spcBef>
+              <a:spcAft>
+                <a:spcPts val="0"/>
+              </a:spcAft>
+              <a:defRPr/>
+            </a:pPr>
+            <a:endParaRPr lang="en-US">
+              <a:latin typeface="+mn-lt"/>
+            </a:endParaRPr>
+          </a:p>
+        </p:txBody>
+      </p:sp>
+      <p:sp>
+        <p:nvSpPr>
+          <p:cNvPr id="7" name="Triângulo retângulo 6"/>
+          <p:cNvSpPr>
+            <a:spLocks/>
+          </p:cNvSpPr>
+          <p:nvPr/>
+        </p:nvSpPr>
+        <p:spPr bwMode="auto">
+          <a:xfrm>
+            <a:off x="-6042" y="5791253"/>
+            <a:ext cx="3402314" cy="1080868"/>
+          </a:xfrm>
+          <a:prstGeom prst="rtTriangle">
+            <a:avLst/>
+          </a:prstGeom>
+          <a:solidFill>
+            <a:srgbClr val="FF9900"/>
+          </a:solidFill>
+          <a:ln w="12700" cap="rnd" cmpd="thickThin" algn="ctr">
+            <a:noFill/>
+            <a:prstDash val="solid"/>
+          </a:ln>
+          <a:effectLst>
+            <a:fillOverlay blend="mult">
+              <a:gradFill flip="none" rotWithShape="1">
+                <a:gsLst>
+                  <a:gs pos="0">
+                    <a:schemeClr val="accent1">
+                      <a:shade val="20000"/>
+                      <a:satMod val="176000"/>
+                      <a:alpha val="100000"/>
+                    </a:schemeClr>
+                  </a:gs>
+                  <a:gs pos="18000">
+                    <a:schemeClr val="accent1">
+                      <a:shade val="48000"/>
+                      <a:satMod val="153000"/>
+                      <a:alpha val="100000"/>
+                    </a:schemeClr>
+                  </a:gs>
+                  <a:gs pos="43000">
+                    <a:schemeClr val="accent1">
+                      <a:tint val="86000"/>
+                      <a:satMod val="149000"/>
+                      <a:alpha val="100000"/>
+                    </a:schemeClr>
+                  </a:gs>
+                  <a:gs pos="45000">
+                    <a:schemeClr val="accent1">
+                      <a:tint val="85000"/>
+                      <a:satMod val="150000"/>
+                      <a:alpha val="100000"/>
+                    </a:schemeClr>
+                  </a:gs>
+                  <a:gs pos="50000">
+                    <a:schemeClr val="accent1">
+                      <a:tint val="86000"/>
+                      <a:satMod val="149000"/>
+                      <a:alpha val="100000"/>
+                    </a:schemeClr>
+                  </a:gs>
+                  <a:gs pos="79000">
+                    <a:schemeClr val="accent1">
+                      <a:shade val="53000"/>
+                      <a:satMod val="150000"/>
+                      <a:alpha val="100000"/>
+                    </a:schemeClr>
+                  </a:gs>
+                  <a:gs pos="100000">
+                    <a:schemeClr val="accent1">
+                      <a:shade val="25000"/>
+                      <a:satMod val="170000"/>
+                      <a:alpha val="100000"/>
+                    </a:schemeClr>
+                  </a:gs>
+                </a:gsLst>
+                <a:lin ang="450000" scaled="1"/>
+                <a:tileRect/>
+              </a:gradFill>
+            </a:fillOverlay>
+          </a:effectLst>
+        </p:spPr>
+        <p:style>
+          <a:lnRef idx="3">
+            <a:schemeClr val="lt1"/>
+          </a:lnRef>
+          <a:fillRef idx="1">
+            <a:schemeClr val="accent1"/>
+          </a:fillRef>
+          <a:effectRef idx="1">
+            <a:schemeClr val="accent1"/>
+          </a:effectRef>
+          <a:fontRef idx="minor">
+            <a:schemeClr val="lt1"/>
+          </a:fontRef>
+        </p:style>
+        <p:txBody>
+          <a:bodyPr anchor="ctr"/>
+          <a:lstStyle>
+            <a:extLst/>
+          </a:lstStyle>
+          <a:p>
+            <a:pPr algn="ctr" fontAlgn="auto">
+              <a:spcBef>
+                <a:spcPts val="0"/>
+              </a:spcBef>
+              <a:spcAft>
+                <a:spcPts val="0"/>
+              </a:spcAft>
+              <a:defRPr/>
+            </a:pPr>
+            <a:endParaRPr lang="en-US"/>
+          </a:p>
+        </p:txBody>
+      </p:sp>
+      <p:cxnSp>
+        <p:nvCxnSpPr>
+          <p:cNvPr id="8" name="Conector reto 7"/>
+          <p:cNvCxnSpPr/>
+          <p:nvPr/>
+        </p:nvCxnSpPr>
+        <p:spPr>
+          <a:xfrm>
+            <a:off x="-9237" y="5787738"/>
+            <a:ext cx="3405509" cy="1084383"/>
+          </a:xfrm>
+          <a:prstGeom prst="line">
+            <a:avLst/>
+          </a:prstGeom>
+          <a:noFill/>
+          <a:ln w="12065" cap="flat" cmpd="sng" algn="ctr">
+            <a:gradFill>
+              <a:gsLst>
+                <a:gs pos="45000">
+                  <a:schemeClr val="accent1">
+                    <a:tint val="70000"/>
+                    <a:satMod val="110000"/>
+                  </a:schemeClr>
+                </a:gs>
+                <a:gs pos="15000">
+                  <a:schemeClr val="accent1">
+                    <a:shade val="40000"/>
+                    <a:satMod val="110000"/>
+                  </a:schemeClr>
+                </a:gs>
+              </a:gsLst>
+              <a:lin ang="5400000" scaled="1"/>
+            </a:gradFill>
+            <a:prstDash val="solid"/>
+            <a:miter lim="800000"/>
+          </a:ln>
+          <a:effectLst/>
+        </p:spPr>
+        <p:style>
+          <a:lnRef idx="2">
+            <a:schemeClr val="accent1"/>
+          </a:lnRef>
+          <a:fillRef idx="0">
+            <a:schemeClr val="accent1"/>
+          </a:fillRef>
+          <a:effectRef idx="1">
+            <a:schemeClr val="accent1"/>
+          </a:effectRef>
+          <a:fontRef idx="minor">
+            <a:schemeClr val="tx1"/>
+          </a:fontRef>
+        </p:style>
+      </p:cxnSp>
+      <p:sp>
+        <p:nvSpPr>
+          <p:cNvPr id="10" name="Text Box 4"/>
+          <p:cNvSpPr txBox="1">
+            <a:spLocks noChangeArrowheads="1"/>
+          </p:cNvSpPr>
+          <p:nvPr/>
+        </p:nvSpPr>
+        <p:spPr bwMode="auto">
+          <a:xfrm>
+            <a:off x="386265" y="1198018"/>
+            <a:ext cx="8362950" cy="488950"/>
+          </a:xfrm>
+          <a:prstGeom prst="rect">
+            <a:avLst/>
+          </a:prstGeom>
+          <a:noFill/>
+          <a:ln>
+            <a:noFill/>
+          </a:ln>
+          <a:extLst>
+            <a:ext uri="{909E8E84-426E-40DD-AFC4-6F175D3DCCD1}">
+              <a14:hiddenFill xmlns="" xmlns:a14="http://schemas.microsoft.com/office/drawing/2010/main">
+                <a:solidFill>
+                  <a:srgbClr val="FFFFFF"/>
+                </a:solidFill>
+              </a14:hiddenFill>
+            </a:ext>
+            <a:ext uri="{91240B29-F687-4F45-9708-019B960494DF}">
+              <a14:hiddenLine xmlns="" xmlns:a14="http://schemas.microsoft.com/office/drawing/2010/main" w="9525">
+                <a:solidFill>
+                  <a:srgbClr val="000000"/>
+                </a:solidFill>
+                <a:miter lim="800000"/>
+                <a:headEnd/>
+                <a:tailEnd/>
+              </a14:hiddenLine>
+            </a:ext>
+          </a:extLst>
+        </p:spPr>
+        <p:txBody>
+          <a:bodyPr>
+            <a:spAutoFit/>
+          </a:bodyPr>
+          <a:lstStyle>
+            <a:lvl1pPr eaLnBrk="0" hangingPunct="0">
+              <a:defRPr>
+                <a:solidFill>
+                  <a:schemeClr val="tx1"/>
+                </a:solidFill>
+                <a:latin typeface="Arial" panose="020B0604020202020204" pitchFamily="34" charset="0"/>
+              </a:defRPr>
+            </a:lvl1pPr>
+            <a:lvl2pPr marL="742950" indent="-285750" eaLnBrk="0" hangingPunct="0">
+              <a:defRPr>
+                <a:solidFill>
+                  <a:schemeClr val="tx1"/>
+                </a:solidFill>
+                <a:latin typeface="Arial" panose="020B0604020202020204" pitchFamily="34" charset="0"/>
+              </a:defRPr>
+            </a:lvl2pPr>
+            <a:lvl3pPr marL="1143000" indent="-228600" eaLnBrk="0" hangingPunct="0">
+              <a:defRPr>
+                <a:solidFill>
+                  <a:schemeClr val="tx1"/>
+                </a:solidFill>
+                <a:latin typeface="Arial" panose="020B0604020202020204" pitchFamily="34" charset="0"/>
+              </a:defRPr>
+            </a:lvl3pPr>
+            <a:lvl4pPr marL="1600200" indent="-228600" eaLnBrk="0" hangingPunct="0">
+              <a:defRPr>
+                <a:solidFill>
+                  <a:schemeClr val="tx1"/>
+                </a:solidFill>
+                <a:latin typeface="Arial" panose="020B0604020202020204" pitchFamily="34" charset="0"/>
+              </a:defRPr>
+            </a:lvl4pPr>
+            <a:lvl5pPr marL="2057400" indent="-228600" eaLnBrk="0" hangingPunct="0">
+              <a:defRPr>
+                <a:solidFill>
+                  <a:schemeClr val="tx1"/>
+                </a:solidFill>
+                <a:latin typeface="Arial" panose="020B0604020202020204" pitchFamily="34" charset="0"/>
+              </a:defRPr>
+            </a:lvl5pPr>
+            <a:lvl6pPr marL="2514600" indent="-228600" eaLnBrk="0" fontAlgn="base" hangingPunct="0">
+              <a:spcBef>
+                <a:spcPct val="0"/>
+              </a:spcBef>
+              <a:spcAft>
+                <a:spcPct val="0"/>
+              </a:spcAft>
+              <a:defRPr>
+                <a:solidFill>
+                  <a:schemeClr val="tx1"/>
+                </a:solidFill>
+                <a:latin typeface="Arial" panose="020B0604020202020204" pitchFamily="34" charset="0"/>
+              </a:defRPr>
+            </a:lvl6pPr>
+            <a:lvl7pPr marL="2971800" indent="-228600" eaLnBrk="0" fontAlgn="base" hangingPunct="0">
+              <a:spcBef>
+                <a:spcPct val="0"/>
+              </a:spcBef>
+              <a:spcAft>
+                <a:spcPct val="0"/>
+              </a:spcAft>
+              <a:defRPr>
+                <a:solidFill>
+                  <a:schemeClr val="tx1"/>
+                </a:solidFill>
+                <a:latin typeface="Arial" panose="020B0604020202020204" pitchFamily="34" charset="0"/>
+              </a:defRPr>
+            </a:lvl7pPr>
+            <a:lvl8pPr marL="3429000" indent="-228600" eaLnBrk="0" fontAlgn="base" hangingPunct="0">
+              <a:spcBef>
+                <a:spcPct val="0"/>
+              </a:spcBef>
+              <a:spcAft>
+                <a:spcPct val="0"/>
+              </a:spcAft>
+              <a:defRPr>
+                <a:solidFill>
+                  <a:schemeClr val="tx1"/>
+                </a:solidFill>
+                <a:latin typeface="Arial" panose="020B0604020202020204" pitchFamily="34" charset="0"/>
+              </a:defRPr>
+            </a:lvl8pPr>
+            <a:lvl9pPr marL="3886200" indent="-228600" eaLnBrk="0" fontAlgn="base" hangingPunct="0">
+              <a:spcBef>
+                <a:spcPct val="0"/>
+              </a:spcBef>
+              <a:spcAft>
+                <a:spcPct val="0"/>
+              </a:spcAft>
+              <a:defRPr>
+                <a:solidFill>
+                  <a:schemeClr val="tx1"/>
+                </a:solidFill>
+                <a:latin typeface="Arial" panose="020B0604020202020204" pitchFamily="34" charset="0"/>
+              </a:defRPr>
+            </a:lvl9pPr>
+          </a:lstStyle>
+          <a:p>
+            <a:pPr marL="457200" indent="-457200" eaLnBrk="1" hangingPunct="1">
+              <a:spcBef>
+                <a:spcPct val="50000"/>
+              </a:spcBef>
+              <a:buFont typeface="Wingdings" panose="05000000000000000000" pitchFamily="2" charset="2"/>
+              <a:buChar char="Ø"/>
+            </a:pPr>
+            <a:r>
+              <a:rPr lang="pt-BR" sz="2600" b="1" dirty="0" smtClean="0">
+                <a:cs typeface="Arial" panose="020B0604020202020204" pitchFamily="34" charset="0"/>
+              </a:rPr>
+              <a:t>Roteiro da Apresentação</a:t>
+            </a:r>
+            <a:endParaRPr lang="pt-BR" sz="2600" b="1" dirty="0">
+              <a:cs typeface="Arial" panose="020B0604020202020204" pitchFamily="34" charset="0"/>
+            </a:endParaRPr>
+          </a:p>
+        </p:txBody>
+      </p:sp>
+      <p:pic>
+        <p:nvPicPr>
+          <p:cNvPr id="2" name="Imagem 1"/>
+          <p:cNvPicPr>
+            <a:picLocks noChangeAspect="1"/>
+          </p:cNvPicPr>
+          <p:nvPr/>
+        </p:nvPicPr>
+        <p:blipFill>
+          <a:blip r:embed="rId2" cstate="print">
+            <a:extLst>
+              <a:ext uri="{28A0092B-C50C-407E-A947-70E740481C1C}">
+                <a14:useLocalDpi xmlns="" xmlns:a14="http://schemas.microsoft.com/office/drawing/2010/main" val="0"/>
+              </a:ext>
+            </a:extLst>
+          </a:blip>
+          <a:stretch>
+            <a:fillRect/>
+          </a:stretch>
+        </p:blipFill>
+        <p:spPr>
+          <a:xfrm>
+            <a:off x="8244408" y="51470"/>
+            <a:ext cx="785242" cy="785242"/>
+          </a:xfrm>
+          <a:prstGeom prst="rect">
+            <a:avLst/>
+          </a:prstGeom>
+        </p:spPr>
+      </p:pic>
+    </p:spTree>
+  </p:cSld>
+  <p:clrMapOvr>
+    <a:masterClrMapping/>
+  </p:clrMapOvr>
+  <p:timing>
+    <p:tnLst>
+      <p:par>
+        <p:cTn id="1" dur="indefinite" restart="never" nodeType="tmRoot"/>
+      </p:par>
+    </p:tnLst>
+  </p:timing>
+</p:sld>
+</file>
+
+<file path=ppt/slides/slide20.xml><?xml version="1.0" encoding="utf-8"?>
 <p:sld xmlns:a="http://schemas.openxmlformats.org/drawingml/2006/main" xmlns:r="http://schemas.openxmlformats.org/officeDocument/2006/relationships" xmlns:p="http://schemas.openxmlformats.org/presentationml/2006/main">
   <p:cSld>
     <p:spTree>
@@ -8472,10 +10327,10 @@
           <p:nvPr/>
         </p:nvPicPr>
         <p:blipFill>
-          <a:blip r:embed="rId2">
+          <a:blip r:embed="rId2" cstate="print">
             <a:extLst>
               <a:ext uri="{28A0092B-C50C-407E-A947-70E740481C1C}">
-                <a14:useLocalDpi xmlns:a14="http://schemas.microsoft.com/office/drawing/2010/main" val="0"/>
+                <a14:useLocalDpi xmlns="" xmlns:a14="http://schemas.microsoft.com/office/drawing/2010/main" val="0"/>
               </a:ext>
             </a:extLst>
           </a:blip>
@@ -8515,14 +10370,14 @@
           </a:ln>
           <a:extLst>
             <a:ext uri="{909E8E84-426E-40DD-AFC4-6F175D3DCCD1}">
-              <a14:hiddenFill xmlns:a14="http://schemas.microsoft.com/office/drawing/2010/main">
+              <a14:hiddenFill xmlns="" xmlns:a14="http://schemas.microsoft.com/office/drawing/2010/main">
                 <a:solidFill>
                   <a:srgbClr val="FFFFFF"/>
                 </a:solidFill>
               </a14:hiddenFill>
             </a:ext>
             <a:ext uri="{91240B29-F687-4F45-9708-019B960494DF}">
-              <a14:hiddenLine xmlns:a14="http://schemas.microsoft.com/office/drawing/2010/main" w="9525">
+              <a14:hiddenLine xmlns="" xmlns:a14="http://schemas.microsoft.com/office/drawing/2010/main" w="9525">
                 <a:solidFill>
                   <a:srgbClr val="000000"/>
                 </a:solidFill>
@@ -8869,7 +10724,7 @@
     </p:spTree>
     <p:extLst>
       <p:ext uri="{BB962C8B-B14F-4D97-AF65-F5344CB8AC3E}">
-        <p14:creationId xmlns:p14="http://schemas.microsoft.com/office/powerpoint/2010/main" val="238906801"/>
+        <p14:creationId xmlns="" xmlns:p14="http://schemas.microsoft.com/office/powerpoint/2010/main" val="238906801"/>
       </p:ext>
     </p:extLst>
   </p:cSld>
@@ -8886,844 +10741,7 @@
 </p:sld>
 </file>
 
-<file path=ppt/slides/slide2.xml><?xml version="1.0" encoding="utf-8"?>
-<p:sld xmlns:a="http://schemas.openxmlformats.org/drawingml/2006/main" xmlns:r="http://schemas.openxmlformats.org/officeDocument/2006/relationships" xmlns:p="http://schemas.openxmlformats.org/presentationml/2006/main">
-  <p:cSld>
-    <p:spTree>
-      <p:nvGrpSpPr>
-        <p:cNvPr id="1" name=""/>
-        <p:cNvGrpSpPr/>
-        <p:nvPr/>
-      </p:nvGrpSpPr>
-      <p:grpSpPr>
-        <a:xfrm>
-          <a:off x="0" y="0"/>
-          <a:ext cx="0" cy="0"/>
-          <a:chOff x="0" y="0"/>
-          <a:chExt cx="0" cy="0"/>
-        </a:xfrm>
-      </p:grpSpPr>
-      <p:sp>
-        <p:nvSpPr>
-          <p:cNvPr id="3075" name="CaixaDeTexto 2"/>
-          <p:cNvSpPr txBox="1">
-            <a:spLocks noChangeArrowheads="1"/>
-          </p:cNvSpPr>
-          <p:nvPr/>
-        </p:nvSpPr>
-        <p:spPr bwMode="auto">
-          <a:xfrm>
-            <a:off x="899592" y="1772816"/>
-            <a:ext cx="5256584" cy="4247317"/>
-          </a:xfrm>
-          <a:prstGeom prst="rect">
-            <a:avLst/>
-          </a:prstGeom>
-          <a:noFill/>
-          <a:ln>
-            <a:noFill/>
-          </a:ln>
-          <a:extLst>
-            <a:ext uri="{909E8E84-426E-40DD-AFC4-6F175D3DCCD1}">
-              <a14:hiddenFill xmlns:a14="http://schemas.microsoft.com/office/drawing/2010/main">
-                <a:solidFill>
-                  <a:srgbClr val="FFFFFF"/>
-                </a:solidFill>
-              </a14:hiddenFill>
-            </a:ext>
-            <a:ext uri="{91240B29-F687-4F45-9708-019B960494DF}">
-              <a14:hiddenLine xmlns:a14="http://schemas.microsoft.com/office/drawing/2010/main" w="9525">
-                <a:solidFill>
-                  <a:srgbClr val="000000"/>
-                </a:solidFill>
-                <a:miter lim="800000"/>
-                <a:headEnd/>
-                <a:tailEnd/>
-              </a14:hiddenLine>
-            </a:ext>
-          </a:extLst>
-        </p:spPr>
-        <p:txBody>
-          <a:bodyPr wrap="square">
-            <a:spAutoFit/>
-          </a:bodyPr>
-          <a:lstStyle>
-            <a:lvl1pPr eaLnBrk="0" hangingPunct="0">
-              <a:defRPr>
-                <a:solidFill>
-                  <a:schemeClr val="tx1"/>
-                </a:solidFill>
-                <a:latin typeface="Arial" panose="020B0604020202020204" pitchFamily="34" charset="0"/>
-              </a:defRPr>
-            </a:lvl1pPr>
-            <a:lvl2pPr marL="742950" indent="-285750" eaLnBrk="0" hangingPunct="0">
-              <a:defRPr>
-                <a:solidFill>
-                  <a:schemeClr val="tx1"/>
-                </a:solidFill>
-                <a:latin typeface="Arial" panose="020B0604020202020204" pitchFamily="34" charset="0"/>
-              </a:defRPr>
-            </a:lvl2pPr>
-            <a:lvl3pPr marL="1143000" indent="-228600" eaLnBrk="0" hangingPunct="0">
-              <a:defRPr>
-                <a:solidFill>
-                  <a:schemeClr val="tx1"/>
-                </a:solidFill>
-                <a:latin typeface="Arial" panose="020B0604020202020204" pitchFamily="34" charset="0"/>
-              </a:defRPr>
-            </a:lvl3pPr>
-            <a:lvl4pPr marL="1600200" indent="-228600" eaLnBrk="0" hangingPunct="0">
-              <a:defRPr>
-                <a:solidFill>
-                  <a:schemeClr val="tx1"/>
-                </a:solidFill>
-                <a:latin typeface="Arial" panose="020B0604020202020204" pitchFamily="34" charset="0"/>
-              </a:defRPr>
-            </a:lvl4pPr>
-            <a:lvl5pPr marL="2057400" indent="-228600" eaLnBrk="0" hangingPunct="0">
-              <a:defRPr>
-                <a:solidFill>
-                  <a:schemeClr val="tx1"/>
-                </a:solidFill>
-                <a:latin typeface="Arial" panose="020B0604020202020204" pitchFamily="34" charset="0"/>
-              </a:defRPr>
-            </a:lvl5pPr>
-            <a:lvl6pPr marL="2514600" indent="-228600" eaLnBrk="0" fontAlgn="base" hangingPunct="0">
-              <a:spcBef>
-                <a:spcPct val="0"/>
-              </a:spcBef>
-              <a:spcAft>
-                <a:spcPct val="0"/>
-              </a:spcAft>
-              <a:defRPr>
-                <a:solidFill>
-                  <a:schemeClr val="tx1"/>
-                </a:solidFill>
-                <a:latin typeface="Arial" panose="020B0604020202020204" pitchFamily="34" charset="0"/>
-              </a:defRPr>
-            </a:lvl6pPr>
-            <a:lvl7pPr marL="2971800" indent="-228600" eaLnBrk="0" fontAlgn="base" hangingPunct="0">
-              <a:spcBef>
-                <a:spcPct val="0"/>
-              </a:spcBef>
-              <a:spcAft>
-                <a:spcPct val="0"/>
-              </a:spcAft>
-              <a:defRPr>
-                <a:solidFill>
-                  <a:schemeClr val="tx1"/>
-                </a:solidFill>
-                <a:latin typeface="Arial" panose="020B0604020202020204" pitchFamily="34" charset="0"/>
-              </a:defRPr>
-            </a:lvl7pPr>
-            <a:lvl8pPr marL="3429000" indent="-228600" eaLnBrk="0" fontAlgn="base" hangingPunct="0">
-              <a:spcBef>
-                <a:spcPct val="0"/>
-              </a:spcBef>
-              <a:spcAft>
-                <a:spcPct val="0"/>
-              </a:spcAft>
-              <a:defRPr>
-                <a:solidFill>
-                  <a:schemeClr val="tx1"/>
-                </a:solidFill>
-                <a:latin typeface="Arial" panose="020B0604020202020204" pitchFamily="34" charset="0"/>
-              </a:defRPr>
-            </a:lvl8pPr>
-            <a:lvl9pPr marL="3886200" indent="-228600" eaLnBrk="0" fontAlgn="base" hangingPunct="0">
-              <a:spcBef>
-                <a:spcPct val="0"/>
-              </a:spcBef>
-              <a:spcAft>
-                <a:spcPct val="0"/>
-              </a:spcAft>
-              <a:defRPr>
-                <a:solidFill>
-                  <a:schemeClr val="tx1"/>
-                </a:solidFill>
-                <a:latin typeface="Arial" panose="020B0604020202020204" pitchFamily="34" charset="0"/>
-              </a:defRPr>
-            </a:lvl9pPr>
-          </a:lstStyle>
-          <a:p>
-            <a:pPr marL="342900" indent="-342900" eaLnBrk="1" hangingPunct="1">
-              <a:lnSpc>
-                <a:spcPct val="150000"/>
-              </a:lnSpc>
-              <a:buFont typeface="Wingdings" panose="05000000000000000000" pitchFamily="2" charset="2"/>
-              <a:buChar char="§"/>
-            </a:pPr>
-            <a:r>
-              <a:rPr lang="pt-BR" dirty="0" smtClean="0">
-                <a:cs typeface="Arial" panose="020B0604020202020204" pitchFamily="34" charset="0"/>
-              </a:rPr>
-              <a:t>Introdução e Justificativa;</a:t>
-            </a:r>
-            <a:endParaRPr lang="pt-BR" dirty="0">
-              <a:cs typeface="Arial" panose="020B0604020202020204" pitchFamily="34" charset="0"/>
-            </a:endParaRPr>
-          </a:p>
-          <a:p>
-            <a:pPr marL="342900" indent="-342900" eaLnBrk="1" hangingPunct="1">
-              <a:lnSpc>
-                <a:spcPct val="150000"/>
-              </a:lnSpc>
-              <a:buFont typeface="Wingdings" panose="05000000000000000000" pitchFamily="2" charset="2"/>
-              <a:buChar char="§"/>
-            </a:pPr>
-            <a:r>
-              <a:rPr lang="pt-BR" dirty="0" smtClean="0">
-                <a:cs typeface="Arial" panose="020B0604020202020204" pitchFamily="34" charset="0"/>
-              </a:rPr>
-              <a:t>Revisão da Literatura;</a:t>
-            </a:r>
-            <a:endParaRPr lang="pt-BR" dirty="0">
-              <a:cs typeface="Arial" panose="020B0604020202020204" pitchFamily="34" charset="0"/>
-            </a:endParaRPr>
-          </a:p>
-          <a:p>
-            <a:pPr marL="342900" indent="-342900" eaLnBrk="1" hangingPunct="1">
-              <a:lnSpc>
-                <a:spcPct val="150000"/>
-              </a:lnSpc>
-              <a:buFont typeface="Wingdings" panose="05000000000000000000" pitchFamily="2" charset="2"/>
-              <a:buChar char="§"/>
-            </a:pPr>
-            <a:r>
-              <a:rPr lang="pt-BR" dirty="0" smtClean="0">
-                <a:cs typeface="Arial" panose="020B0604020202020204" pitchFamily="34" charset="0"/>
-              </a:rPr>
-              <a:t>Método de desenvolvimento;</a:t>
-            </a:r>
-          </a:p>
-          <a:p>
-            <a:pPr marL="342900" indent="-342900" eaLnBrk="1" hangingPunct="1">
-              <a:lnSpc>
-                <a:spcPct val="150000"/>
-              </a:lnSpc>
-              <a:buFont typeface="Wingdings" panose="05000000000000000000" pitchFamily="2" charset="2"/>
-              <a:buChar char="§"/>
-            </a:pPr>
-            <a:r>
-              <a:rPr lang="pt-BR" dirty="0" smtClean="0">
-                <a:cs typeface="Arial" panose="020B0604020202020204" pitchFamily="34" charset="0"/>
-              </a:rPr>
-              <a:t>Aplicativo;</a:t>
-            </a:r>
-          </a:p>
-          <a:p>
-            <a:pPr marL="342900" indent="-342900" eaLnBrk="1" hangingPunct="1">
-              <a:lnSpc>
-                <a:spcPct val="150000"/>
-              </a:lnSpc>
-              <a:buFont typeface="Wingdings" panose="05000000000000000000" pitchFamily="2" charset="2"/>
-              <a:buChar char="§"/>
-            </a:pPr>
-            <a:r>
-              <a:rPr lang="pt-BR" dirty="0" smtClean="0">
-                <a:cs typeface="Arial" panose="020B0604020202020204" pitchFamily="34" charset="0"/>
-              </a:rPr>
-              <a:t>AJAX, SSE e Websocket</a:t>
-            </a:r>
-            <a:r>
-              <a:rPr lang="pt-BR" dirty="0" smtClean="0">
-                <a:cs typeface="Arial" panose="020B0604020202020204" pitchFamily="34" charset="0"/>
-              </a:rPr>
-              <a:t>;</a:t>
-            </a:r>
-          </a:p>
-          <a:p>
-            <a:pPr marL="342900" indent="-342900" eaLnBrk="1" hangingPunct="1">
-              <a:lnSpc>
-                <a:spcPct val="150000"/>
-              </a:lnSpc>
-              <a:buFont typeface="Wingdings" panose="05000000000000000000" pitchFamily="2" charset="2"/>
-              <a:buChar char="§"/>
-            </a:pPr>
-            <a:r>
-              <a:rPr lang="pt-BR" dirty="0" smtClean="0">
-                <a:cs typeface="Arial" panose="020B0604020202020204" pitchFamily="34" charset="0"/>
-              </a:rPr>
-              <a:t>Apresentação do Aplicativo;</a:t>
-            </a:r>
-          </a:p>
-          <a:p>
-            <a:pPr marL="342900" indent="-342900" eaLnBrk="1" hangingPunct="1">
-              <a:lnSpc>
-                <a:spcPct val="150000"/>
-              </a:lnSpc>
-              <a:buFont typeface="Wingdings" panose="05000000000000000000" pitchFamily="2" charset="2"/>
-              <a:buChar char="§"/>
-            </a:pPr>
-            <a:r>
-              <a:rPr lang="pt-BR" dirty="0" smtClean="0">
-                <a:cs typeface="Arial" panose="020B0604020202020204" pitchFamily="34" charset="0"/>
-              </a:rPr>
-              <a:t>Comparativo;</a:t>
-            </a:r>
-          </a:p>
-          <a:p>
-            <a:pPr marL="342900" indent="-342900" eaLnBrk="1" hangingPunct="1">
-              <a:lnSpc>
-                <a:spcPct val="150000"/>
-              </a:lnSpc>
-              <a:buFont typeface="Wingdings" panose="05000000000000000000" pitchFamily="2" charset="2"/>
-              <a:buChar char="§"/>
-            </a:pPr>
-            <a:r>
-              <a:rPr lang="pt-BR" dirty="0" smtClean="0">
-                <a:cs typeface="Arial" panose="020B0604020202020204" pitchFamily="34" charset="0"/>
-              </a:rPr>
-              <a:t>Considerações Finais;</a:t>
-            </a:r>
-            <a:endParaRPr lang="pt-BR" dirty="0" smtClean="0">
-              <a:cs typeface="Arial" panose="020B0604020202020204" pitchFamily="34" charset="0"/>
-            </a:endParaRPr>
-          </a:p>
-          <a:p>
-            <a:pPr marL="342900" indent="-342900" eaLnBrk="1" hangingPunct="1">
-              <a:lnSpc>
-                <a:spcPct val="150000"/>
-              </a:lnSpc>
-              <a:buFont typeface="Wingdings" panose="05000000000000000000" pitchFamily="2" charset="2"/>
-              <a:buChar char="§"/>
-            </a:pPr>
-            <a:r>
-              <a:rPr lang="pt-BR" dirty="0" smtClean="0">
-                <a:cs typeface="Arial" panose="020B0604020202020204" pitchFamily="34" charset="0"/>
-              </a:rPr>
-              <a:t>Referência Bibliográficas;</a:t>
-            </a:r>
-          </a:p>
-          <a:p>
-            <a:pPr marL="342900" indent="-342900" eaLnBrk="1" hangingPunct="1">
-              <a:lnSpc>
-                <a:spcPct val="150000"/>
-              </a:lnSpc>
-              <a:buFont typeface="Wingdings" panose="05000000000000000000" pitchFamily="2" charset="2"/>
-              <a:buChar char="§"/>
-            </a:pPr>
-            <a:r>
-              <a:rPr lang="pt-BR" dirty="0" smtClean="0">
-                <a:cs typeface="Arial" panose="020B0604020202020204" pitchFamily="34" charset="0"/>
-              </a:rPr>
-              <a:t>Agradecimentos.</a:t>
-            </a:r>
-            <a:endParaRPr lang="pt-BR" dirty="0">
-              <a:cs typeface="Arial" panose="020B0604020202020204" pitchFamily="34" charset="0"/>
-            </a:endParaRPr>
-          </a:p>
-        </p:txBody>
-      </p:sp>
-      <p:sp>
-        <p:nvSpPr>
-          <p:cNvPr id="5" name="CaixaDeTexto 4"/>
-          <p:cNvSpPr txBox="1"/>
-          <p:nvPr/>
-        </p:nvSpPr>
-        <p:spPr>
-          <a:xfrm>
-            <a:off x="1907704" y="36141"/>
-            <a:ext cx="5320073" cy="1077218"/>
-          </a:xfrm>
-          <a:prstGeom prst="rect">
-            <a:avLst/>
-          </a:prstGeom>
-          <a:noFill/>
-        </p:spPr>
-        <p:txBody>
-          <a:bodyPr wrap="square" rtlCol="0">
-            <a:spAutoFit/>
-          </a:bodyPr>
-          <a:lstStyle/>
-          <a:p>
-            <a:pPr algn="ctr"/>
-            <a:r>
-              <a:rPr lang="pt-BR" sz="3200" dirty="0" smtClean="0">
-                <a:solidFill>
-                  <a:srgbClr val="F08000"/>
-                </a:solidFill>
-              </a:rPr>
-              <a:t>Aplicações em tempo real baseadas na Web</a:t>
-            </a:r>
-            <a:endParaRPr lang="pt-BR" sz="2800" dirty="0">
-              <a:solidFill>
-                <a:srgbClr val="F08000"/>
-              </a:solidFill>
-            </a:endParaRPr>
-          </a:p>
-        </p:txBody>
-      </p:sp>
-      <p:sp>
-        <p:nvSpPr>
-          <p:cNvPr id="6" name="Forma livre 5"/>
-          <p:cNvSpPr>
-            <a:spLocks/>
-          </p:cNvSpPr>
-          <p:nvPr/>
-        </p:nvSpPr>
-        <p:spPr bwMode="auto">
-          <a:xfrm>
-            <a:off x="-53975" y="5784850"/>
-            <a:ext cx="3802063" cy="838200"/>
-          </a:xfrm>
-          <a:custGeom>
-            <a:avLst>
-              <a:gd name="A1" fmla="val 0"/>
-              <a:gd name="A2" fmla="val 0"/>
-              <a:gd name="A3" fmla="val 0"/>
-              <a:gd name="A4" fmla="val 0"/>
-              <a:gd name="A5" fmla="val 0"/>
-              <a:gd name="A6" fmla="val 0"/>
-              <a:gd name="A7" fmla="val 0"/>
-              <a:gd name="A8" fmla="val 0"/>
-            </a:avLst>
-            <a:gdLst/>
-            <a:ahLst/>
-            <a:cxnLst>
-              <a:cxn ang="0">
-                <a:pos x="0" y="0"/>
-              </a:cxn>
-              <a:cxn ang="0">
-                <a:pos x="5760" y="0"/>
-              </a:cxn>
-              <a:cxn ang="0">
-                <a:pos x="5760" y="528"/>
-              </a:cxn>
-              <a:cxn ang="0">
-                <a:pos x="48" y="0"/>
-              </a:cxn>
-            </a:cxnLst>
-            <a:rect l="0" t="0" r="0" b="0"/>
-            <a:pathLst>
-              <a:path w="5760" h="528">
-                <a:moveTo>
-                  <a:pt x="817" y="97"/>
-                </a:moveTo>
-                <a:lnTo>
-                  <a:pt x="6408" y="682"/>
-                </a:lnTo>
-                <a:lnTo>
-                  <a:pt x="5232" y="685"/>
-                </a:lnTo>
-                <a:lnTo>
-                  <a:pt x="829" y="101"/>
-                </a:lnTo>
-              </a:path>
-            </a:pathLst>
-          </a:custGeom>
-          <a:solidFill>
-            <a:srgbClr val="000000">
-              <a:alpha val="100000"/>
-            </a:srgbClr>
-          </a:solidFill>
-          <a:ln w="9525" cap="flat" cmpd="sng" algn="ctr">
-            <a:noFill/>
-            <a:prstDash val="solid"/>
-            <a:round/>
-            <a:headEnd type="none" w="med" len="med"/>
-            <a:tailEnd type="none" w="med" len="med"/>
-          </a:ln>
-          <a:effectLst/>
-        </p:spPr>
-        <p:txBody>
-          <a:bodyPr/>
-          <a:lstStyle>
-            <a:extLst/>
-          </a:lstStyle>
-          <a:p>
-            <a:pPr fontAlgn="auto">
-              <a:spcBef>
-                <a:spcPts val="0"/>
-              </a:spcBef>
-              <a:spcAft>
-                <a:spcPts val="0"/>
-              </a:spcAft>
-              <a:defRPr/>
-            </a:pPr>
-            <a:endParaRPr lang="en-US">
-              <a:latin typeface="+mn-lt"/>
-            </a:endParaRPr>
-          </a:p>
-        </p:txBody>
-      </p:sp>
-      <p:sp>
-        <p:nvSpPr>
-          <p:cNvPr id="7" name="Triângulo retângulo 6"/>
-          <p:cNvSpPr>
-            <a:spLocks/>
-          </p:cNvSpPr>
-          <p:nvPr/>
-        </p:nvSpPr>
-        <p:spPr bwMode="auto">
-          <a:xfrm>
-            <a:off x="-6042" y="5791253"/>
-            <a:ext cx="3402314" cy="1080868"/>
-          </a:xfrm>
-          <a:prstGeom prst="rtTriangle">
-            <a:avLst/>
-          </a:prstGeom>
-          <a:solidFill>
-            <a:srgbClr val="FF9900"/>
-          </a:solidFill>
-          <a:ln w="12700" cap="rnd" cmpd="thickThin" algn="ctr">
-            <a:noFill/>
-            <a:prstDash val="solid"/>
-          </a:ln>
-          <a:effectLst>
-            <a:fillOverlay blend="mult">
-              <a:gradFill flip="none" rotWithShape="1">
-                <a:gsLst>
-                  <a:gs pos="0">
-                    <a:schemeClr val="accent1">
-                      <a:shade val="20000"/>
-                      <a:satMod val="176000"/>
-                      <a:alpha val="100000"/>
-                    </a:schemeClr>
-                  </a:gs>
-                  <a:gs pos="18000">
-                    <a:schemeClr val="accent1">
-                      <a:shade val="48000"/>
-                      <a:satMod val="153000"/>
-                      <a:alpha val="100000"/>
-                    </a:schemeClr>
-                  </a:gs>
-                  <a:gs pos="43000">
-                    <a:schemeClr val="accent1">
-                      <a:tint val="86000"/>
-                      <a:satMod val="149000"/>
-                      <a:alpha val="100000"/>
-                    </a:schemeClr>
-                  </a:gs>
-                  <a:gs pos="45000">
-                    <a:schemeClr val="accent1">
-                      <a:tint val="85000"/>
-                      <a:satMod val="150000"/>
-                      <a:alpha val="100000"/>
-                    </a:schemeClr>
-                  </a:gs>
-                  <a:gs pos="50000">
-                    <a:schemeClr val="accent1">
-                      <a:tint val="86000"/>
-                      <a:satMod val="149000"/>
-                      <a:alpha val="100000"/>
-                    </a:schemeClr>
-                  </a:gs>
-                  <a:gs pos="79000">
-                    <a:schemeClr val="accent1">
-                      <a:shade val="53000"/>
-                      <a:satMod val="150000"/>
-                      <a:alpha val="100000"/>
-                    </a:schemeClr>
-                  </a:gs>
-                  <a:gs pos="100000">
-                    <a:schemeClr val="accent1">
-                      <a:shade val="25000"/>
-                      <a:satMod val="170000"/>
-                      <a:alpha val="100000"/>
-                    </a:schemeClr>
-                  </a:gs>
-                </a:gsLst>
-                <a:lin ang="450000" scaled="1"/>
-                <a:tileRect/>
-              </a:gradFill>
-            </a:fillOverlay>
-          </a:effectLst>
-        </p:spPr>
-        <p:style>
-          <a:lnRef idx="3">
-            <a:schemeClr val="lt1"/>
-          </a:lnRef>
-          <a:fillRef idx="1">
-            <a:schemeClr val="accent1"/>
-          </a:fillRef>
-          <a:effectRef idx="1">
-            <a:schemeClr val="accent1"/>
-          </a:effectRef>
-          <a:fontRef idx="minor">
-            <a:schemeClr val="lt1"/>
-          </a:fontRef>
-        </p:style>
-        <p:txBody>
-          <a:bodyPr anchor="ctr"/>
-          <a:lstStyle>
-            <a:extLst/>
-          </a:lstStyle>
-          <a:p>
-            <a:pPr algn="ctr" fontAlgn="auto">
-              <a:spcBef>
-                <a:spcPts val="0"/>
-              </a:spcBef>
-              <a:spcAft>
-                <a:spcPts val="0"/>
-              </a:spcAft>
-              <a:defRPr/>
-            </a:pPr>
-            <a:endParaRPr lang="en-US"/>
-          </a:p>
-        </p:txBody>
-      </p:sp>
-      <p:cxnSp>
-        <p:nvCxnSpPr>
-          <p:cNvPr id="8" name="Conector reto 7"/>
-          <p:cNvCxnSpPr/>
-          <p:nvPr/>
-        </p:nvCxnSpPr>
-        <p:spPr>
-          <a:xfrm>
-            <a:off x="-9237" y="5787738"/>
-            <a:ext cx="3405509" cy="1084383"/>
-          </a:xfrm>
-          <a:prstGeom prst="line">
-            <a:avLst/>
-          </a:prstGeom>
-          <a:noFill/>
-          <a:ln w="12065" cap="flat" cmpd="sng" algn="ctr">
-            <a:gradFill>
-              <a:gsLst>
-                <a:gs pos="45000">
-                  <a:schemeClr val="accent1">
-                    <a:tint val="70000"/>
-                    <a:satMod val="110000"/>
-                  </a:schemeClr>
-                </a:gs>
-                <a:gs pos="15000">
-                  <a:schemeClr val="accent1">
-                    <a:shade val="40000"/>
-                    <a:satMod val="110000"/>
-                  </a:schemeClr>
-                </a:gs>
-              </a:gsLst>
-              <a:lin ang="5400000" scaled="1"/>
-            </a:gradFill>
-            <a:prstDash val="solid"/>
-            <a:miter lim="800000"/>
-          </a:ln>
-          <a:effectLst/>
-        </p:spPr>
-        <p:style>
-          <a:lnRef idx="2">
-            <a:schemeClr val="accent1"/>
-          </a:lnRef>
-          <a:fillRef idx="0">
-            <a:schemeClr val="accent1"/>
-          </a:fillRef>
-          <a:effectRef idx="1">
-            <a:schemeClr val="accent1"/>
-          </a:effectRef>
-          <a:fontRef idx="minor">
-            <a:schemeClr val="tx1"/>
-          </a:fontRef>
-        </p:style>
-      </p:cxnSp>
-      <p:sp>
-        <p:nvSpPr>
-          <p:cNvPr id="10" name="Text Box 4"/>
-          <p:cNvSpPr txBox="1">
-            <a:spLocks noChangeArrowheads="1"/>
-          </p:cNvSpPr>
-          <p:nvPr/>
-        </p:nvSpPr>
-        <p:spPr bwMode="auto">
-          <a:xfrm>
-            <a:off x="386265" y="1198018"/>
-            <a:ext cx="8362950" cy="488950"/>
-          </a:xfrm>
-          <a:prstGeom prst="rect">
-            <a:avLst/>
-          </a:prstGeom>
-          <a:noFill/>
-          <a:ln>
-            <a:noFill/>
-          </a:ln>
-          <a:extLst>
-            <a:ext uri="{909E8E84-426E-40DD-AFC4-6F175D3DCCD1}">
-              <a14:hiddenFill xmlns:a14="http://schemas.microsoft.com/office/drawing/2010/main">
-                <a:solidFill>
-                  <a:srgbClr val="FFFFFF"/>
-                </a:solidFill>
-              </a14:hiddenFill>
-            </a:ext>
-            <a:ext uri="{91240B29-F687-4F45-9708-019B960494DF}">
-              <a14:hiddenLine xmlns:a14="http://schemas.microsoft.com/office/drawing/2010/main" w="9525">
-                <a:solidFill>
-                  <a:srgbClr val="000000"/>
-                </a:solidFill>
-                <a:miter lim="800000"/>
-                <a:headEnd/>
-                <a:tailEnd/>
-              </a14:hiddenLine>
-            </a:ext>
-          </a:extLst>
-        </p:spPr>
-        <p:txBody>
-          <a:bodyPr>
-            <a:spAutoFit/>
-          </a:bodyPr>
-          <a:lstStyle>
-            <a:lvl1pPr eaLnBrk="0" hangingPunct="0">
-              <a:defRPr>
-                <a:solidFill>
-                  <a:schemeClr val="tx1"/>
-                </a:solidFill>
-                <a:latin typeface="Arial" panose="020B0604020202020204" pitchFamily="34" charset="0"/>
-              </a:defRPr>
-            </a:lvl1pPr>
-            <a:lvl2pPr marL="742950" indent="-285750" eaLnBrk="0" hangingPunct="0">
-              <a:defRPr>
-                <a:solidFill>
-                  <a:schemeClr val="tx1"/>
-                </a:solidFill>
-                <a:latin typeface="Arial" panose="020B0604020202020204" pitchFamily="34" charset="0"/>
-              </a:defRPr>
-            </a:lvl2pPr>
-            <a:lvl3pPr marL="1143000" indent="-228600" eaLnBrk="0" hangingPunct="0">
-              <a:defRPr>
-                <a:solidFill>
-                  <a:schemeClr val="tx1"/>
-                </a:solidFill>
-                <a:latin typeface="Arial" panose="020B0604020202020204" pitchFamily="34" charset="0"/>
-              </a:defRPr>
-            </a:lvl3pPr>
-            <a:lvl4pPr marL="1600200" indent="-228600" eaLnBrk="0" hangingPunct="0">
-              <a:defRPr>
-                <a:solidFill>
-                  <a:schemeClr val="tx1"/>
-                </a:solidFill>
-                <a:latin typeface="Arial" panose="020B0604020202020204" pitchFamily="34" charset="0"/>
-              </a:defRPr>
-            </a:lvl4pPr>
-            <a:lvl5pPr marL="2057400" indent="-228600" eaLnBrk="0" hangingPunct="0">
-              <a:defRPr>
-                <a:solidFill>
-                  <a:schemeClr val="tx1"/>
-                </a:solidFill>
-                <a:latin typeface="Arial" panose="020B0604020202020204" pitchFamily="34" charset="0"/>
-              </a:defRPr>
-            </a:lvl5pPr>
-            <a:lvl6pPr marL="2514600" indent="-228600" eaLnBrk="0" fontAlgn="base" hangingPunct="0">
-              <a:spcBef>
-                <a:spcPct val="0"/>
-              </a:spcBef>
-              <a:spcAft>
-                <a:spcPct val="0"/>
-              </a:spcAft>
-              <a:defRPr>
-                <a:solidFill>
-                  <a:schemeClr val="tx1"/>
-                </a:solidFill>
-                <a:latin typeface="Arial" panose="020B0604020202020204" pitchFamily="34" charset="0"/>
-              </a:defRPr>
-            </a:lvl6pPr>
-            <a:lvl7pPr marL="2971800" indent="-228600" eaLnBrk="0" fontAlgn="base" hangingPunct="0">
-              <a:spcBef>
-                <a:spcPct val="0"/>
-              </a:spcBef>
-              <a:spcAft>
-                <a:spcPct val="0"/>
-              </a:spcAft>
-              <a:defRPr>
-                <a:solidFill>
-                  <a:schemeClr val="tx1"/>
-                </a:solidFill>
-                <a:latin typeface="Arial" panose="020B0604020202020204" pitchFamily="34" charset="0"/>
-              </a:defRPr>
-            </a:lvl7pPr>
-            <a:lvl8pPr marL="3429000" indent="-228600" eaLnBrk="0" fontAlgn="base" hangingPunct="0">
-              <a:spcBef>
-                <a:spcPct val="0"/>
-              </a:spcBef>
-              <a:spcAft>
-                <a:spcPct val="0"/>
-              </a:spcAft>
-              <a:defRPr>
-                <a:solidFill>
-                  <a:schemeClr val="tx1"/>
-                </a:solidFill>
-                <a:latin typeface="Arial" panose="020B0604020202020204" pitchFamily="34" charset="0"/>
-              </a:defRPr>
-            </a:lvl8pPr>
-            <a:lvl9pPr marL="3886200" indent="-228600" eaLnBrk="0" fontAlgn="base" hangingPunct="0">
-              <a:spcBef>
-                <a:spcPct val="0"/>
-              </a:spcBef>
-              <a:spcAft>
-                <a:spcPct val="0"/>
-              </a:spcAft>
-              <a:defRPr>
-                <a:solidFill>
-                  <a:schemeClr val="tx1"/>
-                </a:solidFill>
-                <a:latin typeface="Arial" panose="020B0604020202020204" pitchFamily="34" charset="0"/>
-              </a:defRPr>
-            </a:lvl9pPr>
-          </a:lstStyle>
-          <a:p>
-            <a:pPr marL="457200" indent="-457200" eaLnBrk="1" hangingPunct="1">
-              <a:spcBef>
-                <a:spcPct val="50000"/>
-              </a:spcBef>
-              <a:buFont typeface="Wingdings" panose="05000000000000000000" pitchFamily="2" charset="2"/>
-              <a:buChar char="Ø"/>
-            </a:pPr>
-            <a:r>
-              <a:rPr lang="pt-BR" sz="2600" b="1" dirty="0" smtClean="0">
-                <a:cs typeface="Arial" panose="020B0604020202020204" pitchFamily="34" charset="0"/>
-              </a:rPr>
-              <a:t>Roteiro da Apresentação</a:t>
-            </a:r>
-            <a:endParaRPr lang="pt-BR" sz="2600" b="1" dirty="0">
-              <a:cs typeface="Arial" panose="020B0604020202020204" pitchFamily="34" charset="0"/>
-            </a:endParaRPr>
-          </a:p>
-        </p:txBody>
-      </p:sp>
-      <p:pic>
-        <p:nvPicPr>
-          <p:cNvPr id="2" name="Imagem 1"/>
-          <p:cNvPicPr>
-            <a:picLocks noChangeAspect="1"/>
-          </p:cNvPicPr>
-          <p:nvPr/>
-        </p:nvPicPr>
-        <p:blipFill>
-          <a:blip r:embed="rId2">
-            <a:extLst>
-              <a:ext uri="{28A0092B-C50C-407E-A947-70E740481C1C}">
-                <a14:useLocalDpi xmlns:a14="http://schemas.microsoft.com/office/drawing/2010/main" val="0"/>
-              </a:ext>
-            </a:extLst>
-          </a:blip>
-          <a:stretch>
-            <a:fillRect/>
-          </a:stretch>
-        </p:blipFill>
-        <p:spPr>
-          <a:xfrm>
-            <a:off x="8244408" y="51470"/>
-            <a:ext cx="785242" cy="785242"/>
-          </a:xfrm>
-          <a:prstGeom prst="rect">
-            <a:avLst/>
-          </a:prstGeom>
-        </p:spPr>
-      </p:pic>
-    </p:spTree>
-  </p:cSld>
-  <p:clrMapOvr>
-    <a:masterClrMapping/>
-  </p:clrMapOvr>
-  <p:timing>
-    <p:tnLst>
-      <p:par>
-        <p:cTn id="1" dur="indefinite" restart="never" nodeType="tmRoot"/>
-      </p:par>
-    </p:tnLst>
-  </p:timing>
-</p:sld>
-</file>
-
-<file path=ppt/slides/slide20.xml><?xml version="1.0" encoding="utf-8"?>
+<file path=ppt/slides/slide21.xml><?xml version="1.0" encoding="utf-8"?>
 <p:sld xmlns:a="http://schemas.openxmlformats.org/drawingml/2006/main" xmlns:r="http://schemas.openxmlformats.org/officeDocument/2006/relationships" xmlns:p="http://schemas.openxmlformats.org/presentationml/2006/main">
   <p:cSld>
     <p:spTree>
@@ -10050,10 +11068,10 @@
           <p:nvPr/>
         </p:nvPicPr>
         <p:blipFill>
-          <a:blip r:embed="rId2">
+          <a:blip r:embed="rId2" cstate="print">
             <a:extLst>
               <a:ext uri="{28A0092B-C50C-407E-A947-70E740481C1C}">
-                <a14:useLocalDpi xmlns:a14="http://schemas.microsoft.com/office/drawing/2010/main" val="0"/>
+                <a14:useLocalDpi xmlns="" xmlns:a14="http://schemas.microsoft.com/office/drawing/2010/main" val="0"/>
               </a:ext>
             </a:extLst>
           </a:blip>
@@ -10093,14 +11111,14 @@
           </a:ln>
           <a:extLst>
             <a:ext uri="{909E8E84-426E-40DD-AFC4-6F175D3DCCD1}">
-              <a14:hiddenFill xmlns:a14="http://schemas.microsoft.com/office/drawing/2010/main">
+              <a14:hiddenFill xmlns="" xmlns:a14="http://schemas.microsoft.com/office/drawing/2010/main">
                 <a:solidFill>
                   <a:srgbClr val="FFFFFF"/>
                 </a:solidFill>
               </a14:hiddenFill>
             </a:ext>
             <a:ext uri="{91240B29-F687-4F45-9708-019B960494DF}">
-              <a14:hiddenLine xmlns:a14="http://schemas.microsoft.com/office/drawing/2010/main" w="9525">
+              <a14:hiddenLine xmlns="" xmlns:a14="http://schemas.microsoft.com/office/drawing/2010/main" w="9525">
                 <a:solidFill>
                   <a:srgbClr val="000000"/>
                 </a:solidFill>
@@ -10324,7 +11342,7 @@
     </p:spTree>
     <p:extLst>
       <p:ext uri="{BB962C8B-B14F-4D97-AF65-F5344CB8AC3E}">
-        <p14:creationId xmlns:p14="http://schemas.microsoft.com/office/powerpoint/2010/main" val="2900679489"/>
+        <p14:creationId xmlns="" xmlns:p14="http://schemas.microsoft.com/office/powerpoint/2010/main" val="2900679489"/>
       </p:ext>
     </p:extLst>
   </p:cSld>
@@ -10668,10 +11686,10 @@
           <p:nvPr/>
         </p:nvPicPr>
         <p:blipFill>
-          <a:blip r:embed="rId2">
+          <a:blip r:embed="rId2" cstate="print">
             <a:extLst>
               <a:ext uri="{28A0092B-C50C-407E-A947-70E740481C1C}">
-                <a14:useLocalDpi xmlns:a14="http://schemas.microsoft.com/office/drawing/2010/main" val="0"/>
+                <a14:useLocalDpi xmlns="" xmlns:a14="http://schemas.microsoft.com/office/drawing/2010/main" val="0"/>
               </a:ext>
             </a:extLst>
           </a:blip>
@@ -10711,14 +11729,14 @@
           </a:ln>
           <a:extLst>
             <a:ext uri="{909E8E84-426E-40DD-AFC4-6F175D3DCCD1}">
-              <a14:hiddenFill xmlns:a14="http://schemas.microsoft.com/office/drawing/2010/main">
+              <a14:hiddenFill xmlns="" xmlns:a14="http://schemas.microsoft.com/office/drawing/2010/main">
                 <a:solidFill>
                   <a:srgbClr val="FFFFFF"/>
                 </a:solidFill>
               </a14:hiddenFill>
             </a:ext>
             <a:ext uri="{91240B29-F687-4F45-9708-019B960494DF}">
-              <a14:hiddenLine xmlns:a14="http://schemas.microsoft.com/office/drawing/2010/main" w="9525">
+              <a14:hiddenLine xmlns="" xmlns:a14="http://schemas.microsoft.com/office/drawing/2010/main" w="9525">
                 <a:solidFill>
                   <a:srgbClr val="000000"/>
                 </a:solidFill>
@@ -10860,7 +11878,7 @@
         <p:spPr>
           <a:xfrm>
             <a:off x="827584" y="1988840"/>
-            <a:ext cx="7560840" cy="2585323"/>
+            <a:ext cx="7560840" cy="3000821"/>
           </a:xfrm>
           <a:prstGeom prst="rect">
             <a:avLst/>
@@ -10895,7 +11913,11 @@
             </a:pPr>
             <a:r>
               <a:rPr lang="pt-BR" dirty="0" smtClean="0"/>
-              <a:t>Interação e Dinamismo (AJAX);</a:t>
+              <a:t>Interação e Dinamismo (AJAX</a:t>
+            </a:r>
+            <a:r>
+              <a:rPr lang="pt-BR" dirty="0" smtClean="0"/>
+              <a:t>);</a:t>
             </a:r>
           </a:p>
           <a:p>
@@ -10908,8 +11930,9 @@
             </a:pPr>
             <a:r>
               <a:rPr lang="pt-BR" dirty="0" smtClean="0"/>
-              <a:t>Sobrecarga requisição HTTP;</a:t>
-            </a:r>
+              <a:t>Simulação de comunicação bidirecional;</a:t>
+            </a:r>
+            <a:endParaRPr lang="pt-BR" dirty="0" smtClean="0"/>
           </a:p>
           <a:p>
             <a:pPr marL="285750" indent="-285750">
@@ -10921,7 +11944,7 @@
             </a:pPr>
             <a:r>
               <a:rPr lang="pt-BR" dirty="0" smtClean="0"/>
-              <a:t>Comunicação bidirecional (Websocket);</a:t>
+              <a:t>Sobrecarga requisição HTTP;</a:t>
             </a:r>
           </a:p>
           <a:p>
@@ -10934,7 +11957,7 @@
             </a:pPr>
             <a:r>
               <a:rPr lang="pt-BR" dirty="0" smtClean="0"/>
-              <a:t>Criação do aplicativo para comparação;</a:t>
+              <a:t>Comunicação bidirecional (Websocket);</a:t>
             </a:r>
           </a:p>
           <a:p>
@@ -10947,6 +11970,19 @@
             </a:pPr>
             <a:r>
               <a:rPr lang="pt-BR" dirty="0" smtClean="0"/>
+              <a:t>Criação do aplicativo para comparação;</a:t>
+            </a:r>
+          </a:p>
+          <a:p>
+            <a:pPr marL="285750" indent="-285750">
+              <a:lnSpc>
+                <a:spcPct val="150000"/>
+              </a:lnSpc>
+              <a:buFont typeface="Wingdings" panose="05000000000000000000" pitchFamily="2" charset="2"/>
+              <a:buChar char="§"/>
+            </a:pPr>
+            <a:r>
+              <a:rPr lang="pt-BR" dirty="0" smtClean="0"/>
               <a:t>Nova tecnologia.</a:t>
             </a:r>
             <a:endParaRPr lang="pt-BR" dirty="0"/>
@@ -10956,7 +11992,7 @@
     </p:spTree>
     <p:extLst>
       <p:ext uri="{BB962C8B-B14F-4D97-AF65-F5344CB8AC3E}">
-        <p14:creationId xmlns:p14="http://schemas.microsoft.com/office/powerpoint/2010/main" val="3747240238"/>
+        <p14:creationId xmlns="" xmlns:p14="http://schemas.microsoft.com/office/powerpoint/2010/main" val="3747240238"/>
       </p:ext>
     </p:extLst>
   </p:cSld>
@@ -10990,9 +12026,63 @@
           <a:chExt cx="0" cy="0"/>
         </a:xfrm>
       </p:grpSpPr>
+      <p:pic>
+        <p:nvPicPr>
+          <p:cNvPr id="1026" name="Picture 2"/>
+          <p:cNvPicPr>
+            <a:picLocks noChangeAspect="1" noChangeArrowheads="1"/>
+          </p:cNvPicPr>
+          <p:nvPr/>
+        </p:nvPicPr>
+        <p:blipFill>
+          <a:blip r:embed="rId2" cstate="print">
+            <a:extLst>
+              <a:ext uri="{28A0092B-C50C-407E-A947-70E740481C1C}">
+                <a14:useLocalDpi xmlns="" xmlns:a14="http://schemas.microsoft.com/office/drawing/2010/main" val="0"/>
+              </a:ext>
+            </a:extLst>
+          </a:blip>
+          <a:srcRect/>
+          <a:stretch>
+            <a:fillRect/>
+          </a:stretch>
+        </p:blipFill>
+        <p:spPr bwMode="auto">
+          <a:xfrm>
+            <a:off x="1057630" y="4047547"/>
+            <a:ext cx="7302194" cy="2480306"/>
+          </a:xfrm>
+          <a:prstGeom prst="rect">
+            <a:avLst/>
+          </a:prstGeom>
+          <a:noFill/>
+          <a:ln>
+            <a:noFill/>
+          </a:ln>
+          <a:extLst>
+            <a:ext uri="{909E8E84-426E-40DD-AFC4-6F175D3DCCD1}">
+              <a14:hiddenFill xmlns="" xmlns:a14="http://schemas.microsoft.com/office/drawing/2010/main">
+                <a:solidFill>
+                  <a:srgbClr val="FFFFFF"/>
+                </a:solidFill>
+              </a14:hiddenFill>
+            </a:ext>
+            <a:ext uri="{91240B29-F687-4F45-9708-019B960494DF}">
+              <a14:hiddenLine xmlns="" xmlns:a14="http://schemas.microsoft.com/office/drawing/2010/main" w="9525">
+                <a:solidFill>
+                  <a:srgbClr val="000000"/>
+                </a:solidFill>
+                <a:miter lim="800000"/>
+                <a:headEnd/>
+                <a:tailEnd/>
+              </a14:hiddenLine>
+            </a:ext>
+          </a:extLst>
+        </p:spPr>
+      </p:pic>
       <p:sp>
         <p:nvSpPr>
-          <p:cNvPr id="5" name="CaixaDeTexto 4"/>
+          <p:cNvPr id="3" name="CaixaDeTexto 2"/>
           <p:cNvSpPr txBox="1"/>
           <p:nvPr/>
         </p:nvSpPr>
@@ -11031,7 +12121,7 @@
       </p:sp>
       <p:sp>
         <p:nvSpPr>
-          <p:cNvPr id="4" name="Forma livre 3"/>
+          <p:cNvPr id="5" name="Forma livre 4"/>
           <p:cNvSpPr>
             <a:spLocks/>
           </p:cNvSpPr>
@@ -11300,10 +12390,10 @@
           <p:nvPr/>
         </p:nvPicPr>
         <p:blipFill>
-          <a:blip r:embed="rId2">
+          <a:blip r:embed="rId3" cstate="print">
             <a:extLst>
               <a:ext uri="{28A0092B-C50C-407E-A947-70E740481C1C}">
-                <a14:useLocalDpi xmlns:a14="http://schemas.microsoft.com/office/drawing/2010/main" val="0"/>
+                <a14:useLocalDpi xmlns="" xmlns:a14="http://schemas.microsoft.com/office/drawing/2010/main" val="0"/>
               </a:ext>
             </a:extLst>
           </a:blip>
@@ -11343,14 +12433,14 @@
           </a:ln>
           <a:extLst>
             <a:ext uri="{909E8E84-426E-40DD-AFC4-6F175D3DCCD1}">
-              <a14:hiddenFill xmlns:a14="http://schemas.microsoft.com/office/drawing/2010/main">
+              <a14:hiddenFill xmlns="" xmlns:a14="http://schemas.microsoft.com/office/drawing/2010/main">
                 <a:solidFill>
                   <a:srgbClr val="FFFFFF"/>
                 </a:solidFill>
               </a14:hiddenFill>
             </a:ext>
             <a:ext uri="{91240B29-F687-4F45-9708-019B960494DF}">
-              <a14:hiddenLine xmlns:a14="http://schemas.microsoft.com/office/drawing/2010/main" w="9525">
+              <a14:hiddenLine xmlns="" xmlns:a14="http://schemas.microsoft.com/office/drawing/2010/main" w="9525">
                 <a:solidFill>
                   <a:srgbClr val="000000"/>
                 </a:solidFill>
@@ -11475,7 +12565,7 @@
               <a:rPr lang="pt-BR" sz="2600" b="1" dirty="0" smtClean="0">
                 <a:cs typeface="Arial" panose="020B0604020202020204" pitchFamily="34" charset="0"/>
               </a:rPr>
-              <a:t>Revisão da Literatura</a:t>
+              <a:t>Método de desenvolvimento </a:t>
             </a:r>
             <a:endParaRPr lang="pt-BR" sz="2600" b="1" dirty="0">
               <a:cs typeface="Arial" panose="020B0604020202020204" pitchFamily="34" charset="0"/>
@@ -11492,7 +12582,7 @@
         <p:spPr>
           <a:xfrm>
             <a:off x="827584" y="1988840"/>
-            <a:ext cx="7560840" cy="2169825"/>
+            <a:ext cx="7560840" cy="1754326"/>
           </a:xfrm>
           <a:prstGeom prst="rect">
             <a:avLst/>
@@ -11514,7 +12604,7 @@
             </a:pPr>
             <a:r>
               <a:rPr lang="pt-BR" dirty="0" smtClean="0"/>
-              <a:t>Protocolo HTTP (Tim Berners-Lee);</a:t>
+              <a:t>Criação do Aplicativo de bate-papo (IRC – Internet Relay Chat);</a:t>
             </a:r>
           </a:p>
           <a:p>
@@ -11527,15 +12617,7 @@
             </a:pPr>
             <a:r>
               <a:rPr lang="pt-BR" dirty="0" smtClean="0"/>
-              <a:t>HTML5 e </a:t>
-            </a:r>
-            <a:r>
-              <a:rPr lang="pt-BR" dirty="0" err="1" smtClean="0"/>
-              <a:t>APIs</a:t>
-            </a:r>
-            <a:r>
-              <a:rPr lang="pt-BR" dirty="0" smtClean="0"/>
-              <a:t>;</a:t>
+              <a:t>Aplicativo construído em tecnologias diferentes;</a:t>
             </a:r>
           </a:p>
           <a:p>
@@ -11548,23 +12630,7 @@
             </a:pPr>
             <a:r>
               <a:rPr lang="pt-BR" dirty="0" smtClean="0"/>
-              <a:t>AJAX (Short e </a:t>
-            </a:r>
-            <a:r>
-              <a:rPr lang="pt-BR" dirty="0" err="1" smtClean="0"/>
-              <a:t>Long</a:t>
-            </a:r>
-            <a:r>
-              <a:rPr lang="pt-BR" dirty="0" smtClean="0"/>
-              <a:t> </a:t>
-            </a:r>
-            <a:r>
-              <a:rPr lang="pt-BR" dirty="0" err="1" smtClean="0"/>
-              <a:t>Polling</a:t>
-            </a:r>
-            <a:r>
-              <a:rPr lang="pt-BR" dirty="0" smtClean="0"/>
-              <a:t>);</a:t>
+              <a:t>Comparativo de eficiência;</a:t>
             </a:r>
           </a:p>
           <a:p>
@@ -11577,46 +12643,12 @@
             </a:pPr>
             <a:r>
               <a:rPr lang="pt-BR" dirty="0" smtClean="0"/>
-              <a:t>SSE (Server-</a:t>
-            </a:r>
-            <a:r>
-              <a:rPr lang="pt-BR" dirty="0" err="1" smtClean="0"/>
-              <a:t>sent</a:t>
-            </a:r>
-            <a:r>
-              <a:rPr lang="pt-BR" dirty="0" smtClean="0"/>
-              <a:t> </a:t>
-            </a:r>
-            <a:r>
-              <a:rPr lang="pt-BR" dirty="0" err="1" smtClean="0"/>
-              <a:t>Event</a:t>
-            </a:r>
-            <a:r>
-              <a:rPr lang="pt-BR" dirty="0" smtClean="0"/>
-              <a:t>);</a:t>
-            </a:r>
-          </a:p>
-          <a:p>
-            <a:pPr marL="285750" indent="-285750">
-              <a:lnSpc>
-                <a:spcPct val="150000"/>
-              </a:lnSpc>
-              <a:buFont typeface="Wingdings" panose="05000000000000000000" pitchFamily="2" charset="2"/>
-              <a:buChar char="§"/>
-            </a:pPr>
-            <a:r>
-              <a:rPr lang="pt-BR" dirty="0" smtClean="0"/>
-              <a:t>Websocket.</a:t>
+              <a:t>Ferramentas do desenvolvedor no navegador Google Chrome</a:t>
             </a:r>
           </a:p>
         </p:txBody>
       </p:sp>
     </p:spTree>
-    <p:extLst>
-      <p:ext uri="{BB962C8B-B14F-4D97-AF65-F5344CB8AC3E}">
-        <p14:creationId xmlns:p14="http://schemas.microsoft.com/office/powerpoint/2010/main" val="1486120125"/>
-      </p:ext>
-    </p:extLst>
   </p:cSld>
   <p:clrMapOvr>
     <a:masterClrMapping/>
@@ -11648,60 +12680,6 @@
           <a:chExt cx="0" cy="0"/>
         </a:xfrm>
       </p:grpSpPr>
-      <p:pic>
-        <p:nvPicPr>
-          <p:cNvPr id="1026" name="Picture 2"/>
-          <p:cNvPicPr>
-            <a:picLocks noChangeAspect="1" noChangeArrowheads="1"/>
-          </p:cNvPicPr>
-          <p:nvPr/>
-        </p:nvPicPr>
-        <p:blipFill>
-          <a:blip r:embed="rId2">
-            <a:extLst>
-              <a:ext uri="{28A0092B-C50C-407E-A947-70E740481C1C}">
-                <a14:useLocalDpi xmlns:a14="http://schemas.microsoft.com/office/drawing/2010/main" val="0"/>
-              </a:ext>
-            </a:extLst>
-          </a:blip>
-          <a:srcRect/>
-          <a:stretch>
-            <a:fillRect/>
-          </a:stretch>
-        </p:blipFill>
-        <p:spPr bwMode="auto">
-          <a:xfrm>
-            <a:off x="1057630" y="4047547"/>
-            <a:ext cx="7302194" cy="2480306"/>
-          </a:xfrm>
-          <a:prstGeom prst="rect">
-            <a:avLst/>
-          </a:prstGeom>
-          <a:noFill/>
-          <a:ln>
-            <a:noFill/>
-          </a:ln>
-          <a:extLst>
-            <a:ext uri="{909E8E84-426E-40DD-AFC4-6F175D3DCCD1}">
-              <a14:hiddenFill xmlns:a14="http://schemas.microsoft.com/office/drawing/2010/main">
-                <a:solidFill>
-                  <a:srgbClr val="FFFFFF"/>
-                </a:solidFill>
-              </a14:hiddenFill>
-            </a:ext>
-            <a:ext uri="{91240B29-F687-4F45-9708-019B960494DF}">
-              <a14:hiddenLine xmlns:a14="http://schemas.microsoft.com/office/drawing/2010/main" w="9525">
-                <a:solidFill>
-                  <a:srgbClr val="000000"/>
-                </a:solidFill>
-                <a:miter lim="800000"/>
-                <a:headEnd/>
-                <a:tailEnd/>
-              </a14:hiddenLine>
-            </a:ext>
-          </a:extLst>
-        </p:spPr>
-      </p:pic>
       <p:sp>
         <p:nvSpPr>
           <p:cNvPr id="3" name="CaixaDeTexto 2"/>
@@ -12012,10 +12990,10 @@
           <p:nvPr/>
         </p:nvPicPr>
         <p:blipFill>
-          <a:blip r:embed="rId3">
+          <a:blip r:embed="rId2" cstate="print">
             <a:extLst>
               <a:ext uri="{28A0092B-C50C-407E-A947-70E740481C1C}">
-                <a14:useLocalDpi xmlns:a14="http://schemas.microsoft.com/office/drawing/2010/main" val="0"/>
+                <a14:useLocalDpi xmlns="" xmlns:a14="http://schemas.microsoft.com/office/drawing/2010/main" val="0"/>
               </a:ext>
             </a:extLst>
           </a:blip>
@@ -12055,14 +13033,14 @@
           </a:ln>
           <a:extLst>
             <a:ext uri="{909E8E84-426E-40DD-AFC4-6F175D3DCCD1}">
-              <a14:hiddenFill xmlns:a14="http://schemas.microsoft.com/office/drawing/2010/main">
+              <a14:hiddenFill xmlns="" xmlns:a14="http://schemas.microsoft.com/office/drawing/2010/main">
                 <a:solidFill>
                   <a:srgbClr val="FFFFFF"/>
                 </a:solidFill>
               </a14:hiddenFill>
             </a:ext>
             <a:ext uri="{91240B29-F687-4F45-9708-019B960494DF}">
-              <a14:hiddenLine xmlns:a14="http://schemas.microsoft.com/office/drawing/2010/main" w="9525">
+              <a14:hiddenLine xmlns="" xmlns:a14="http://schemas.microsoft.com/office/drawing/2010/main" w="9525">
                 <a:solidFill>
                   <a:srgbClr val="000000"/>
                 </a:solidFill>
@@ -12187,7 +13165,7 @@
               <a:rPr lang="pt-BR" sz="2600" b="1" dirty="0" smtClean="0">
                 <a:cs typeface="Arial" panose="020B0604020202020204" pitchFamily="34" charset="0"/>
               </a:rPr>
-              <a:t>Método de desenvolvimento </a:t>
+              <a:t>Método de desenvolvimento</a:t>
             </a:r>
             <a:endParaRPr lang="pt-BR" sz="2600" b="1" dirty="0">
               <a:cs typeface="Arial" panose="020B0604020202020204" pitchFamily="34" charset="0"/>
@@ -12204,7 +13182,7 @@
         <p:spPr>
           <a:xfrm>
             <a:off x="827584" y="1988840"/>
-            <a:ext cx="7560840" cy="1754326"/>
+            <a:ext cx="7560840" cy="3000821"/>
           </a:xfrm>
           <a:prstGeom prst="rect">
             <a:avLst/>
@@ -12226,51 +13204,95 @@
             </a:pPr>
             <a:r>
               <a:rPr lang="pt-BR" dirty="0" smtClean="0"/>
-              <a:t>Criação do Aplicativo de bate-papo (IRC – Internet Relay Chat);</a:t>
-            </a:r>
-          </a:p>
-          <a:p>
-            <a:pPr marL="285750" indent="-285750">
+              <a:t>Construção do aplicativo:</a:t>
+            </a:r>
+          </a:p>
+          <a:p>
+            <a:pPr marL="742950" lvl="1" indent="-285750">
               <a:lnSpc>
                 <a:spcPct val="150000"/>
               </a:lnSpc>
-              <a:buFont typeface="Wingdings" panose="05000000000000000000" pitchFamily="2" charset="2"/>
-              <a:buChar char="§"/>
+              <a:buFont typeface="Courier New" panose="02070309020205020404" pitchFamily="49" charset="0"/>
+              <a:buChar char="o"/>
             </a:pPr>
             <a:r>
               <a:rPr lang="pt-BR" dirty="0" smtClean="0"/>
-              <a:t>Aplicativo construído em tecnologias diferentes;</a:t>
-            </a:r>
-          </a:p>
-          <a:p>
-            <a:pPr marL="285750" indent="-285750">
+              <a:t>Linguagem de marcação HTML5;</a:t>
+            </a:r>
+          </a:p>
+          <a:p>
+            <a:pPr marL="742950" lvl="1" indent="-285750">
               <a:lnSpc>
                 <a:spcPct val="150000"/>
               </a:lnSpc>
-              <a:buFont typeface="Wingdings" panose="05000000000000000000" pitchFamily="2" charset="2"/>
-              <a:buChar char="§"/>
+              <a:buFont typeface="Courier New" panose="02070309020205020404" pitchFamily="49" charset="0"/>
+              <a:buChar char="o"/>
             </a:pPr>
             <a:r>
               <a:rPr lang="pt-BR" dirty="0" smtClean="0"/>
-              <a:t>Comparativo de eficiência;</a:t>
-            </a:r>
-          </a:p>
-          <a:p>
-            <a:pPr marL="285750" indent="-285750">
+              <a:t>Linguagem de estilo CSS;</a:t>
+            </a:r>
+          </a:p>
+          <a:p>
+            <a:pPr marL="742950" lvl="1" indent="-285750">
               <a:lnSpc>
                 <a:spcPct val="150000"/>
               </a:lnSpc>
-              <a:buFont typeface="Wingdings" panose="05000000000000000000" pitchFamily="2" charset="2"/>
-              <a:buChar char="§"/>
+              <a:buFont typeface="Courier New" panose="02070309020205020404" pitchFamily="49" charset="0"/>
+              <a:buChar char="o"/>
             </a:pPr>
             <a:r>
               <a:rPr lang="pt-BR" dirty="0" smtClean="0"/>
-              <a:t>Ferramentas do desenvolvedor no navegador Google Chrome</a:t>
+              <a:t>Linguagem Javascript;</a:t>
+            </a:r>
+          </a:p>
+          <a:p>
+            <a:pPr marL="742950" lvl="1" indent="-285750">
+              <a:lnSpc>
+                <a:spcPct val="150000"/>
+              </a:lnSpc>
+              <a:buFont typeface="Courier New" panose="02070309020205020404" pitchFamily="49" charset="0"/>
+              <a:buChar char="o"/>
+            </a:pPr>
+            <a:r>
+              <a:rPr lang="pt-BR" dirty="0" smtClean="0"/>
+              <a:t>Técnicas de AJAX;</a:t>
+            </a:r>
+          </a:p>
+          <a:p>
+            <a:pPr marL="742950" lvl="1" indent="-285750">
+              <a:lnSpc>
+                <a:spcPct val="150000"/>
+              </a:lnSpc>
+              <a:buFont typeface="Courier New" panose="02070309020205020404" pitchFamily="49" charset="0"/>
+              <a:buChar char="o"/>
+            </a:pPr>
+            <a:r>
+              <a:rPr lang="pt-BR" dirty="0" smtClean="0"/>
+              <a:t>Linguagem PHP;</a:t>
+            </a:r>
+          </a:p>
+          <a:p>
+            <a:pPr marL="742950" lvl="1" indent="-285750">
+              <a:lnSpc>
+                <a:spcPct val="150000"/>
+              </a:lnSpc>
+              <a:buFont typeface="Courier New" panose="02070309020205020404" pitchFamily="49" charset="0"/>
+              <a:buChar char="o"/>
+            </a:pPr>
+            <a:r>
+              <a:rPr lang="pt-BR" dirty="0" smtClean="0"/>
+              <a:t>Banco de dados MongoDB;</a:t>
             </a:r>
           </a:p>
         </p:txBody>
       </p:sp>
     </p:spTree>
+    <p:extLst>
+      <p:ext uri="{BB962C8B-B14F-4D97-AF65-F5344CB8AC3E}">
+        <p14:creationId xmlns="" xmlns:p14="http://schemas.microsoft.com/office/powerpoint/2010/main" val="783731450"/>
+      </p:ext>
+    </p:extLst>
   </p:cSld>
   <p:clrMapOvr>
     <a:masterClrMapping/>
@@ -12612,10 +13634,10 @@
           <p:nvPr/>
         </p:nvPicPr>
         <p:blipFill>
-          <a:blip r:embed="rId2">
+          <a:blip r:embed="rId2" cstate="print">
             <a:extLst>
               <a:ext uri="{28A0092B-C50C-407E-A947-70E740481C1C}">
-                <a14:useLocalDpi xmlns:a14="http://schemas.microsoft.com/office/drawing/2010/main" val="0"/>
+                <a14:useLocalDpi xmlns="" xmlns:a14="http://schemas.microsoft.com/office/drawing/2010/main" val="0"/>
               </a:ext>
             </a:extLst>
           </a:blip>
@@ -12655,14 +13677,14 @@
           </a:ln>
           <a:extLst>
             <a:ext uri="{909E8E84-426E-40DD-AFC4-6F175D3DCCD1}">
-              <a14:hiddenFill xmlns:a14="http://schemas.microsoft.com/office/drawing/2010/main">
+              <a14:hiddenFill xmlns="" xmlns:a14="http://schemas.microsoft.com/office/drawing/2010/main">
                 <a:solidFill>
                   <a:srgbClr val="FFFFFF"/>
                 </a:solidFill>
               </a14:hiddenFill>
             </a:ext>
             <a:ext uri="{91240B29-F687-4F45-9708-019B960494DF}">
-              <a14:hiddenLine xmlns:a14="http://schemas.microsoft.com/office/drawing/2010/main" w="9525">
+              <a14:hiddenLine xmlns="" xmlns:a14="http://schemas.microsoft.com/office/drawing/2010/main" w="9525">
                 <a:solidFill>
                   <a:srgbClr val="000000"/>
                 </a:solidFill>
@@ -12787,7 +13809,7 @@
               <a:rPr lang="pt-BR" sz="2600" b="1" dirty="0" smtClean="0">
                 <a:cs typeface="Arial" panose="020B0604020202020204" pitchFamily="34" charset="0"/>
               </a:rPr>
-              <a:t>Método de desenvolvimento</a:t>
+              <a:t>Aplicativo</a:t>
             </a:r>
             <a:endParaRPr lang="pt-BR" sz="2600" b="1" dirty="0">
               <a:cs typeface="Arial" panose="020B0604020202020204" pitchFamily="34" charset="0"/>
@@ -12795,126 +13817,115 @@
           </a:p>
         </p:txBody>
       </p:sp>
-      <p:sp>
-        <p:nvSpPr>
-          <p:cNvPr id="12" name="CaixaDeTexto 11"/>
-          <p:cNvSpPr txBox="1"/>
+      <p:pic>
+        <p:nvPicPr>
+          <p:cNvPr id="2050" name="Picture 2"/>
+          <p:cNvPicPr>
+            <a:picLocks noChangeAspect="1" noChangeArrowheads="1"/>
+          </p:cNvPicPr>
           <p:nvPr/>
-        </p:nvSpPr>
-        <p:spPr>
+        </p:nvPicPr>
+        <p:blipFill>
+          <a:blip r:embed="rId3" cstate="print">
+            <a:extLst>
+              <a:ext uri="{28A0092B-C50C-407E-A947-70E740481C1C}">
+                <a14:useLocalDpi xmlns="" xmlns:a14="http://schemas.microsoft.com/office/drawing/2010/main" val="0"/>
+              </a:ext>
+            </a:extLst>
+          </a:blip>
+          <a:srcRect/>
+          <a:stretch>
+            <a:fillRect/>
+          </a:stretch>
+        </p:blipFill>
+        <p:spPr bwMode="auto">
           <a:xfrm>
-            <a:off x="827584" y="1988840"/>
-            <a:ext cx="7560840" cy="3000821"/>
+            <a:off x="1908870" y="1916832"/>
+            <a:ext cx="5762625" cy="2066925"/>
           </a:xfrm>
           <a:prstGeom prst="rect">
             <a:avLst/>
           </a:prstGeom>
           <a:noFill/>
+          <a:ln>
+            <a:noFill/>
+          </a:ln>
+          <a:extLst>
+            <a:ext uri="{909E8E84-426E-40DD-AFC4-6F175D3DCCD1}">
+              <a14:hiddenFill xmlns="" xmlns:a14="http://schemas.microsoft.com/office/drawing/2010/main">
+                <a:solidFill>
+                  <a:srgbClr val="FFFFFF"/>
+                </a:solidFill>
+              </a14:hiddenFill>
+            </a:ext>
+            <a:ext uri="{91240B29-F687-4F45-9708-019B960494DF}">
+              <a14:hiddenLine xmlns="" xmlns:a14="http://schemas.microsoft.com/office/drawing/2010/main" w="9525">
+                <a:solidFill>
+                  <a:srgbClr val="000000"/>
+                </a:solidFill>
+                <a:miter lim="800000"/>
+                <a:headEnd/>
+                <a:tailEnd/>
+              </a14:hiddenLine>
+            </a:ext>
+          </a:extLst>
         </p:spPr>
-        <p:txBody>
-          <a:bodyPr wrap="square" rtlCol="0">
-            <a:spAutoFit/>
-          </a:bodyPr>
-          <a:lstStyle/>
-          <a:p>
-            <a:pPr marL="285750" indent="-285750">
-              <a:lnSpc>
-                <a:spcPct val="150000"/>
-              </a:lnSpc>
-              <a:buFont typeface="Wingdings" panose="05000000000000000000" pitchFamily="2" charset="2"/>
-              <a:buChar char="§"/>
-            </a:pPr>
-            <a:r>
-              <a:rPr lang="pt-BR" dirty="0" smtClean="0"/>
-              <a:t>Construção do aplicativo:</a:t>
-            </a:r>
-          </a:p>
-          <a:p>
-            <a:pPr marL="742950" lvl="1" indent="-285750">
-              <a:lnSpc>
-                <a:spcPct val="150000"/>
-              </a:lnSpc>
-              <a:buFont typeface="Courier New" panose="02070309020205020404" pitchFamily="49" charset="0"/>
-              <a:buChar char="o"/>
-            </a:pPr>
-            <a:r>
-              <a:rPr lang="pt-BR" dirty="0" smtClean="0"/>
-              <a:t>Linguagem de marcação HTML5;</a:t>
-            </a:r>
-          </a:p>
-          <a:p>
-            <a:pPr marL="742950" lvl="1" indent="-285750">
-              <a:lnSpc>
-                <a:spcPct val="150000"/>
-              </a:lnSpc>
-              <a:buFont typeface="Courier New" panose="02070309020205020404" pitchFamily="49" charset="0"/>
-              <a:buChar char="o"/>
-            </a:pPr>
-            <a:r>
-              <a:rPr lang="pt-BR" dirty="0" smtClean="0"/>
-              <a:t>Linguagem de estilo CSS;</a:t>
-            </a:r>
-          </a:p>
-          <a:p>
-            <a:pPr marL="742950" lvl="1" indent="-285750">
-              <a:lnSpc>
-                <a:spcPct val="150000"/>
-              </a:lnSpc>
-              <a:buFont typeface="Courier New" panose="02070309020205020404" pitchFamily="49" charset="0"/>
-              <a:buChar char="o"/>
-            </a:pPr>
-            <a:r>
-              <a:rPr lang="pt-BR" dirty="0" smtClean="0"/>
-              <a:t>Linguagem Javascript;</a:t>
-            </a:r>
-          </a:p>
-          <a:p>
-            <a:pPr marL="742950" lvl="1" indent="-285750">
-              <a:lnSpc>
-                <a:spcPct val="150000"/>
-              </a:lnSpc>
-              <a:buFont typeface="Courier New" panose="02070309020205020404" pitchFamily="49" charset="0"/>
-              <a:buChar char="o"/>
-            </a:pPr>
-            <a:r>
-              <a:rPr lang="pt-BR" dirty="0" smtClean="0"/>
-              <a:t>Técnicas de AJAX;</a:t>
-            </a:r>
-          </a:p>
-          <a:p>
-            <a:pPr marL="742950" lvl="1" indent="-285750">
-              <a:lnSpc>
-                <a:spcPct val="150000"/>
-              </a:lnSpc>
-              <a:buFont typeface="Courier New" panose="02070309020205020404" pitchFamily="49" charset="0"/>
-              <a:buChar char="o"/>
-            </a:pPr>
-            <a:r>
-              <a:rPr lang="pt-BR" dirty="0" smtClean="0"/>
-              <a:t>Linguagem PHP;</a:t>
-            </a:r>
-          </a:p>
-          <a:p>
-            <a:pPr marL="742950" lvl="1" indent="-285750">
-              <a:lnSpc>
-                <a:spcPct val="150000"/>
-              </a:lnSpc>
-              <a:buFont typeface="Courier New" panose="02070309020205020404" pitchFamily="49" charset="0"/>
-              <a:buChar char="o"/>
-            </a:pPr>
-            <a:r>
-              <a:rPr lang="pt-BR" dirty="0" smtClean="0"/>
-              <a:t>Banco de dados MongoDB;</a:t>
-            </a:r>
-          </a:p>
-        </p:txBody>
-      </p:sp>
+      </p:pic>
+      <p:pic>
+        <p:nvPicPr>
+          <p:cNvPr id="2052" name="Picture 4"/>
+          <p:cNvPicPr>
+            <a:picLocks noChangeAspect="1" noChangeArrowheads="1"/>
+          </p:cNvPicPr>
+          <p:nvPr/>
+        </p:nvPicPr>
+        <p:blipFill>
+          <a:blip r:embed="rId4" cstate="print">
+            <a:extLst>
+              <a:ext uri="{28A0092B-C50C-407E-A947-70E740481C1C}">
+                <a14:useLocalDpi xmlns="" xmlns:a14="http://schemas.microsoft.com/office/drawing/2010/main" val="0"/>
+              </a:ext>
+            </a:extLst>
+          </a:blip>
+          <a:srcRect/>
+          <a:stretch>
+            <a:fillRect/>
+          </a:stretch>
+        </p:blipFill>
+        <p:spPr bwMode="auto">
+          <a:xfrm>
+            <a:off x="1918395" y="4410128"/>
+            <a:ext cx="5753100" cy="1381125"/>
+          </a:xfrm>
+          <a:prstGeom prst="rect">
+            <a:avLst/>
+          </a:prstGeom>
+          <a:noFill/>
+          <a:ln>
+            <a:noFill/>
+          </a:ln>
+          <a:extLst>
+            <a:ext uri="{909E8E84-426E-40DD-AFC4-6F175D3DCCD1}">
+              <a14:hiddenFill xmlns="" xmlns:a14="http://schemas.microsoft.com/office/drawing/2010/main">
+                <a:solidFill>
+                  <a:srgbClr val="FFFFFF"/>
+                </a:solidFill>
+              </a14:hiddenFill>
+            </a:ext>
+            <a:ext uri="{91240B29-F687-4F45-9708-019B960494DF}">
+              <a14:hiddenLine xmlns="" xmlns:a14="http://schemas.microsoft.com/office/drawing/2010/main" w="9525">
+                <a:solidFill>
+                  <a:srgbClr val="000000"/>
+                </a:solidFill>
+                <a:miter lim="800000"/>
+                <a:headEnd/>
+                <a:tailEnd/>
+              </a14:hiddenLine>
+            </a:ext>
+          </a:extLst>
+        </p:spPr>
+      </p:pic>
     </p:spTree>
-    <p:extLst>
-      <p:ext uri="{BB962C8B-B14F-4D97-AF65-F5344CB8AC3E}">
-        <p14:creationId xmlns:p14="http://schemas.microsoft.com/office/powerpoint/2010/main" val="783731450"/>
-      </p:ext>
-    </p:extLst>
   </p:cSld>
   <p:clrMapOvr>
     <a:masterClrMapping/>
@@ -13256,10 +14267,10 @@
           <p:nvPr/>
         </p:nvPicPr>
         <p:blipFill>
-          <a:blip r:embed="rId2">
+          <a:blip r:embed="rId2" cstate="print">
             <a:extLst>
               <a:ext uri="{28A0092B-C50C-407E-A947-70E740481C1C}">
-                <a14:useLocalDpi xmlns:a14="http://schemas.microsoft.com/office/drawing/2010/main" val="0"/>
+                <a14:useLocalDpi xmlns="" xmlns:a14="http://schemas.microsoft.com/office/drawing/2010/main" val="0"/>
               </a:ext>
             </a:extLst>
           </a:blip>
@@ -13299,14 +14310,14 @@
           </a:ln>
           <a:extLst>
             <a:ext uri="{909E8E84-426E-40DD-AFC4-6F175D3DCCD1}">
-              <a14:hiddenFill xmlns:a14="http://schemas.microsoft.com/office/drawing/2010/main">
+              <a14:hiddenFill xmlns="" xmlns:a14="http://schemas.microsoft.com/office/drawing/2010/main">
                 <a:solidFill>
                   <a:srgbClr val="FFFFFF"/>
                 </a:solidFill>
               </a14:hiddenFill>
             </a:ext>
             <a:ext uri="{91240B29-F687-4F45-9708-019B960494DF}">
-              <a14:hiddenLine xmlns:a14="http://schemas.microsoft.com/office/drawing/2010/main" w="9525">
+              <a14:hiddenLine xmlns="" xmlns:a14="http://schemas.microsoft.com/office/drawing/2010/main" w="9525">
                 <a:solidFill>
                   <a:srgbClr val="000000"/>
                 </a:solidFill>
@@ -13441,17 +14452,17 @@
       </p:sp>
       <p:pic>
         <p:nvPicPr>
-          <p:cNvPr id="2050" name="Picture 2"/>
+          <p:cNvPr id="3074" name="Picture 2"/>
           <p:cNvPicPr>
             <a:picLocks noChangeAspect="1" noChangeArrowheads="1"/>
           </p:cNvPicPr>
           <p:nvPr/>
         </p:nvPicPr>
         <p:blipFill>
-          <a:blip r:embed="rId3">
+          <a:blip r:embed="rId3" cstate="print">
             <a:extLst>
               <a:ext uri="{28A0092B-C50C-407E-A947-70E740481C1C}">
-                <a14:useLocalDpi xmlns:a14="http://schemas.microsoft.com/office/drawing/2010/main" val="0"/>
+                <a14:useLocalDpi xmlns="" xmlns:a14="http://schemas.microsoft.com/office/drawing/2010/main" val="0"/>
               </a:ext>
             </a:extLst>
           </a:blip>
@@ -13462,8 +14473,8 @@
         </p:blipFill>
         <p:spPr bwMode="auto">
           <a:xfrm>
-            <a:off x="1908870" y="1916832"/>
-            <a:ext cx="5762625" cy="2066925"/>
+            <a:off x="1684959" y="2057453"/>
+            <a:ext cx="5762625" cy="3733800"/>
           </a:xfrm>
           <a:prstGeom prst="rect">
             <a:avLst/>
@@ -13474,68 +14485,14 @@
           </a:ln>
           <a:extLst>
             <a:ext uri="{909E8E84-426E-40DD-AFC4-6F175D3DCCD1}">
-              <a14:hiddenFill xmlns:a14="http://schemas.microsoft.com/office/drawing/2010/main">
+              <a14:hiddenFill xmlns="" xmlns:a14="http://schemas.microsoft.com/office/drawing/2010/main">
                 <a:solidFill>
                   <a:srgbClr val="FFFFFF"/>
                 </a:solidFill>
               </a14:hiddenFill>
             </a:ext>
             <a:ext uri="{91240B29-F687-4F45-9708-019B960494DF}">
-              <a14:hiddenLine xmlns:a14="http://schemas.microsoft.com/office/drawing/2010/main" w="9525">
-                <a:solidFill>
-                  <a:srgbClr val="000000"/>
-                </a:solidFill>
-                <a:miter lim="800000"/>
-                <a:headEnd/>
-                <a:tailEnd/>
-              </a14:hiddenLine>
-            </a:ext>
-          </a:extLst>
-        </p:spPr>
-      </p:pic>
-      <p:pic>
-        <p:nvPicPr>
-          <p:cNvPr id="2052" name="Picture 4"/>
-          <p:cNvPicPr>
-            <a:picLocks noChangeAspect="1" noChangeArrowheads="1"/>
-          </p:cNvPicPr>
-          <p:nvPr/>
-        </p:nvPicPr>
-        <p:blipFill>
-          <a:blip r:embed="rId4">
-            <a:extLst>
-              <a:ext uri="{28A0092B-C50C-407E-A947-70E740481C1C}">
-                <a14:useLocalDpi xmlns:a14="http://schemas.microsoft.com/office/drawing/2010/main" val="0"/>
-              </a:ext>
-            </a:extLst>
-          </a:blip>
-          <a:srcRect/>
-          <a:stretch>
-            <a:fillRect/>
-          </a:stretch>
-        </p:blipFill>
-        <p:spPr bwMode="auto">
-          <a:xfrm>
-            <a:off x="1918395" y="4410128"/>
-            <a:ext cx="5753100" cy="1381125"/>
-          </a:xfrm>
-          <a:prstGeom prst="rect">
-            <a:avLst/>
-          </a:prstGeom>
-          <a:noFill/>
-          <a:ln>
-            <a:noFill/>
-          </a:ln>
-          <a:extLst>
-            <a:ext uri="{909E8E84-426E-40DD-AFC4-6F175D3DCCD1}">
-              <a14:hiddenFill xmlns:a14="http://schemas.microsoft.com/office/drawing/2010/main">
-                <a:solidFill>
-                  <a:srgbClr val="FFFFFF"/>
-                </a:solidFill>
-              </a14:hiddenFill>
-            </a:ext>
-            <a:ext uri="{91240B29-F687-4F45-9708-019B960494DF}">
-              <a14:hiddenLine xmlns:a14="http://schemas.microsoft.com/office/drawing/2010/main" w="9525">
+              <a14:hiddenLine xmlns="" xmlns:a14="http://schemas.microsoft.com/office/drawing/2010/main" w="9525">
                 <a:solidFill>
                   <a:srgbClr val="000000"/>
                 </a:solidFill>
@@ -13548,6 +14505,11 @@
         </p:spPr>
       </p:pic>
     </p:spTree>
+    <p:extLst>
+      <p:ext uri="{BB962C8B-B14F-4D97-AF65-F5344CB8AC3E}">
+        <p14:creationId xmlns="" xmlns:p14="http://schemas.microsoft.com/office/powerpoint/2010/main" val="1020484014"/>
+      </p:ext>
+    </p:extLst>
   </p:cSld>
   <p:clrMapOvr>
     <a:masterClrMapping/>
@@ -13579,9 +14541,63 @@
           <a:chExt cx="0" cy="0"/>
         </a:xfrm>
       </p:grpSpPr>
+      <p:pic>
+        <p:nvPicPr>
+          <p:cNvPr id="4098" name="Picture 2" descr="Short Polling"/>
+          <p:cNvPicPr>
+            <a:picLocks noChangeAspect="1" noChangeArrowheads="1"/>
+          </p:cNvPicPr>
+          <p:nvPr/>
+        </p:nvPicPr>
+        <p:blipFill>
+          <a:blip r:embed="rId2" cstate="print">
+            <a:extLst>
+              <a:ext uri="{28A0092B-C50C-407E-A947-70E740481C1C}">
+                <a14:useLocalDpi xmlns="" xmlns:a14="http://schemas.microsoft.com/office/drawing/2010/main" val="0"/>
+              </a:ext>
+            </a:extLst>
+          </a:blip>
+          <a:srcRect/>
+          <a:stretch>
+            <a:fillRect/>
+          </a:stretch>
+        </p:blipFill>
+        <p:spPr bwMode="auto">
+          <a:xfrm>
+            <a:off x="251520" y="2820473"/>
+            <a:ext cx="3384867" cy="2390768"/>
+          </a:xfrm>
+          <a:prstGeom prst="rect">
+            <a:avLst/>
+          </a:prstGeom>
+          <a:noFill/>
+          <a:ln>
+            <a:noFill/>
+          </a:ln>
+          <a:extLst>
+            <a:ext uri="{909E8E84-426E-40DD-AFC4-6F175D3DCCD1}">
+              <a14:hiddenFill xmlns="" xmlns:a14="http://schemas.microsoft.com/office/drawing/2010/main">
+                <a:solidFill>
+                  <a:srgbClr val="FFFFFF"/>
+                </a:solidFill>
+              </a14:hiddenFill>
+            </a:ext>
+            <a:ext uri="{91240B29-F687-4F45-9708-019B960494DF}">
+              <a14:hiddenLine xmlns="" xmlns:a14="http://schemas.microsoft.com/office/drawing/2010/main" w="9525">
+                <a:solidFill>
+                  <a:srgbClr val="000000"/>
+                </a:solidFill>
+                <a:miter lim="800000"/>
+                <a:headEnd/>
+                <a:tailEnd/>
+              </a14:hiddenLine>
+            </a:ext>
+          </a:extLst>
+        </p:spPr>
+      </p:pic>
       <p:sp>
         <p:nvSpPr>
-          <p:cNvPr id="3" name="CaixaDeTexto 2"/>
+          <p:cNvPr id="4" name="CaixaDeTexto 3"/>
           <p:cNvSpPr txBox="1"/>
           <p:nvPr/>
         </p:nvSpPr>
@@ -13889,10 +14905,10 @@
           <p:nvPr/>
         </p:nvPicPr>
         <p:blipFill>
-          <a:blip r:embed="rId2">
+          <a:blip r:embed="rId3" cstate="print">
             <a:extLst>
               <a:ext uri="{28A0092B-C50C-407E-A947-70E740481C1C}">
-                <a14:useLocalDpi xmlns:a14="http://schemas.microsoft.com/office/drawing/2010/main" val="0"/>
+                <a14:useLocalDpi xmlns="" xmlns:a14="http://schemas.microsoft.com/office/drawing/2010/main" val="0"/>
               </a:ext>
             </a:extLst>
           </a:blip>
@@ -13932,14 +14948,14 @@
           </a:ln>
           <a:extLst>
             <a:ext uri="{909E8E84-426E-40DD-AFC4-6F175D3DCCD1}">
-              <a14:hiddenFill xmlns:a14="http://schemas.microsoft.com/office/drawing/2010/main">
+              <a14:hiddenFill xmlns="" xmlns:a14="http://schemas.microsoft.com/office/drawing/2010/main">
                 <a:solidFill>
                   <a:srgbClr val="FFFFFF"/>
                 </a:solidFill>
               </a14:hiddenFill>
             </a:ext>
             <a:ext uri="{91240B29-F687-4F45-9708-019B960494DF}">
-              <a14:hiddenLine xmlns:a14="http://schemas.microsoft.com/office/drawing/2010/main" w="9525">
+              <a14:hiddenLine xmlns="" xmlns:a14="http://schemas.microsoft.com/office/drawing/2010/main" w="9525">
                 <a:solidFill>
                   <a:srgbClr val="000000"/>
                 </a:solidFill>
@@ -14064,27 +15080,71 @@
               <a:rPr lang="pt-BR" sz="2600" b="1" dirty="0" smtClean="0">
                 <a:cs typeface="Arial" panose="020B0604020202020204" pitchFamily="34" charset="0"/>
               </a:rPr>
-              <a:t>Aplicativo</a:t>
+              <a:t>AJAX</a:t>
             </a:r>
             <a:endParaRPr lang="pt-BR" sz="2600" b="1" dirty="0">
               <a:cs typeface="Arial" panose="020B0604020202020204" pitchFamily="34" charset="0"/>
             </a:endParaRPr>
+          </a:p>
+        </p:txBody>
+      </p:sp>
+      <p:sp>
+        <p:nvSpPr>
+          <p:cNvPr id="13" name="CaixaDeTexto 12"/>
+          <p:cNvSpPr txBox="1"/>
+          <p:nvPr/>
+        </p:nvSpPr>
+        <p:spPr>
+          <a:xfrm>
+            <a:off x="827584" y="1988840"/>
+            <a:ext cx="7560840" cy="456535"/>
+          </a:xfrm>
+          <a:prstGeom prst="rect">
+            <a:avLst/>
+          </a:prstGeom>
+          <a:noFill/>
+        </p:spPr>
+        <p:txBody>
+          <a:bodyPr wrap="square" rtlCol="0">
+            <a:spAutoFit/>
+          </a:bodyPr>
+          <a:lstStyle/>
+          <a:p>
+            <a:pPr marL="285750" indent="-285750">
+              <a:lnSpc>
+                <a:spcPct val="150000"/>
+              </a:lnSpc>
+              <a:buFont typeface="Wingdings" panose="05000000000000000000" pitchFamily="2" charset="2"/>
+              <a:buChar char="§"/>
+            </a:pPr>
+            <a:r>
+              <a:rPr lang="pt-BR" dirty="0" smtClean="0"/>
+              <a:t>Short </a:t>
+            </a:r>
+            <a:r>
+              <a:rPr lang="pt-BR" dirty="0" err="1" smtClean="0"/>
+              <a:t>Polling</a:t>
+            </a:r>
+            <a:r>
+              <a:rPr lang="pt-BR" dirty="0" smtClean="0"/>
+              <a:t>:</a:t>
+            </a:r>
           </a:p>
         </p:txBody>
       </p:sp>
       <p:pic>
         <p:nvPicPr>
-          <p:cNvPr id="3074" name="Picture 2"/>
+          <p:cNvPr id="4099" name="Picture 3"/>
           <p:cNvPicPr>
             <a:picLocks noChangeAspect="1" noChangeArrowheads="1"/>
           </p:cNvPicPr>
           <p:nvPr/>
         </p:nvPicPr>
         <p:blipFill>
-          <a:blip r:embed="rId3">
+          <a:blip r:embed="rId4" cstate="print">
             <a:extLst>
               <a:ext uri="{28A0092B-C50C-407E-A947-70E740481C1C}">
-                <a14:useLocalDpi xmlns:a14="http://schemas.microsoft.com/office/drawing/2010/main" val="0"/>
+                <a14:useLocalDpi xmlns="" xmlns:a14="http://schemas.microsoft.com/office/drawing/2010/main" val="0"/>
               </a:ext>
             </a:extLst>
           </a:blip>
@@ -14095,8 +15155,8 @@
         </p:blipFill>
         <p:spPr bwMode="auto">
           <a:xfrm>
-            <a:off x="1684959" y="2057453"/>
-            <a:ext cx="5762625" cy="3733800"/>
+            <a:off x="4029397" y="3336776"/>
+            <a:ext cx="4791075" cy="1676400"/>
           </a:xfrm>
           <a:prstGeom prst="rect">
             <a:avLst/>
@@ -14107,14 +15167,14 @@
           </a:ln>
           <a:extLst>
             <a:ext uri="{909E8E84-426E-40DD-AFC4-6F175D3DCCD1}">
-              <a14:hiddenFill xmlns:a14="http://schemas.microsoft.com/office/drawing/2010/main">
+              <a14:hiddenFill xmlns="" xmlns:a14="http://schemas.microsoft.com/office/drawing/2010/main">
                 <a:solidFill>
                   <a:srgbClr val="FFFFFF"/>
                 </a:solidFill>
               </a14:hiddenFill>
             </a:ext>
             <a:ext uri="{91240B29-F687-4F45-9708-019B960494DF}">
-              <a14:hiddenLine xmlns:a14="http://schemas.microsoft.com/office/drawing/2010/main" w="9525">
+              <a14:hiddenLine xmlns="" xmlns:a14="http://schemas.microsoft.com/office/drawing/2010/main" w="9525">
                 <a:solidFill>
                   <a:srgbClr val="000000"/>
                 </a:solidFill>
@@ -14127,11 +15187,6 @@
         </p:spPr>
       </p:pic>
     </p:spTree>
-    <p:extLst>
-      <p:ext uri="{BB962C8B-B14F-4D97-AF65-F5344CB8AC3E}">
-        <p14:creationId xmlns:p14="http://schemas.microsoft.com/office/powerpoint/2010/main" val="1020484014"/>
-      </p:ext>
-    </p:extLst>
   </p:cSld>
   <p:clrMapOvr>
     <a:masterClrMapping/>
@@ -14163,60 +15218,6 @@
           <a:chExt cx="0" cy="0"/>
         </a:xfrm>
       </p:grpSpPr>
-      <p:pic>
-        <p:nvPicPr>
-          <p:cNvPr id="4098" name="Picture 2" descr="Short Polling"/>
-          <p:cNvPicPr>
-            <a:picLocks noChangeAspect="1" noChangeArrowheads="1"/>
-          </p:cNvPicPr>
-          <p:nvPr/>
-        </p:nvPicPr>
-        <p:blipFill>
-          <a:blip r:embed="rId2">
-            <a:extLst>
-              <a:ext uri="{28A0092B-C50C-407E-A947-70E740481C1C}">
-                <a14:useLocalDpi xmlns:a14="http://schemas.microsoft.com/office/drawing/2010/main" val="0"/>
-              </a:ext>
-            </a:extLst>
-          </a:blip>
-          <a:srcRect/>
-          <a:stretch>
-            <a:fillRect/>
-          </a:stretch>
-        </p:blipFill>
-        <p:spPr bwMode="auto">
-          <a:xfrm>
-            <a:off x="251520" y="2820473"/>
-            <a:ext cx="3384867" cy="2390768"/>
-          </a:xfrm>
-          <a:prstGeom prst="rect">
-            <a:avLst/>
-          </a:prstGeom>
-          <a:noFill/>
-          <a:ln>
-            <a:noFill/>
-          </a:ln>
-          <a:extLst>
-            <a:ext uri="{909E8E84-426E-40DD-AFC4-6F175D3DCCD1}">
-              <a14:hiddenFill xmlns:a14="http://schemas.microsoft.com/office/drawing/2010/main">
-                <a:solidFill>
-                  <a:srgbClr val="FFFFFF"/>
-                </a:solidFill>
-              </a14:hiddenFill>
-            </a:ext>
-            <a:ext uri="{91240B29-F687-4F45-9708-019B960494DF}">
-              <a14:hiddenLine xmlns:a14="http://schemas.microsoft.com/office/drawing/2010/main" w="9525">
-                <a:solidFill>
-                  <a:srgbClr val="000000"/>
-                </a:solidFill>
-                <a:miter lim="800000"/>
-                <a:headEnd/>
-                <a:tailEnd/>
-              </a14:hiddenLine>
-            </a:ext>
-          </a:extLst>
-        </p:spPr>
-      </p:pic>
       <p:sp>
         <p:nvSpPr>
           <p:cNvPr id="4" name="CaixaDeTexto 3"/>
@@ -14527,10 +15528,10 @@
           <p:nvPr/>
         </p:nvPicPr>
         <p:blipFill>
-          <a:blip r:embed="rId3">
+          <a:blip r:embed="rId2" cstate="print">
             <a:extLst>
               <a:ext uri="{28A0092B-C50C-407E-A947-70E740481C1C}">
-                <a14:useLocalDpi xmlns:a14="http://schemas.microsoft.com/office/drawing/2010/main" val="0"/>
+                <a14:useLocalDpi xmlns="" xmlns:a14="http://schemas.microsoft.com/office/drawing/2010/main" val="0"/>
               </a:ext>
             </a:extLst>
           </a:blip>
@@ -14570,14 +15571,14 @@
           </a:ln>
           <a:extLst>
             <a:ext uri="{909E8E84-426E-40DD-AFC4-6F175D3DCCD1}">
-              <a14:hiddenFill xmlns:a14="http://schemas.microsoft.com/office/drawing/2010/main">
+              <a14:hiddenFill xmlns="" xmlns:a14="http://schemas.microsoft.com/office/drawing/2010/main">
                 <a:solidFill>
                   <a:srgbClr val="FFFFFF"/>
                 </a:solidFill>
               </a14:hiddenFill>
             </a:ext>
             <a:ext uri="{91240B29-F687-4F45-9708-019B960494DF}">
-              <a14:hiddenLine xmlns:a14="http://schemas.microsoft.com/office/drawing/2010/main" w="9525">
+              <a14:hiddenLine xmlns="" xmlns:a14="http://schemas.microsoft.com/office/drawing/2010/main" w="9525">
                 <a:solidFill>
                   <a:srgbClr val="000000"/>
                 </a:solidFill>
@@ -14719,7 +15720,7 @@
         <p:spPr>
           <a:xfrm>
             <a:off x="827584" y="1988840"/>
-            <a:ext cx="7560840" cy="456535"/>
+            <a:ext cx="7560840" cy="507831"/>
           </a:xfrm>
           <a:prstGeom prst="rect">
             <a:avLst/>
@@ -14740,8 +15741,12 @@
               <a:buChar char="§"/>
             </a:pPr>
             <a:r>
+              <a:rPr lang="pt-BR" dirty="0" err="1" smtClean="0"/>
+              <a:t>Long</a:t>
+            </a:r>
+            <a:r>
               <a:rPr lang="pt-BR" dirty="0" smtClean="0"/>
-              <a:t>Short </a:t>
+              <a:t> </a:t>
             </a:r>
             <a:r>
               <a:rPr lang="pt-BR" dirty="0" err="1" smtClean="0"/>
@@ -14756,17 +15761,17 @@
       </p:sp>
       <p:pic>
         <p:nvPicPr>
-          <p:cNvPr id="4099" name="Picture 3"/>
+          <p:cNvPr id="6146" name="Picture 2" descr="Long Polling"/>
           <p:cNvPicPr>
             <a:picLocks noChangeAspect="1" noChangeArrowheads="1"/>
           </p:cNvPicPr>
           <p:nvPr/>
         </p:nvPicPr>
         <p:blipFill>
-          <a:blip r:embed="rId4">
+          <a:blip r:embed="rId3" cstate="print">
             <a:extLst>
               <a:ext uri="{28A0092B-C50C-407E-A947-70E740481C1C}">
-                <a14:useLocalDpi xmlns:a14="http://schemas.microsoft.com/office/drawing/2010/main" val="0"/>
+                <a14:useLocalDpi xmlns="" xmlns:a14="http://schemas.microsoft.com/office/drawing/2010/main" val="0"/>
               </a:ext>
             </a:extLst>
           </a:blip>
@@ -14777,8 +15782,8 @@
         </p:blipFill>
         <p:spPr bwMode="auto">
           <a:xfrm>
-            <a:off x="4029397" y="3336776"/>
-            <a:ext cx="4791075" cy="1676400"/>
+            <a:off x="314845" y="2798543"/>
+            <a:ext cx="3435153" cy="2412698"/>
           </a:xfrm>
           <a:prstGeom prst="rect">
             <a:avLst/>
@@ -14789,14 +15794,68 @@
           </a:ln>
           <a:extLst>
             <a:ext uri="{909E8E84-426E-40DD-AFC4-6F175D3DCCD1}">
-              <a14:hiddenFill xmlns:a14="http://schemas.microsoft.com/office/drawing/2010/main">
+              <a14:hiddenFill xmlns="" xmlns:a14="http://schemas.microsoft.com/office/drawing/2010/main">
                 <a:solidFill>
                   <a:srgbClr val="FFFFFF"/>
                 </a:solidFill>
               </a14:hiddenFill>
             </a:ext>
             <a:ext uri="{91240B29-F687-4F45-9708-019B960494DF}">
-              <a14:hiddenLine xmlns:a14="http://schemas.microsoft.com/office/drawing/2010/main" w="9525">
+              <a14:hiddenLine xmlns="" xmlns:a14="http://schemas.microsoft.com/office/drawing/2010/main" w="9525">
+                <a:solidFill>
+                  <a:srgbClr val="000000"/>
+                </a:solidFill>
+                <a:miter lim="800000"/>
+                <a:headEnd/>
+                <a:tailEnd/>
+              </a14:hiddenLine>
+            </a:ext>
+          </a:extLst>
+        </p:spPr>
+      </p:pic>
+      <p:pic>
+        <p:nvPicPr>
+          <p:cNvPr id="6148" name="Picture 4"/>
+          <p:cNvPicPr>
+            <a:picLocks noChangeAspect="1" noChangeArrowheads="1"/>
+          </p:cNvPicPr>
+          <p:nvPr/>
+        </p:nvPicPr>
+        <p:blipFill>
+          <a:blip r:embed="rId4" cstate="print">
+            <a:extLst>
+              <a:ext uri="{28A0092B-C50C-407E-A947-70E740481C1C}">
+                <a14:useLocalDpi xmlns="" xmlns:a14="http://schemas.microsoft.com/office/drawing/2010/main" val="0"/>
+              </a:ext>
+            </a:extLst>
+          </a:blip>
+          <a:srcRect/>
+          <a:stretch>
+            <a:fillRect/>
+          </a:stretch>
+        </p:blipFill>
+        <p:spPr bwMode="auto">
+          <a:xfrm>
+            <a:off x="4067944" y="3346787"/>
+            <a:ext cx="4791075" cy="1594381"/>
+          </a:xfrm>
+          <a:prstGeom prst="rect">
+            <a:avLst/>
+          </a:prstGeom>
+          <a:noFill/>
+          <a:ln>
+            <a:noFill/>
+          </a:ln>
+          <a:extLst>
+            <a:ext uri="{909E8E84-426E-40DD-AFC4-6F175D3DCCD1}">
+              <a14:hiddenFill xmlns="" xmlns:a14="http://schemas.microsoft.com/office/drawing/2010/main">
+                <a:solidFill>
+                  <a:srgbClr val="FFFFFF"/>
+                </a:solidFill>
+              </a14:hiddenFill>
+            </a:ext>
+            <a:ext uri="{91240B29-F687-4F45-9708-019B960494DF}">
+              <a14:hiddenLine xmlns="" xmlns:a14="http://schemas.microsoft.com/office/drawing/2010/main" w="9525">
                 <a:solidFill>
                   <a:srgbClr val="000000"/>
                 </a:solidFill>
@@ -14809,6 +15868,11 @@
         </p:spPr>
       </p:pic>
     </p:spTree>
+    <p:extLst>
+      <p:ext uri="{BB962C8B-B14F-4D97-AF65-F5344CB8AC3E}">
+        <p14:creationId xmlns="" xmlns:p14="http://schemas.microsoft.com/office/powerpoint/2010/main" val="1642830939"/>
+      </p:ext>
+    </p:extLst>
   </p:cSld>
   <p:clrMapOvr>
     <a:masterClrMapping/>
@@ -15106,4 +16170,287 @@
   <a:objectDefaults/>
   <a:extraClrSchemeLst/>
 </a:theme>
+</file>
+
+<file path=ppt/theme/theme2.xml><?xml version="1.0" encoding="utf-8"?>
+<a:theme xmlns:a="http://schemas.openxmlformats.org/drawingml/2006/main" name="Tema do Office">
+  <a:themeElements>
+    <a:clrScheme name="Escritório">
+      <a:dk1>
+        <a:sysClr val="windowText" lastClr="000000"/>
+      </a:dk1>
+      <a:lt1>
+        <a:sysClr val="window" lastClr="FFFFFF"/>
+      </a:lt1>
+      <a:dk2>
+        <a:srgbClr val="1F497D"/>
+      </a:dk2>
+      <a:lt2>
+        <a:srgbClr val="EEECE1"/>
+      </a:lt2>
+      <a:accent1>
+        <a:srgbClr val="4F81BD"/>
+      </a:accent1>
+      <a:accent2>
+        <a:srgbClr val="C0504D"/>
+      </a:accent2>
+      <a:accent3>
+        <a:srgbClr val="9BBB59"/>
+      </a:accent3>
+      <a:accent4>
+        <a:srgbClr val="8064A2"/>
+      </a:accent4>
+      <a:accent5>
+        <a:srgbClr val="4BACC6"/>
+      </a:accent5>
+      <a:accent6>
+        <a:srgbClr val="F79646"/>
+      </a:accent6>
+      <a:hlink>
+        <a:srgbClr val="0000FF"/>
+      </a:hlink>
+      <a:folHlink>
+        <a:srgbClr val="800080"/>
+      </a:folHlink>
+    </a:clrScheme>
+    <a:fontScheme name="Escritório">
+      <a:majorFont>
+        <a:latin typeface="Calibri"/>
+        <a:ea typeface=""/>
+        <a:cs typeface=""/>
+        <a:font script="Jpan" typeface="ＭＳ Ｐゴシック"/>
+        <a:font script="Hang" typeface="맑은 고딕"/>
+        <a:font script="Hans" typeface="宋体"/>
+        <a:font script="Hant" typeface="新細明體"/>
+        <a:font script="Arab" typeface="Times New Roman"/>
+        <a:font script="Hebr" typeface="Times New Roman"/>
+        <a:font script="Thai" typeface="Angsana New"/>
+        <a:font script="Ethi" typeface="Nyala"/>
+        <a:font script="Beng" typeface="Vrinda"/>
+        <a:font script="Gujr" typeface="Shruti"/>
+        <a:font script="Khmr" typeface="MoolBoran"/>
+        <a:font script="Knda" typeface="Tunga"/>
+        <a:font script="Guru" typeface="Raavi"/>
+        <a:font script="Cans" typeface="Euphemia"/>
+        <a:font script="Cher" typeface="Plantagenet Cherokee"/>
+        <a:font script="Yiii" typeface="Microsoft Yi Baiti"/>
+        <a:font script="Tibt" typeface="Microsoft Himalaya"/>
+        <a:font script="Thaa" typeface="MV Boli"/>
+        <a:font script="Deva" typeface="Mangal"/>
+        <a:font script="Telu" typeface="Gautami"/>
+        <a:font script="Taml" typeface="Latha"/>
+        <a:font script="Syrc" typeface="Estrangelo Edessa"/>
+        <a:font script="Orya" typeface="Kalinga"/>
+        <a:font script="Mlym" typeface="Kartika"/>
+        <a:font script="Laoo" typeface="DokChampa"/>
+        <a:font script="Sinh" typeface="Iskoola Pota"/>
+        <a:font script="Mong" typeface="Mongolian Baiti"/>
+        <a:font script="Viet" typeface="Times New Roman"/>
+        <a:font script="Uigh" typeface="Microsoft Uighur"/>
+      </a:majorFont>
+      <a:minorFont>
+        <a:latin typeface="Calibri"/>
+        <a:ea typeface=""/>
+        <a:cs typeface=""/>
+        <a:font script="Jpan" typeface="ＭＳ Ｐゴシック"/>
+        <a:font script="Hang" typeface="맑은 고딕"/>
+        <a:font script="Hans" typeface="宋体"/>
+        <a:font script="Hant" typeface="新細明體"/>
+        <a:font script="Arab" typeface="Arial"/>
+        <a:font script="Hebr" typeface="Arial"/>
+        <a:font script="Thai" typeface="Cordia New"/>
+        <a:font script="Ethi" typeface="Nyala"/>
+        <a:font script="Beng" typeface="Vrinda"/>
+        <a:font script="Gujr" typeface="Shruti"/>
+        <a:font script="Khmr" typeface="DaunPenh"/>
+        <a:font script="Knda" typeface="Tunga"/>
+        <a:font script="Guru" typeface="Raavi"/>
+        <a:font script="Cans" typeface="Euphemia"/>
+        <a:font script="Cher" typeface="Plantagenet Cherokee"/>
+        <a:font script="Yiii" typeface="Microsoft Yi Baiti"/>
+        <a:font script="Tibt" typeface="Microsoft Himalaya"/>
+        <a:font script="Thaa" typeface="MV Boli"/>
+        <a:font script="Deva" typeface="Mangal"/>
+        <a:font script="Telu" typeface="Gautami"/>
+        <a:font script="Taml" typeface="Latha"/>
+        <a:font script="Syrc" typeface="Estrangelo Edessa"/>
+        <a:font script="Orya" typeface="Kalinga"/>
+        <a:font script="Mlym" typeface="Kartika"/>
+        <a:font script="Laoo" typeface="DokChampa"/>
+        <a:font script="Sinh" typeface="Iskoola Pota"/>
+        <a:font script="Mong" typeface="Mongolian Baiti"/>
+        <a:font script="Viet" typeface="Arial"/>
+        <a:font script="Uigh" typeface="Microsoft Uighur"/>
+      </a:minorFont>
+    </a:fontScheme>
+    <a:fmtScheme name="Escritório">
+      <a:fillStyleLst>
+        <a:solidFill>
+          <a:schemeClr val="phClr"/>
+        </a:solidFill>
+        <a:gradFill rotWithShape="1">
+          <a:gsLst>
+            <a:gs pos="0">
+              <a:schemeClr val="phClr">
+                <a:tint val="50000"/>
+                <a:satMod val="300000"/>
+              </a:schemeClr>
+            </a:gs>
+            <a:gs pos="35000">
+              <a:schemeClr val="phClr">
+                <a:tint val="37000"/>
+                <a:satMod val="300000"/>
+              </a:schemeClr>
+            </a:gs>
+            <a:gs pos="100000">
+              <a:schemeClr val="phClr">
+                <a:tint val="15000"/>
+                <a:satMod val="350000"/>
+              </a:schemeClr>
+            </a:gs>
+          </a:gsLst>
+          <a:lin ang="16200000" scaled="1"/>
+        </a:gradFill>
+        <a:gradFill rotWithShape="1">
+          <a:gsLst>
+            <a:gs pos="0">
+              <a:schemeClr val="phClr">
+                <a:shade val="51000"/>
+                <a:satMod val="130000"/>
+              </a:schemeClr>
+            </a:gs>
+            <a:gs pos="80000">
+              <a:schemeClr val="phClr">
+                <a:shade val="93000"/>
+                <a:satMod val="130000"/>
+              </a:schemeClr>
+            </a:gs>
+            <a:gs pos="100000">
+              <a:schemeClr val="phClr">
+                <a:shade val="94000"/>
+                <a:satMod val="135000"/>
+              </a:schemeClr>
+            </a:gs>
+          </a:gsLst>
+          <a:lin ang="16200000" scaled="0"/>
+        </a:gradFill>
+      </a:fillStyleLst>
+      <a:lnStyleLst>
+        <a:ln w="9525" cap="flat" cmpd="sng" algn="ctr">
+          <a:solidFill>
+            <a:schemeClr val="phClr">
+              <a:shade val="95000"/>
+              <a:satMod val="105000"/>
+            </a:schemeClr>
+          </a:solidFill>
+          <a:prstDash val="solid"/>
+        </a:ln>
+        <a:ln w="25400" cap="flat" cmpd="sng" algn="ctr">
+          <a:solidFill>
+            <a:schemeClr val="phClr"/>
+          </a:solidFill>
+          <a:prstDash val="solid"/>
+        </a:ln>
+        <a:ln w="38100" cap="flat" cmpd="sng" algn="ctr">
+          <a:solidFill>
+            <a:schemeClr val="phClr"/>
+          </a:solidFill>
+          <a:prstDash val="solid"/>
+        </a:ln>
+      </a:lnStyleLst>
+      <a:effectStyleLst>
+        <a:effectStyle>
+          <a:effectLst>
+            <a:outerShdw blurRad="40000" dist="20000" dir="5400000" rotWithShape="0">
+              <a:srgbClr val="000000">
+                <a:alpha val="38000"/>
+              </a:srgbClr>
+            </a:outerShdw>
+          </a:effectLst>
+        </a:effectStyle>
+        <a:effectStyle>
+          <a:effectLst>
+            <a:outerShdw blurRad="40000" dist="23000" dir="5400000" rotWithShape="0">
+              <a:srgbClr val="000000">
+                <a:alpha val="35000"/>
+              </a:srgbClr>
+            </a:outerShdw>
+          </a:effectLst>
+        </a:effectStyle>
+        <a:effectStyle>
+          <a:effectLst>
+            <a:outerShdw blurRad="40000" dist="23000" dir="5400000" rotWithShape="0">
+              <a:srgbClr val="000000">
+                <a:alpha val="35000"/>
+              </a:srgbClr>
+            </a:outerShdw>
+          </a:effectLst>
+          <a:scene3d>
+            <a:camera prst="orthographicFront">
+              <a:rot lat="0" lon="0" rev="0"/>
+            </a:camera>
+            <a:lightRig rig="threePt" dir="t">
+              <a:rot lat="0" lon="0" rev="1200000"/>
+            </a:lightRig>
+          </a:scene3d>
+          <a:sp3d>
+            <a:bevelT w="63500" h="25400"/>
+          </a:sp3d>
+        </a:effectStyle>
+      </a:effectStyleLst>
+      <a:bgFillStyleLst>
+        <a:solidFill>
+          <a:schemeClr val="phClr"/>
+        </a:solidFill>
+        <a:gradFill rotWithShape="1">
+          <a:gsLst>
+            <a:gs pos="0">
+              <a:schemeClr val="phClr">
+                <a:tint val="40000"/>
+                <a:satMod val="350000"/>
+              </a:schemeClr>
+            </a:gs>
+            <a:gs pos="40000">
+              <a:schemeClr val="phClr">
+                <a:tint val="45000"/>
+                <a:shade val="99000"/>
+                <a:satMod val="350000"/>
+              </a:schemeClr>
+            </a:gs>
+            <a:gs pos="100000">
+              <a:schemeClr val="phClr">
+                <a:shade val="20000"/>
+                <a:satMod val="255000"/>
+              </a:schemeClr>
+            </a:gs>
+          </a:gsLst>
+          <a:path path="circle">
+            <a:fillToRect l="50000" t="-80000" r="50000" b="180000"/>
+          </a:path>
+        </a:gradFill>
+        <a:gradFill rotWithShape="1">
+          <a:gsLst>
+            <a:gs pos="0">
+              <a:schemeClr val="phClr">
+                <a:tint val="80000"/>
+                <a:satMod val="300000"/>
+              </a:schemeClr>
+            </a:gs>
+            <a:gs pos="100000">
+              <a:schemeClr val="phClr">
+                <a:shade val="30000"/>
+                <a:satMod val="200000"/>
+              </a:schemeClr>
+            </a:gs>
+          </a:gsLst>
+          <a:path path="circle">
+            <a:fillToRect l="50000" t="50000" r="50000" b="50000"/>
+          </a:path>
+        </a:gradFill>
+      </a:bgFillStyleLst>
+    </a:fmtScheme>
+  </a:themeElements>
+  <a:objectDefaults/>
+  <a:extraClrSchemeLst/>
+</a:theme>
 </file>